--- a/Homework3/rede.pptx
+++ b/Homework3/rede.pptx
@@ -6,7 +6,6 @@
   </p:sldMasterIdLst>
   <p:sldIdLst>
     <p:sldId id="256" r:id="rId2"/>
-    <p:sldId id="257" r:id="rId3"/>
   </p:sldIdLst>
   <p:sldSz cx="12192000" cy="6858000"/>
   <p:notesSz cx="6858000" cy="9144000"/>
@@ -105,6 +104,11 @@
       </a:defRPr>
     </a:lvl9pPr>
   </p:defaultTextStyle>
+  <p:extLst>
+    <p:ext uri="{EFAFB233-063F-42B5-8137-9DF3F51BA10A}">
+      <p15:sldGuideLst xmlns:p15="http://schemas.microsoft.com/office/powerpoint/2012/main"/>
+    </p:ext>
+  </p:extLst>
 </p:presentation>
 </file>
 
@@ -255,7 +259,7 @@
           <a:p>
             <a:fld id="{80363D34-735B-4446-AC78-908362347469}" type="datetimeFigureOut">
               <a:rPr lang="pt-PT" smtClean="0"/>
-              <a:t>18/10/2023</a:t>
+              <a:t>18/10/23</a:t>
             </a:fld>
             <a:endParaRPr lang="pt-PT"/>
           </a:p>
@@ -309,7 +313,7 @@
           <a:p>
             <a:fld id="{68FD7E3B-D27C-4C2D-A7DD-1AC15646370C}" type="slidenum">
               <a:rPr lang="pt-PT" smtClean="0"/>
-              <a:t>‹nº›</a:t>
+              <a:t>‹#›</a:t>
             </a:fld>
             <a:endParaRPr lang="pt-PT"/>
           </a:p>
@@ -453,7 +457,7 @@
           <a:p>
             <a:fld id="{80363D34-735B-4446-AC78-908362347469}" type="datetimeFigureOut">
               <a:rPr lang="pt-PT" smtClean="0"/>
-              <a:t>18/10/2023</a:t>
+              <a:t>18/10/23</a:t>
             </a:fld>
             <a:endParaRPr lang="pt-PT"/>
           </a:p>
@@ -507,7 +511,7 @@
           <a:p>
             <a:fld id="{68FD7E3B-D27C-4C2D-A7DD-1AC15646370C}" type="slidenum">
               <a:rPr lang="pt-PT" smtClean="0"/>
-              <a:t>‹nº›</a:t>
+              <a:t>‹#›</a:t>
             </a:fld>
             <a:endParaRPr lang="pt-PT"/>
           </a:p>
@@ -661,7 +665,7 @@
           <a:p>
             <a:fld id="{80363D34-735B-4446-AC78-908362347469}" type="datetimeFigureOut">
               <a:rPr lang="pt-PT" smtClean="0"/>
-              <a:t>18/10/2023</a:t>
+              <a:t>18/10/23</a:t>
             </a:fld>
             <a:endParaRPr lang="pt-PT"/>
           </a:p>
@@ -715,7 +719,7 @@
           <a:p>
             <a:fld id="{68FD7E3B-D27C-4C2D-A7DD-1AC15646370C}" type="slidenum">
               <a:rPr lang="pt-PT" smtClean="0"/>
-              <a:t>‹nº›</a:t>
+              <a:t>‹#›</a:t>
             </a:fld>
             <a:endParaRPr lang="pt-PT"/>
           </a:p>
@@ -859,7 +863,7 @@
           <a:p>
             <a:fld id="{80363D34-735B-4446-AC78-908362347469}" type="datetimeFigureOut">
               <a:rPr lang="pt-PT" smtClean="0"/>
-              <a:t>18/10/2023</a:t>
+              <a:t>18/10/23</a:t>
             </a:fld>
             <a:endParaRPr lang="pt-PT"/>
           </a:p>
@@ -913,7 +917,7 @@
           <a:p>
             <a:fld id="{68FD7E3B-D27C-4C2D-A7DD-1AC15646370C}" type="slidenum">
               <a:rPr lang="pt-PT" smtClean="0"/>
-              <a:t>‹nº›</a:t>
+              <a:t>‹#›</a:t>
             </a:fld>
             <a:endParaRPr lang="pt-PT"/>
           </a:p>
@@ -1134,7 +1138,7 @@
           <a:p>
             <a:fld id="{80363D34-735B-4446-AC78-908362347469}" type="datetimeFigureOut">
               <a:rPr lang="pt-PT" smtClean="0"/>
-              <a:t>18/10/2023</a:t>
+              <a:t>18/10/23</a:t>
             </a:fld>
             <a:endParaRPr lang="pt-PT"/>
           </a:p>
@@ -1188,7 +1192,7 @@
           <a:p>
             <a:fld id="{68FD7E3B-D27C-4C2D-A7DD-1AC15646370C}" type="slidenum">
               <a:rPr lang="pt-PT" smtClean="0"/>
-              <a:t>‹nº›</a:t>
+              <a:t>‹#›</a:t>
             </a:fld>
             <a:endParaRPr lang="pt-PT"/>
           </a:p>
@@ -1399,7 +1403,7 @@
           <a:p>
             <a:fld id="{80363D34-735B-4446-AC78-908362347469}" type="datetimeFigureOut">
               <a:rPr lang="pt-PT" smtClean="0"/>
-              <a:t>18/10/2023</a:t>
+              <a:t>18/10/23</a:t>
             </a:fld>
             <a:endParaRPr lang="pt-PT"/>
           </a:p>
@@ -1453,7 +1457,7 @@
           <a:p>
             <a:fld id="{68FD7E3B-D27C-4C2D-A7DD-1AC15646370C}" type="slidenum">
               <a:rPr lang="pt-PT" smtClean="0"/>
-              <a:t>‹nº›</a:t>
+              <a:t>‹#›</a:t>
             </a:fld>
             <a:endParaRPr lang="pt-PT"/>
           </a:p>
@@ -1811,7 +1815,7 @@
           <a:p>
             <a:fld id="{80363D34-735B-4446-AC78-908362347469}" type="datetimeFigureOut">
               <a:rPr lang="pt-PT" smtClean="0"/>
-              <a:t>18/10/2023</a:t>
+              <a:t>18/10/23</a:t>
             </a:fld>
             <a:endParaRPr lang="pt-PT"/>
           </a:p>
@@ -1865,7 +1869,7 @@
           <a:p>
             <a:fld id="{68FD7E3B-D27C-4C2D-A7DD-1AC15646370C}" type="slidenum">
               <a:rPr lang="pt-PT" smtClean="0"/>
-              <a:t>‹nº›</a:t>
+              <a:t>‹#›</a:t>
             </a:fld>
             <a:endParaRPr lang="pt-PT"/>
           </a:p>
@@ -1952,7 +1956,7 @@
           <a:p>
             <a:fld id="{80363D34-735B-4446-AC78-908362347469}" type="datetimeFigureOut">
               <a:rPr lang="pt-PT" smtClean="0"/>
-              <a:t>18/10/2023</a:t>
+              <a:t>18/10/23</a:t>
             </a:fld>
             <a:endParaRPr lang="pt-PT"/>
           </a:p>
@@ -2006,7 +2010,7 @@
           <a:p>
             <a:fld id="{68FD7E3B-D27C-4C2D-A7DD-1AC15646370C}" type="slidenum">
               <a:rPr lang="pt-PT" smtClean="0"/>
-              <a:t>‹nº›</a:t>
+              <a:t>‹#›</a:t>
             </a:fld>
             <a:endParaRPr lang="pt-PT"/>
           </a:p>
@@ -2065,7 +2069,7 @@
           <a:p>
             <a:fld id="{80363D34-735B-4446-AC78-908362347469}" type="datetimeFigureOut">
               <a:rPr lang="pt-PT" smtClean="0"/>
-              <a:t>18/10/2023</a:t>
+              <a:t>18/10/23</a:t>
             </a:fld>
             <a:endParaRPr lang="pt-PT"/>
           </a:p>
@@ -2119,7 +2123,7 @@
           <a:p>
             <a:fld id="{68FD7E3B-D27C-4C2D-A7DD-1AC15646370C}" type="slidenum">
               <a:rPr lang="pt-PT" smtClean="0"/>
-              <a:t>‹nº›</a:t>
+              <a:t>‹#›</a:t>
             </a:fld>
             <a:endParaRPr lang="pt-PT"/>
           </a:p>
@@ -2376,7 +2380,7 @@
           <a:p>
             <a:fld id="{80363D34-735B-4446-AC78-908362347469}" type="datetimeFigureOut">
               <a:rPr lang="pt-PT" smtClean="0"/>
-              <a:t>18/10/2023</a:t>
+              <a:t>18/10/23</a:t>
             </a:fld>
             <a:endParaRPr lang="pt-PT"/>
           </a:p>
@@ -2430,7 +2434,7 @@
           <a:p>
             <a:fld id="{68FD7E3B-D27C-4C2D-A7DD-1AC15646370C}" type="slidenum">
               <a:rPr lang="pt-PT" smtClean="0"/>
-              <a:t>‹nº›</a:t>
+              <a:t>‹#›</a:t>
             </a:fld>
             <a:endParaRPr lang="pt-PT"/>
           </a:p>
@@ -2664,7 +2668,7 @@
           <a:p>
             <a:fld id="{80363D34-735B-4446-AC78-908362347469}" type="datetimeFigureOut">
               <a:rPr lang="pt-PT" smtClean="0"/>
-              <a:t>18/10/2023</a:t>
+              <a:t>18/10/23</a:t>
             </a:fld>
             <a:endParaRPr lang="pt-PT"/>
           </a:p>
@@ -2718,7 +2722,7 @@
           <a:p>
             <a:fld id="{68FD7E3B-D27C-4C2D-A7DD-1AC15646370C}" type="slidenum">
               <a:rPr lang="pt-PT" smtClean="0"/>
-              <a:t>‹nº›</a:t>
+              <a:t>‹#›</a:t>
             </a:fld>
             <a:endParaRPr lang="pt-PT"/>
           </a:p>
@@ -2905,7 +2909,7 @@
           <a:p>
             <a:fld id="{80363D34-735B-4446-AC78-908362347469}" type="datetimeFigureOut">
               <a:rPr lang="pt-PT" smtClean="0"/>
-              <a:t>18/10/2023</a:t>
+              <a:t>18/10/23</a:t>
             </a:fld>
             <a:endParaRPr lang="pt-PT"/>
           </a:p>
@@ -2995,7 +2999,7 @@
           <a:p>
             <a:fld id="{68FD7E3B-D27C-4C2D-A7DD-1AC15646370C}" type="slidenum">
               <a:rPr lang="pt-PT" smtClean="0"/>
-              <a:t>‹nº›</a:t>
+              <a:t>‹#›</a:t>
             </a:fld>
             <a:endParaRPr lang="pt-PT"/>
           </a:p>
@@ -3322,30 +3326,653 @@
           <a:chExt cx="0" cy="0"/>
         </a:xfrm>
       </p:grpSpPr>
+      <mc:AlternateContent xmlns:mc="http://schemas.openxmlformats.org/markup-compatibility/2006" xmlns:a14="http://schemas.microsoft.com/office/drawing/2010/main">
+        <mc:Choice Requires="a14">
+          <p:sp>
+            <p:nvSpPr>
+              <p:cNvPr id="16" name="Oval 15">
+                <a:extLst>
+                  <a:ext uri="{FF2B5EF4-FFF2-40B4-BE49-F238E27FC236}">
+                    <a16:creationId xmlns:a16="http://schemas.microsoft.com/office/drawing/2014/main" id="{A75C03B0-FF23-2CDE-AC74-163993976345}"/>
+                  </a:ext>
+                </a:extLst>
+              </p:cNvPr>
+              <p:cNvSpPr/>
+              <p:nvPr/>
+            </p:nvSpPr>
+            <p:spPr>
+              <a:xfrm>
+                <a:off x="3472416" y="1719762"/>
+                <a:ext cx="591671" cy="519953"/>
+              </a:xfrm>
+              <a:prstGeom prst="ellipse">
+                <a:avLst/>
+              </a:prstGeom>
+              <a:solidFill>
+                <a:schemeClr val="accent1">
+                  <a:lumMod val="75000"/>
+                </a:schemeClr>
+              </a:solidFill>
+              <a:ln>
+                <a:solidFill>
+                  <a:schemeClr val="accent1">
+                    <a:lumMod val="75000"/>
+                  </a:schemeClr>
+                </a:solidFill>
+              </a:ln>
+            </p:spPr>
+            <p:style>
+              <a:lnRef idx="2">
+                <a:schemeClr val="accent2">
+                  <a:shade val="15000"/>
+                </a:schemeClr>
+              </a:lnRef>
+              <a:fillRef idx="1">
+                <a:schemeClr val="accent2"/>
+              </a:fillRef>
+              <a:effectRef idx="0">
+                <a:schemeClr val="accent2"/>
+              </a:effectRef>
+              <a:fontRef idx="minor">
+                <a:schemeClr val="lt1"/>
+              </a:fontRef>
+            </p:style>
+            <p:txBody>
+              <a:bodyPr rtlCol="0" anchor="ctr"/>
+              <a:lstStyle/>
+              <a:p>
+                <a:pPr algn="ctr"/>
+                <a14:m>
+                  <m:oMathPara xmlns:m="http://schemas.openxmlformats.org/officeDocument/2006/math">
+                    <m:oMathParaPr>
+                      <m:jc m:val="centerGroup"/>
+                    </m:oMathParaPr>
+                    <m:oMath xmlns:m="http://schemas.openxmlformats.org/officeDocument/2006/math">
+                      <m:sSubSup>
+                        <m:sSubSupPr>
+                          <m:ctrlPr>
+                            <a:rPr lang="pt-PT" i="1" smtClean="0">
+                              <a:latin typeface="Cambria Math" panose="02040503050406030204" pitchFamily="18" charset="0"/>
+                            </a:rPr>
+                          </m:ctrlPr>
+                        </m:sSubSupPr>
+                        <m:e>
+                          <m:r>
+                            <a:rPr lang="pt-PT" b="0" i="1" smtClean="0">
+                              <a:latin typeface="Cambria Math" panose="02040503050406030204" pitchFamily="18" charset="0"/>
+                            </a:rPr>
+                            <m:t>  </m:t>
+                          </m:r>
+                          <m:r>
+                            <a:rPr lang="pt-PT" b="0" i="1" smtClean="0">
+                              <a:latin typeface="Cambria Math" panose="02040503050406030204" pitchFamily="18" charset="0"/>
+                            </a:rPr>
+                            <m:t>𝑧</m:t>
+                          </m:r>
+                        </m:e>
+                        <m:sub>
+                          <m:r>
+                            <a:rPr lang="pt-PT" b="0" i="1" smtClean="0">
+                              <a:latin typeface="Cambria Math" panose="02040503050406030204" pitchFamily="18" charset="0"/>
+                            </a:rPr>
+                            <m:t>1</m:t>
+                          </m:r>
+                        </m:sub>
+                        <m:sup>
+                          <m:r>
+                            <a:rPr lang="pt-PT" b="0" i="1" smtClean="0">
+                              <a:latin typeface="Cambria Math" panose="02040503050406030204" pitchFamily="18" charset="0"/>
+                            </a:rPr>
+                            <m:t>[1]</m:t>
+                          </m:r>
+                        </m:sup>
+                      </m:sSubSup>
+                    </m:oMath>
+                  </m:oMathPara>
+                </a14:m>
+                <a:endParaRPr lang="pt-PT" dirty="0"/>
+              </a:p>
+            </p:txBody>
+          </p:sp>
+        </mc:Choice>
+        <mc:Fallback xmlns="">
+          <p:sp>
+            <p:nvSpPr>
+              <p:cNvPr id="16" name="Oval 15">
+                <a:extLst>
+                  <a:ext uri="{FF2B5EF4-FFF2-40B4-BE49-F238E27FC236}">
+                    <a16:creationId xmlns:a16="http://schemas.microsoft.com/office/drawing/2014/main" id="{A75C03B0-FF23-2CDE-AC74-163993976345}"/>
+                  </a:ext>
+                </a:extLst>
+              </p:cNvPr>
+              <p:cNvSpPr>
+                <a:spLocks noRot="1" noChangeAspect="1" noMove="1" noResize="1" noEditPoints="1" noAdjustHandles="1" noChangeArrowheads="1" noChangeShapeType="1" noTextEdit="1"/>
+              </p:cNvSpPr>
+              <p:nvPr/>
+            </p:nvSpPr>
+            <p:spPr>
+              <a:xfrm>
+                <a:off x="3472416" y="1719762"/>
+                <a:ext cx="591671" cy="519953"/>
+              </a:xfrm>
+              <a:prstGeom prst="ellipse">
+                <a:avLst/>
+              </a:prstGeom>
+              <a:blipFill>
+                <a:blip r:embed="rId2"/>
+                <a:stretch>
+                  <a:fillRect l="-10204"/>
+                </a:stretch>
+              </a:blipFill>
+              <a:ln>
+                <a:solidFill>
+                  <a:schemeClr val="accent1">
+                    <a:lumMod val="75000"/>
+                  </a:schemeClr>
+                </a:solidFill>
+              </a:ln>
+            </p:spPr>
+            <p:txBody>
+              <a:bodyPr/>
+              <a:lstStyle/>
+              <a:p>
+                <a:r>
+                  <a:rPr lang="en-US">
+                    <a:noFill/>
+                  </a:rPr>
+                  <a:t> </a:t>
+                </a:r>
+              </a:p>
+            </p:txBody>
+          </p:sp>
+        </mc:Fallback>
+      </mc:AlternateContent>
+      <p:sp>
+        <p:nvSpPr>
+          <p:cNvPr id="19" name="Oval 18">
+            <a:extLst>
+              <a:ext uri="{FF2B5EF4-FFF2-40B4-BE49-F238E27FC236}">
+                <a16:creationId xmlns:a16="http://schemas.microsoft.com/office/drawing/2014/main" id="{8AB2B6E2-248F-5F04-50CF-29272C03E5B8}"/>
+              </a:ext>
+            </a:extLst>
+          </p:cNvPr>
+          <p:cNvSpPr/>
+          <p:nvPr/>
+        </p:nvSpPr>
+        <p:spPr>
+          <a:xfrm>
+            <a:off x="5407810" y="2052861"/>
+            <a:ext cx="591671" cy="519953"/>
+          </a:xfrm>
+          <a:prstGeom prst="ellipse">
+            <a:avLst/>
+          </a:prstGeom>
+          <a:solidFill>
+            <a:schemeClr val="accent1">
+              <a:lumMod val="75000"/>
+            </a:schemeClr>
+          </a:solidFill>
+          <a:ln>
+            <a:solidFill>
+              <a:schemeClr val="accent1">
+                <a:lumMod val="75000"/>
+              </a:schemeClr>
+            </a:solidFill>
+          </a:ln>
+        </p:spPr>
+        <p:style>
+          <a:lnRef idx="2">
+            <a:schemeClr val="accent1">
+              <a:shade val="15000"/>
+            </a:schemeClr>
+          </a:lnRef>
+          <a:fillRef idx="1">
+            <a:schemeClr val="accent1"/>
+          </a:fillRef>
+          <a:effectRef idx="0">
+            <a:schemeClr val="accent1"/>
+          </a:effectRef>
+          <a:fontRef idx="minor">
+            <a:schemeClr val="lt1"/>
+          </a:fontRef>
+        </p:style>
+        <p:txBody>
+          <a:bodyPr rtlCol="0" anchor="ctr"/>
+          <a:lstStyle/>
+          <a:p>
+            <a:pPr algn="ctr"/>
+            <a:endParaRPr lang="pt-PT" dirty="0"/>
+          </a:p>
+        </p:txBody>
+      </p:sp>
+      <p:sp>
+        <p:nvSpPr>
+          <p:cNvPr id="20" name="Oval 19">
+            <a:extLst>
+              <a:ext uri="{FF2B5EF4-FFF2-40B4-BE49-F238E27FC236}">
+                <a16:creationId xmlns:a16="http://schemas.microsoft.com/office/drawing/2014/main" id="{C71FA85C-7768-D5EA-4A4A-DB4003349680}"/>
+              </a:ext>
+            </a:extLst>
+          </p:cNvPr>
+          <p:cNvSpPr/>
+          <p:nvPr/>
+        </p:nvSpPr>
+        <p:spPr>
+          <a:xfrm>
+            <a:off x="5407811" y="3390845"/>
+            <a:ext cx="591671" cy="519953"/>
+          </a:xfrm>
+          <a:prstGeom prst="ellipse">
+            <a:avLst/>
+          </a:prstGeom>
+          <a:solidFill>
+            <a:schemeClr val="accent1">
+              <a:lumMod val="75000"/>
+            </a:schemeClr>
+          </a:solidFill>
+          <a:ln>
+            <a:solidFill>
+              <a:schemeClr val="accent1">
+                <a:lumMod val="75000"/>
+              </a:schemeClr>
+            </a:solidFill>
+          </a:ln>
+        </p:spPr>
+        <p:style>
+          <a:lnRef idx="2">
+            <a:schemeClr val="accent1">
+              <a:shade val="15000"/>
+            </a:schemeClr>
+          </a:lnRef>
+          <a:fillRef idx="1">
+            <a:schemeClr val="accent1"/>
+          </a:fillRef>
+          <a:effectRef idx="0">
+            <a:schemeClr val="accent1"/>
+          </a:effectRef>
+          <a:fontRef idx="minor">
+            <a:schemeClr val="lt1"/>
+          </a:fontRef>
+        </p:style>
+        <p:txBody>
+          <a:bodyPr rtlCol="0" anchor="ctr"/>
+          <a:lstStyle/>
+          <a:p>
+            <a:pPr algn="ctr"/>
+            <a:endParaRPr lang="pt-PT"/>
+          </a:p>
+        </p:txBody>
+      </p:sp>
+      <mc:AlternateContent xmlns:mc="http://schemas.openxmlformats.org/markup-compatibility/2006" xmlns:a14="http://schemas.microsoft.com/office/drawing/2010/main">
+        <mc:Choice Requires="a14">
+          <p:sp>
+            <p:nvSpPr>
+              <p:cNvPr id="109" name="Oval 108">
+                <a:extLst>
+                  <a:ext uri="{FF2B5EF4-FFF2-40B4-BE49-F238E27FC236}">
+                    <a16:creationId xmlns:a16="http://schemas.microsoft.com/office/drawing/2014/main" id="{C8121677-0FF3-5256-BAB2-6C9F2C001F45}"/>
+                  </a:ext>
+                </a:extLst>
+              </p:cNvPr>
+              <p:cNvSpPr/>
+              <p:nvPr/>
+            </p:nvSpPr>
+            <p:spPr>
+              <a:xfrm>
+                <a:off x="1534753" y="718304"/>
+                <a:ext cx="591671" cy="519953"/>
+              </a:xfrm>
+              <a:prstGeom prst="ellipse">
+                <a:avLst/>
+              </a:prstGeom>
+              <a:ln>
+                <a:solidFill>
+                  <a:schemeClr val="accent2"/>
+                </a:solidFill>
+              </a:ln>
+            </p:spPr>
+            <p:style>
+              <a:lnRef idx="2">
+                <a:schemeClr val="accent2">
+                  <a:shade val="15000"/>
+                </a:schemeClr>
+              </a:lnRef>
+              <a:fillRef idx="1">
+                <a:schemeClr val="accent2"/>
+              </a:fillRef>
+              <a:effectRef idx="0">
+                <a:schemeClr val="accent2"/>
+              </a:effectRef>
+              <a:fontRef idx="minor">
+                <a:schemeClr val="lt1"/>
+              </a:fontRef>
+            </p:style>
+            <p:txBody>
+              <a:bodyPr rtlCol="0" anchor="ctr"/>
+              <a:lstStyle/>
+              <a:p>
+                <a:pPr algn="ctr"/>
+                <a14:m>
+                  <m:oMathPara xmlns:m="http://schemas.openxmlformats.org/officeDocument/2006/math">
+                    <m:oMathParaPr>
+                      <m:jc m:val="center"/>
+                    </m:oMathParaPr>
+                    <m:oMath xmlns:m="http://schemas.openxmlformats.org/officeDocument/2006/math">
+                      <m:r>
+                        <a:rPr lang="pt-PT" i="1">
+                          <a:latin typeface="Cambria Math" panose="02040503050406030204" pitchFamily="18" charset="0"/>
+                        </a:rPr>
+                        <m:t> </m:t>
+                      </m:r>
+                      <m:r>
+                        <a:rPr lang="pt-PT" b="0" i="1" smtClean="0">
+                          <a:latin typeface="Cambria Math" panose="02040503050406030204" pitchFamily="18" charset="0"/>
+                        </a:rPr>
+                        <m:t>1</m:t>
+                      </m:r>
+                    </m:oMath>
+                  </m:oMathPara>
+                </a14:m>
+                <a:endParaRPr lang="pt-PT" dirty="0"/>
+              </a:p>
+            </p:txBody>
+          </p:sp>
+        </mc:Choice>
+        <mc:Fallback xmlns="">
+          <p:sp>
+            <p:nvSpPr>
+              <p:cNvPr id="109" name="Oval 108">
+                <a:extLst>
+                  <a:ext uri="{FF2B5EF4-FFF2-40B4-BE49-F238E27FC236}">
+                    <a16:creationId xmlns:a16="http://schemas.microsoft.com/office/drawing/2014/main" id="{C8121677-0FF3-5256-BAB2-6C9F2C001F45}"/>
+                  </a:ext>
+                </a:extLst>
+              </p:cNvPr>
+              <p:cNvSpPr>
+                <a:spLocks noRot="1" noChangeAspect="1" noMove="1" noResize="1" noEditPoints="1" noAdjustHandles="1" noChangeArrowheads="1" noChangeShapeType="1" noTextEdit="1"/>
+              </p:cNvSpPr>
+              <p:nvPr/>
+            </p:nvSpPr>
+            <p:spPr>
+              <a:xfrm>
+                <a:off x="1534753" y="718304"/>
+                <a:ext cx="591671" cy="519953"/>
+              </a:xfrm>
+              <a:prstGeom prst="ellipse">
+                <a:avLst/>
+              </a:prstGeom>
+              <a:blipFill>
+                <a:blip r:embed="rId3"/>
+                <a:stretch>
+                  <a:fillRect/>
+                </a:stretch>
+              </a:blipFill>
+              <a:ln>
+                <a:solidFill>
+                  <a:schemeClr val="accent2"/>
+                </a:solidFill>
+              </a:ln>
+            </p:spPr>
+            <p:txBody>
+              <a:bodyPr/>
+              <a:lstStyle/>
+              <a:p>
+                <a:r>
+                  <a:rPr lang="en-US">
+                    <a:noFill/>
+                  </a:rPr>
+                  <a:t> </a:t>
+                </a:r>
+              </a:p>
+            </p:txBody>
+          </p:sp>
+        </mc:Fallback>
+      </mc:AlternateContent>
+      <p:sp>
+        <p:nvSpPr>
+          <p:cNvPr id="110" name="Oval 109">
+            <a:extLst>
+              <a:ext uri="{FF2B5EF4-FFF2-40B4-BE49-F238E27FC236}">
+                <a16:creationId xmlns:a16="http://schemas.microsoft.com/office/drawing/2014/main" id="{F1676643-5759-B045-809C-6CE04C2C9745}"/>
+              </a:ext>
+            </a:extLst>
+          </p:cNvPr>
+          <p:cNvSpPr/>
+          <p:nvPr/>
+        </p:nvSpPr>
+        <p:spPr>
+          <a:xfrm>
+            <a:off x="3472414" y="714878"/>
+            <a:ext cx="591671" cy="519953"/>
+          </a:xfrm>
+          <a:prstGeom prst="ellipse">
+            <a:avLst/>
+          </a:prstGeom>
+          <a:ln>
+            <a:solidFill>
+              <a:schemeClr val="accent2"/>
+            </a:solidFill>
+          </a:ln>
+        </p:spPr>
+        <p:style>
+          <a:lnRef idx="2">
+            <a:schemeClr val="accent2">
+              <a:shade val="15000"/>
+            </a:schemeClr>
+          </a:lnRef>
+          <a:fillRef idx="1">
+            <a:schemeClr val="accent2"/>
+          </a:fillRef>
+          <a:effectRef idx="0">
+            <a:schemeClr val="accent2"/>
+          </a:effectRef>
+          <a:fontRef idx="minor">
+            <a:schemeClr val="lt1"/>
+          </a:fontRef>
+        </p:style>
+        <p:txBody>
+          <a:bodyPr rtlCol="0" anchor="ctr"/>
+          <a:lstStyle/>
+          <a:p>
+            <a:pPr algn="ctr"/>
+            <a:r>
+              <a:rPr lang="pt-PT" dirty="0"/>
+              <a:t>1</a:t>
+            </a:r>
+          </a:p>
+        </p:txBody>
+      </p:sp>
+      <mc:AlternateContent xmlns:mc="http://schemas.openxmlformats.org/markup-compatibility/2006" xmlns:a14="http://schemas.microsoft.com/office/drawing/2010/main">
+        <mc:Choice Requires="a14">
+          <p:sp>
+            <p:nvSpPr>
+              <p:cNvPr id="88" name="Oval 87">
+                <a:extLst>
+                  <a:ext uri="{FF2B5EF4-FFF2-40B4-BE49-F238E27FC236}">
+                    <a16:creationId xmlns:a16="http://schemas.microsoft.com/office/drawing/2014/main" id="{36645929-A7AB-A845-8D77-5445CB8B4472}"/>
+                  </a:ext>
+                </a:extLst>
+              </p:cNvPr>
+              <p:cNvSpPr/>
+              <p:nvPr/>
+            </p:nvSpPr>
+            <p:spPr>
+              <a:xfrm>
+                <a:off x="7343206" y="1341289"/>
+                <a:ext cx="596162" cy="519953"/>
+              </a:xfrm>
+              <a:prstGeom prst="ellipse">
+                <a:avLst/>
+              </a:prstGeom>
+              <a:solidFill>
+                <a:schemeClr val="accent6">
+                  <a:lumMod val="60000"/>
+                  <a:lumOff val="40000"/>
+                </a:schemeClr>
+              </a:solidFill>
+              <a:ln>
+                <a:solidFill>
+                  <a:schemeClr val="accent6">
+                    <a:lumMod val="40000"/>
+                    <a:lumOff val="60000"/>
+                  </a:schemeClr>
+                </a:solidFill>
+              </a:ln>
+            </p:spPr>
+            <p:style>
+              <a:lnRef idx="2">
+                <a:schemeClr val="accent1">
+                  <a:shade val="15000"/>
+                </a:schemeClr>
+              </a:lnRef>
+              <a:fillRef idx="1">
+                <a:schemeClr val="accent1"/>
+              </a:fillRef>
+              <a:effectRef idx="0">
+                <a:schemeClr val="accent1"/>
+              </a:effectRef>
+              <a:fontRef idx="minor">
+                <a:schemeClr val="lt1"/>
+              </a:fontRef>
+            </p:style>
+            <p:txBody>
+              <a:bodyPr rtlCol="0" anchor="ctr"/>
+              <a:lstStyle/>
+              <a:p>
+                <a:pPr algn="ctr"/>
+                <a14:m>
+                  <m:oMathPara xmlns:m="http://schemas.openxmlformats.org/officeDocument/2006/math">
+                    <m:oMathParaPr>
+                      <m:jc m:val="centerGroup"/>
+                    </m:oMathParaPr>
+                    <m:oMath xmlns:m="http://schemas.openxmlformats.org/officeDocument/2006/math">
+                      <m:sSubSup>
+                        <m:sSubSupPr>
+                          <m:ctrlPr>
+                            <a:rPr lang="pt-PT" i="1" smtClean="0">
+                              <a:latin typeface="Cambria Math" panose="02040503050406030204" pitchFamily="18" charset="0"/>
+                            </a:rPr>
+                          </m:ctrlPr>
+                        </m:sSubSupPr>
+                        <m:e>
+                          <m:r>
+                            <a:rPr lang="pt-PT" b="0" i="1" smtClean="0">
+                              <a:latin typeface="Cambria Math" panose="02040503050406030204" pitchFamily="18" charset="0"/>
+                            </a:rPr>
+                            <m:t>  </m:t>
+                          </m:r>
+                          <m:r>
+                            <a:rPr lang="pt-PT" b="0" i="1" smtClean="0">
+                              <a:latin typeface="Cambria Math" panose="02040503050406030204" pitchFamily="18" charset="0"/>
+                            </a:rPr>
+                            <m:t>𝑧</m:t>
+                          </m:r>
+                        </m:e>
+                        <m:sub>
+                          <m:r>
+                            <a:rPr lang="pt-PT" b="0" i="1" smtClean="0">
+                              <a:latin typeface="Cambria Math" panose="02040503050406030204" pitchFamily="18" charset="0"/>
+                            </a:rPr>
+                            <m:t>1</m:t>
+                          </m:r>
+                        </m:sub>
+                        <m:sup>
+                          <m:r>
+                            <a:rPr lang="pt-PT" b="0" i="1" smtClean="0">
+                              <a:latin typeface="Cambria Math" panose="02040503050406030204" pitchFamily="18" charset="0"/>
+                            </a:rPr>
+                            <m:t>[3]</m:t>
+                          </m:r>
+                        </m:sup>
+                      </m:sSubSup>
+                    </m:oMath>
+                  </m:oMathPara>
+                </a14:m>
+                <a:endParaRPr lang="pt-PT" dirty="0"/>
+              </a:p>
+            </p:txBody>
+          </p:sp>
+        </mc:Choice>
+        <mc:Fallback xmlns="">
+          <p:sp>
+            <p:nvSpPr>
+              <p:cNvPr id="88" name="Oval 87">
+                <a:extLst>
+                  <a:ext uri="{FF2B5EF4-FFF2-40B4-BE49-F238E27FC236}">
+                    <a16:creationId xmlns:a16="http://schemas.microsoft.com/office/drawing/2014/main" id="{36645929-A7AB-A845-8D77-5445CB8B4472}"/>
+                  </a:ext>
+                </a:extLst>
+              </p:cNvPr>
+              <p:cNvSpPr>
+                <a:spLocks noRot="1" noChangeAspect="1" noMove="1" noResize="1" noEditPoints="1" noAdjustHandles="1" noChangeArrowheads="1" noChangeShapeType="1" noTextEdit="1"/>
+              </p:cNvSpPr>
+              <p:nvPr/>
+            </p:nvSpPr>
+            <p:spPr>
+              <a:xfrm>
+                <a:off x="7343206" y="1341289"/>
+                <a:ext cx="596162" cy="519953"/>
+              </a:xfrm>
+              <a:prstGeom prst="ellipse">
+                <a:avLst/>
+              </a:prstGeom>
+              <a:blipFill>
+                <a:blip r:embed="rId4"/>
+                <a:stretch>
+                  <a:fillRect l="-10204"/>
+                </a:stretch>
+              </a:blipFill>
+              <a:ln>
+                <a:solidFill>
+                  <a:schemeClr val="accent6">
+                    <a:lumMod val="40000"/>
+                    <a:lumOff val="60000"/>
+                  </a:schemeClr>
+                </a:solidFill>
+              </a:ln>
+            </p:spPr>
+            <p:txBody>
+              <a:bodyPr/>
+              <a:lstStyle/>
+              <a:p>
+                <a:r>
+                  <a:rPr lang="en-US">
+                    <a:noFill/>
+                  </a:rPr>
+                  <a:t> </a:t>
+                </a:r>
+              </a:p>
+            </p:txBody>
+          </p:sp>
+        </mc:Fallback>
+      </mc:AlternateContent>
       <p:cxnSp>
         <p:nvCxnSpPr>
-          <p:cNvPr id="182" name="Conexão reta 181">
-            <a:extLst>
-              <a:ext uri="{FF2B5EF4-FFF2-40B4-BE49-F238E27FC236}">
-                <a16:creationId xmlns:a16="http://schemas.microsoft.com/office/drawing/2014/main" id="{1B7F8FA6-6C2B-1AED-884D-4A4D7F4360A8}"/>
+          <p:cNvPr id="3" name="Straight Connector 2">
+            <a:extLst>
+              <a:ext uri="{FF2B5EF4-FFF2-40B4-BE49-F238E27FC236}">
+                <a16:creationId xmlns:a16="http://schemas.microsoft.com/office/drawing/2014/main" id="{FE5D3D43-2ED2-034F-A688-13063D8B119E}"/>
               </a:ext>
             </a:extLst>
           </p:cNvPr>
           <p:cNvCxnSpPr>
             <a:cxnSpLocks/>
-            <a:stCxn id="109" idx="7"/>
-            <a:endCxn id="16" idx="0"/>
           </p:cNvCxnSpPr>
           <p:nvPr/>
         </p:nvCxnSpPr>
         <p:spPr>
-          <a:xfrm>
-            <a:off x="2917111" y="2290378"/>
-            <a:ext cx="1307616" cy="702622"/>
+          <a:xfrm flipV="1">
+            <a:off x="2126427" y="4213754"/>
+            <a:ext cx="1345988" cy="296342"/>
           </a:xfrm>
           <a:prstGeom prst="line">
             <a:avLst/>
           </a:prstGeom>
+          <a:ln>
+            <a:solidFill>
+              <a:schemeClr val="tx1"/>
+            </a:solidFill>
+          </a:ln>
         </p:spPr>
         <p:style>
           <a:lnRef idx="1">
@@ -3364,10 +3991,357 @@
       </p:cxnSp>
       <p:cxnSp>
         <p:nvCxnSpPr>
-          <p:cNvPr id="184" name="Conexão reta 183">
-            <a:extLst>
-              <a:ext uri="{FF2B5EF4-FFF2-40B4-BE49-F238E27FC236}">
-                <a16:creationId xmlns:a16="http://schemas.microsoft.com/office/drawing/2014/main" id="{368C774C-3ABB-74DE-F658-BA44C5FA4F9B}"/>
+          <p:cNvPr id="5" name="Straight Connector 4">
+            <a:extLst>
+              <a:ext uri="{FF2B5EF4-FFF2-40B4-BE49-F238E27FC236}">
+                <a16:creationId xmlns:a16="http://schemas.microsoft.com/office/drawing/2014/main" id="{EC2357FA-95AC-4E41-9EBF-AFC734513BFF}"/>
+              </a:ext>
+            </a:extLst>
+          </p:cNvPr>
+          <p:cNvCxnSpPr>
+            <a:cxnSpLocks/>
+          </p:cNvCxnSpPr>
+          <p:nvPr/>
+        </p:nvCxnSpPr>
+        <p:spPr>
+          <a:xfrm flipV="1">
+            <a:off x="2126425" y="3096746"/>
+            <a:ext cx="1345990" cy="530388"/>
+          </a:xfrm>
+          <a:prstGeom prst="line">
+            <a:avLst/>
+          </a:prstGeom>
+          <a:ln>
+            <a:solidFill>
+              <a:schemeClr val="tx1"/>
+            </a:solidFill>
+          </a:ln>
+        </p:spPr>
+        <p:style>
+          <a:lnRef idx="1">
+            <a:schemeClr val="accent1"/>
+          </a:lnRef>
+          <a:fillRef idx="0">
+            <a:schemeClr val="accent1"/>
+          </a:fillRef>
+          <a:effectRef idx="0">
+            <a:schemeClr val="accent1"/>
+          </a:effectRef>
+          <a:fontRef idx="minor">
+            <a:schemeClr val="tx1"/>
+          </a:fontRef>
+        </p:style>
+      </p:cxnSp>
+      <p:cxnSp>
+        <p:nvCxnSpPr>
+          <p:cNvPr id="96" name="Straight Connector 95">
+            <a:extLst>
+              <a:ext uri="{FF2B5EF4-FFF2-40B4-BE49-F238E27FC236}">
+                <a16:creationId xmlns:a16="http://schemas.microsoft.com/office/drawing/2014/main" id="{0D83DC78-33E4-8147-91DB-901D2CBD3911}"/>
+              </a:ext>
+            </a:extLst>
+          </p:cNvPr>
+          <p:cNvCxnSpPr>
+            <a:cxnSpLocks/>
+            <a:endCxn id="16" idx="2"/>
+          </p:cNvCxnSpPr>
+          <p:nvPr/>
+        </p:nvCxnSpPr>
+        <p:spPr>
+          <a:xfrm flipV="1">
+            <a:off x="2126425" y="1979739"/>
+            <a:ext cx="1345991" cy="764433"/>
+          </a:xfrm>
+          <a:prstGeom prst="line">
+            <a:avLst/>
+          </a:prstGeom>
+          <a:ln>
+            <a:solidFill>
+              <a:schemeClr val="tx1"/>
+            </a:solidFill>
+          </a:ln>
+        </p:spPr>
+        <p:style>
+          <a:lnRef idx="1">
+            <a:schemeClr val="accent1"/>
+          </a:lnRef>
+          <a:fillRef idx="0">
+            <a:schemeClr val="accent1"/>
+          </a:fillRef>
+          <a:effectRef idx="0">
+            <a:schemeClr val="accent1"/>
+          </a:effectRef>
+          <a:fontRef idx="minor">
+            <a:schemeClr val="tx1"/>
+          </a:fontRef>
+        </p:style>
+      </p:cxnSp>
+      <p:cxnSp>
+        <p:nvCxnSpPr>
+          <p:cNvPr id="99" name="Straight Connector 98">
+            <a:extLst>
+              <a:ext uri="{FF2B5EF4-FFF2-40B4-BE49-F238E27FC236}">
+                <a16:creationId xmlns:a16="http://schemas.microsoft.com/office/drawing/2014/main" id="{7F3A3964-570A-654E-BECE-E2E0E4244B71}"/>
+              </a:ext>
+            </a:extLst>
+          </p:cNvPr>
+          <p:cNvCxnSpPr>
+            <a:cxnSpLocks/>
+          </p:cNvCxnSpPr>
+          <p:nvPr/>
+        </p:nvCxnSpPr>
+        <p:spPr>
+          <a:xfrm flipV="1">
+            <a:off x="2126427" y="3096746"/>
+            <a:ext cx="1345988" cy="1413350"/>
+          </a:xfrm>
+          <a:prstGeom prst="line">
+            <a:avLst/>
+          </a:prstGeom>
+          <a:ln>
+            <a:solidFill>
+              <a:schemeClr val="tx1"/>
+            </a:solidFill>
+          </a:ln>
+        </p:spPr>
+        <p:style>
+          <a:lnRef idx="1">
+            <a:schemeClr val="accent1"/>
+          </a:lnRef>
+          <a:fillRef idx="0">
+            <a:schemeClr val="accent1"/>
+          </a:fillRef>
+          <a:effectRef idx="0">
+            <a:schemeClr val="accent1"/>
+          </a:effectRef>
+          <a:fontRef idx="minor">
+            <a:schemeClr val="tx1"/>
+          </a:fontRef>
+        </p:style>
+      </p:cxnSp>
+      <p:cxnSp>
+        <p:nvCxnSpPr>
+          <p:cNvPr id="101" name="Straight Connector 100">
+            <a:extLst>
+              <a:ext uri="{FF2B5EF4-FFF2-40B4-BE49-F238E27FC236}">
+                <a16:creationId xmlns:a16="http://schemas.microsoft.com/office/drawing/2014/main" id="{7D6FEFD8-9F85-B849-B5BC-08A90DA675CF}"/>
+              </a:ext>
+            </a:extLst>
+          </p:cNvPr>
+          <p:cNvCxnSpPr>
+            <a:cxnSpLocks/>
+            <a:endCxn id="16" idx="2"/>
+          </p:cNvCxnSpPr>
+          <p:nvPr/>
+        </p:nvCxnSpPr>
+        <p:spPr>
+          <a:xfrm flipV="1">
+            <a:off x="2126427" y="1979739"/>
+            <a:ext cx="1345989" cy="2530357"/>
+          </a:xfrm>
+          <a:prstGeom prst="line">
+            <a:avLst/>
+          </a:prstGeom>
+          <a:ln>
+            <a:solidFill>
+              <a:schemeClr val="tx1"/>
+            </a:solidFill>
+          </a:ln>
+        </p:spPr>
+        <p:style>
+          <a:lnRef idx="1">
+            <a:schemeClr val="accent1"/>
+          </a:lnRef>
+          <a:fillRef idx="0">
+            <a:schemeClr val="accent1"/>
+          </a:fillRef>
+          <a:effectRef idx="0">
+            <a:schemeClr val="accent1"/>
+          </a:effectRef>
+          <a:fontRef idx="minor">
+            <a:schemeClr val="tx1"/>
+          </a:fontRef>
+        </p:style>
+      </p:cxnSp>
+      <p:cxnSp>
+        <p:nvCxnSpPr>
+          <p:cNvPr id="107" name="Straight Connector 106">
+            <a:extLst>
+              <a:ext uri="{FF2B5EF4-FFF2-40B4-BE49-F238E27FC236}">
+                <a16:creationId xmlns:a16="http://schemas.microsoft.com/office/drawing/2014/main" id="{A312966A-D893-DC4A-8E04-12276D34FBCB}"/>
+              </a:ext>
+            </a:extLst>
+          </p:cNvPr>
+          <p:cNvCxnSpPr>
+            <a:cxnSpLocks/>
+          </p:cNvCxnSpPr>
+          <p:nvPr/>
+        </p:nvCxnSpPr>
+        <p:spPr>
+          <a:xfrm>
+            <a:off x="2126425" y="2744172"/>
+            <a:ext cx="1345990" cy="352574"/>
+          </a:xfrm>
+          <a:prstGeom prst="line">
+            <a:avLst/>
+          </a:prstGeom>
+          <a:ln>
+            <a:solidFill>
+              <a:schemeClr val="tx1"/>
+            </a:solidFill>
+          </a:ln>
+        </p:spPr>
+        <p:style>
+          <a:lnRef idx="1">
+            <a:schemeClr val="accent1"/>
+          </a:lnRef>
+          <a:fillRef idx="0">
+            <a:schemeClr val="accent1"/>
+          </a:fillRef>
+          <a:effectRef idx="0">
+            <a:schemeClr val="accent1"/>
+          </a:effectRef>
+          <a:fontRef idx="minor">
+            <a:schemeClr val="tx1"/>
+          </a:fontRef>
+        </p:style>
+      </p:cxnSp>
+      <p:cxnSp>
+        <p:nvCxnSpPr>
+          <p:cNvPr id="115" name="Straight Connector 114">
+            <a:extLst>
+              <a:ext uri="{FF2B5EF4-FFF2-40B4-BE49-F238E27FC236}">
+                <a16:creationId xmlns:a16="http://schemas.microsoft.com/office/drawing/2014/main" id="{1A3F7734-DF52-FB44-A063-5DD39ADB80DE}"/>
+              </a:ext>
+            </a:extLst>
+          </p:cNvPr>
+          <p:cNvCxnSpPr>
+            <a:cxnSpLocks/>
+          </p:cNvCxnSpPr>
+          <p:nvPr/>
+        </p:nvCxnSpPr>
+        <p:spPr>
+          <a:xfrm>
+            <a:off x="2126425" y="3627134"/>
+            <a:ext cx="1345990" cy="586620"/>
+          </a:xfrm>
+          <a:prstGeom prst="line">
+            <a:avLst/>
+          </a:prstGeom>
+          <a:ln>
+            <a:solidFill>
+              <a:schemeClr val="tx1"/>
+            </a:solidFill>
+          </a:ln>
+        </p:spPr>
+        <p:style>
+          <a:lnRef idx="1">
+            <a:schemeClr val="accent1"/>
+          </a:lnRef>
+          <a:fillRef idx="0">
+            <a:schemeClr val="accent1"/>
+          </a:fillRef>
+          <a:effectRef idx="0">
+            <a:schemeClr val="accent1"/>
+          </a:effectRef>
+          <a:fontRef idx="minor">
+            <a:schemeClr val="tx1"/>
+          </a:fontRef>
+        </p:style>
+      </p:cxnSp>
+      <p:cxnSp>
+        <p:nvCxnSpPr>
+          <p:cNvPr id="116" name="Straight Connector 115">
+            <a:extLst>
+              <a:ext uri="{FF2B5EF4-FFF2-40B4-BE49-F238E27FC236}">
+                <a16:creationId xmlns:a16="http://schemas.microsoft.com/office/drawing/2014/main" id="{E4289C3C-E72D-D941-AC00-305DF53E7C4A}"/>
+              </a:ext>
+            </a:extLst>
+          </p:cNvPr>
+          <p:cNvCxnSpPr>
+            <a:cxnSpLocks/>
+            <a:endCxn id="16" idx="2"/>
+          </p:cNvCxnSpPr>
+          <p:nvPr/>
+        </p:nvCxnSpPr>
+        <p:spPr>
+          <a:xfrm flipV="1">
+            <a:off x="2126425" y="1979739"/>
+            <a:ext cx="1345991" cy="1647395"/>
+          </a:xfrm>
+          <a:prstGeom prst="line">
+            <a:avLst/>
+          </a:prstGeom>
+          <a:ln>
+            <a:solidFill>
+              <a:schemeClr val="tx1"/>
+            </a:solidFill>
+          </a:ln>
+        </p:spPr>
+        <p:style>
+          <a:lnRef idx="1">
+            <a:schemeClr val="accent1"/>
+          </a:lnRef>
+          <a:fillRef idx="0">
+            <a:schemeClr val="accent1"/>
+          </a:fillRef>
+          <a:effectRef idx="0">
+            <a:schemeClr val="accent1"/>
+          </a:effectRef>
+          <a:fontRef idx="minor">
+            <a:schemeClr val="tx1"/>
+          </a:fontRef>
+        </p:style>
+      </p:cxnSp>
+      <p:cxnSp>
+        <p:nvCxnSpPr>
+          <p:cNvPr id="119" name="Straight Connector 118">
+            <a:extLst>
+              <a:ext uri="{FF2B5EF4-FFF2-40B4-BE49-F238E27FC236}">
+                <a16:creationId xmlns:a16="http://schemas.microsoft.com/office/drawing/2014/main" id="{E8D9318F-538E-A144-B90C-0405BB373A87}"/>
+              </a:ext>
+            </a:extLst>
+          </p:cNvPr>
+          <p:cNvCxnSpPr>
+            <a:cxnSpLocks/>
+          </p:cNvCxnSpPr>
+          <p:nvPr/>
+        </p:nvCxnSpPr>
+        <p:spPr>
+          <a:xfrm>
+            <a:off x="2126425" y="2744172"/>
+            <a:ext cx="1345990" cy="1469582"/>
+          </a:xfrm>
+          <a:prstGeom prst="line">
+            <a:avLst/>
+          </a:prstGeom>
+          <a:ln>
+            <a:solidFill>
+              <a:schemeClr val="tx1"/>
+            </a:solidFill>
+          </a:ln>
+        </p:spPr>
+        <p:style>
+          <a:lnRef idx="1">
+            <a:schemeClr val="accent1"/>
+          </a:lnRef>
+          <a:fillRef idx="0">
+            <a:schemeClr val="accent1"/>
+          </a:fillRef>
+          <a:effectRef idx="0">
+            <a:schemeClr val="accent1"/>
+          </a:effectRef>
+          <a:fontRef idx="minor">
+            <a:schemeClr val="tx1"/>
+          </a:fontRef>
+        </p:style>
+      </p:cxnSp>
+      <p:cxnSp>
+        <p:nvCxnSpPr>
+          <p:cNvPr id="122" name="Straight Connector 121">
+            <a:extLst>
+              <a:ext uri="{FF2B5EF4-FFF2-40B4-BE49-F238E27FC236}">
+                <a16:creationId xmlns:a16="http://schemas.microsoft.com/office/drawing/2014/main" id="{7CF9C73E-6FA8-4B45-813C-BF3275629B79}"/>
               </a:ext>
             </a:extLst>
           </p:cNvPr>
@@ -3379,22 +4353,27 @@
         </p:nvCxnSpPr>
         <p:spPr>
           <a:xfrm>
-            <a:off x="3003759" y="3246170"/>
-            <a:ext cx="925132" cy="6807"/>
+            <a:off x="2126425" y="1861243"/>
+            <a:ext cx="1345991" cy="118496"/>
           </a:xfrm>
           <a:prstGeom prst="line">
             <a:avLst/>
           </a:prstGeom>
+          <a:ln>
+            <a:solidFill>
+              <a:schemeClr val="tx1"/>
+            </a:solidFill>
+          </a:ln>
         </p:spPr>
         <p:style>
           <a:lnRef idx="1">
-            <a:schemeClr val="dk1"/>
+            <a:schemeClr val="accent1"/>
           </a:lnRef>
           <a:fillRef idx="0">
-            <a:schemeClr val="dk1"/>
+            <a:schemeClr val="accent1"/>
           </a:fillRef>
           <a:effectRef idx="0">
-            <a:schemeClr val="dk1"/>
+            <a:schemeClr val="accent1"/>
           </a:effectRef>
           <a:fontRef idx="minor">
             <a:schemeClr val="tx1"/>
@@ -3403,28 +4382,31 @@
       </p:cxnSp>
       <p:cxnSp>
         <p:nvCxnSpPr>
-          <p:cNvPr id="186" name="Conexão reta 185">
-            <a:extLst>
-              <a:ext uri="{FF2B5EF4-FFF2-40B4-BE49-F238E27FC236}">
-                <a16:creationId xmlns:a16="http://schemas.microsoft.com/office/drawing/2014/main" id="{3D9A58D6-E427-5D7B-BDC4-91BDEF3B2DC1}"/>
+          <p:cNvPr id="125" name="Straight Connector 124">
+            <a:extLst>
+              <a:ext uri="{FF2B5EF4-FFF2-40B4-BE49-F238E27FC236}">
+                <a16:creationId xmlns:a16="http://schemas.microsoft.com/office/drawing/2014/main" id="{B5F00934-E0B2-3C4B-A3A3-126359EA5DAF}"/>
               </a:ext>
             </a:extLst>
           </p:cNvPr>
           <p:cNvCxnSpPr>
             <a:cxnSpLocks/>
-            <a:stCxn id="179" idx="0"/>
-            <a:endCxn id="16" idx="3"/>
           </p:cNvCxnSpPr>
           <p:nvPr/>
         </p:nvCxnSpPr>
         <p:spPr>
-          <a:xfrm flipV="1">
-            <a:off x="2709693" y="3436808"/>
-            <a:ext cx="1305846" cy="461484"/>
+          <a:xfrm>
+            <a:off x="2126425" y="1861243"/>
+            <a:ext cx="1345990" cy="1235503"/>
           </a:xfrm>
           <a:prstGeom prst="line">
             <a:avLst/>
           </a:prstGeom>
+          <a:ln>
+            <a:solidFill>
+              <a:schemeClr val="tx1"/>
+            </a:solidFill>
+          </a:ln>
         </p:spPr>
         <p:style>
           <a:lnRef idx="1">
@@ -3443,28 +4425,31 @@
       </p:cxnSp>
       <p:cxnSp>
         <p:nvCxnSpPr>
-          <p:cNvPr id="193" name="Conexão reta 192">
-            <a:extLst>
-              <a:ext uri="{FF2B5EF4-FFF2-40B4-BE49-F238E27FC236}">
-                <a16:creationId xmlns:a16="http://schemas.microsoft.com/office/drawing/2014/main" id="{A2D2D67F-B45B-06DB-23B6-68D43D7F44E6}"/>
+          <p:cNvPr id="128" name="Straight Connector 127">
+            <a:extLst>
+              <a:ext uri="{FF2B5EF4-FFF2-40B4-BE49-F238E27FC236}">
+                <a16:creationId xmlns:a16="http://schemas.microsoft.com/office/drawing/2014/main" id="{B3D87721-2CDC-F043-B1DF-369830A8F06D}"/>
               </a:ext>
             </a:extLst>
           </p:cNvPr>
           <p:cNvCxnSpPr>
             <a:cxnSpLocks/>
-            <a:stCxn id="109" idx="6"/>
-            <a:endCxn id="17" idx="0"/>
           </p:cNvCxnSpPr>
           <p:nvPr/>
         </p:nvCxnSpPr>
         <p:spPr>
           <a:xfrm>
-            <a:off x="3003759" y="2474210"/>
-            <a:ext cx="1220968" cy="1431555"/>
+            <a:off x="2126425" y="1861243"/>
+            <a:ext cx="1345990" cy="2352511"/>
           </a:xfrm>
           <a:prstGeom prst="line">
             <a:avLst/>
           </a:prstGeom>
+          <a:ln>
+            <a:solidFill>
+              <a:schemeClr val="tx1"/>
+            </a:solidFill>
+          </a:ln>
         </p:spPr>
         <p:style>
           <a:lnRef idx="1">
@@ -3483,37 +4468,43 @@
       </p:cxnSp>
       <p:cxnSp>
         <p:nvCxnSpPr>
-          <p:cNvPr id="195" name="Conexão reta 194">
-            <a:extLst>
-              <a:ext uri="{FF2B5EF4-FFF2-40B4-BE49-F238E27FC236}">
-                <a16:creationId xmlns:a16="http://schemas.microsoft.com/office/drawing/2014/main" id="{C595E32A-953D-97C0-9788-C152F42BF8E8}"/>
+          <p:cNvPr id="131" name="Straight Connector 130">
+            <a:extLst>
+              <a:ext uri="{FF2B5EF4-FFF2-40B4-BE49-F238E27FC236}">
+                <a16:creationId xmlns:a16="http://schemas.microsoft.com/office/drawing/2014/main" id="{2D171384-D6A6-204E-AC26-9572F516E023}"/>
               </a:ext>
             </a:extLst>
           </p:cNvPr>
           <p:cNvCxnSpPr>
-            <a:stCxn id="179" idx="6"/>
-            <a:endCxn id="17" idx="2"/>
+            <a:cxnSpLocks/>
+            <a:stCxn id="109" idx="6"/>
+            <a:endCxn id="16" idx="2"/>
           </p:cNvCxnSpPr>
           <p:nvPr/>
         </p:nvCxnSpPr>
         <p:spPr>
           <a:xfrm>
-            <a:off x="3005528" y="4158269"/>
-            <a:ext cx="923363" cy="7473"/>
+            <a:off x="2126424" y="978281"/>
+            <a:ext cx="1345992" cy="1001458"/>
           </a:xfrm>
           <a:prstGeom prst="line">
             <a:avLst/>
           </a:prstGeom>
+          <a:ln>
+            <a:solidFill>
+              <a:schemeClr val="tx1"/>
+            </a:solidFill>
+          </a:ln>
         </p:spPr>
         <p:style>
           <a:lnRef idx="1">
-            <a:schemeClr val="dk1"/>
+            <a:schemeClr val="accent1"/>
           </a:lnRef>
           <a:fillRef idx="0">
-            <a:schemeClr val="dk1"/>
+            <a:schemeClr val="accent1"/>
           </a:fillRef>
           <a:effectRef idx="0">
-            <a:schemeClr val="dk1"/>
+            <a:schemeClr val="accent1"/>
           </a:effectRef>
           <a:fontRef idx="minor">
             <a:schemeClr val="tx1"/>
@@ -3522,28 +4513,32 @@
       </p:cxnSp>
       <p:cxnSp>
         <p:nvCxnSpPr>
-          <p:cNvPr id="201" name="Conexão reta 200">
-            <a:extLst>
-              <a:ext uri="{FF2B5EF4-FFF2-40B4-BE49-F238E27FC236}">
-                <a16:creationId xmlns:a16="http://schemas.microsoft.com/office/drawing/2014/main" id="{409E7E38-61EB-F8AA-BE88-7992A5B0247F}"/>
+          <p:cNvPr id="134" name="Straight Connector 133">
+            <a:extLst>
+              <a:ext uri="{FF2B5EF4-FFF2-40B4-BE49-F238E27FC236}">
+                <a16:creationId xmlns:a16="http://schemas.microsoft.com/office/drawing/2014/main" id="{AC5D3411-455C-7D4F-861D-EA13BDD1F3F0}"/>
               </a:ext>
             </a:extLst>
           </p:cNvPr>
           <p:cNvCxnSpPr>
             <a:cxnSpLocks/>
-            <a:stCxn id="109" idx="5"/>
-            <a:endCxn id="18" idx="0"/>
+            <a:stCxn id="109" idx="6"/>
           </p:cNvCxnSpPr>
           <p:nvPr/>
         </p:nvCxnSpPr>
         <p:spPr>
           <a:xfrm>
-            <a:off x="2917111" y="2658041"/>
-            <a:ext cx="1307618" cy="2160489"/>
+            <a:off x="2126424" y="978281"/>
+            <a:ext cx="1345991" cy="2118465"/>
           </a:xfrm>
           <a:prstGeom prst="line">
             <a:avLst/>
           </a:prstGeom>
+          <a:ln>
+            <a:solidFill>
+              <a:schemeClr val="tx1"/>
+            </a:solidFill>
+          </a:ln>
         </p:spPr>
         <p:style>
           <a:lnRef idx="1">
@@ -3562,27 +4557,128 @@
       </p:cxnSp>
       <p:cxnSp>
         <p:nvCxnSpPr>
-          <p:cNvPr id="212" name="Conexão reta 211">
-            <a:extLst>
-              <a:ext uri="{FF2B5EF4-FFF2-40B4-BE49-F238E27FC236}">
-                <a16:creationId xmlns:a16="http://schemas.microsoft.com/office/drawing/2014/main" id="{ED46695D-6C48-60C4-4056-EB411E1060B2}"/>
+          <p:cNvPr id="137" name="Straight Connector 136">
+            <a:extLst>
+              <a:ext uri="{FF2B5EF4-FFF2-40B4-BE49-F238E27FC236}">
+                <a16:creationId xmlns:a16="http://schemas.microsoft.com/office/drawing/2014/main" id="{15066653-C373-AA49-A221-D9ACC8A1EE23}"/>
               </a:ext>
             </a:extLst>
           </p:cNvPr>
           <p:cNvCxnSpPr>
-            <a:stCxn id="178" idx="5"/>
-            <a:endCxn id="17" idx="1"/>
+            <a:cxnSpLocks/>
+            <a:stCxn id="109" idx="6"/>
           </p:cNvCxnSpPr>
           <p:nvPr/>
         </p:nvCxnSpPr>
         <p:spPr>
           <a:xfrm>
-            <a:off x="2918881" y="3436807"/>
-            <a:ext cx="1096658" cy="545103"/>
+            <a:off x="2126424" y="978281"/>
+            <a:ext cx="1345991" cy="3235473"/>
           </a:xfrm>
           <a:prstGeom prst="line">
             <a:avLst/>
           </a:prstGeom>
+          <a:ln>
+            <a:solidFill>
+              <a:schemeClr val="tx1"/>
+            </a:solidFill>
+          </a:ln>
+        </p:spPr>
+        <p:style>
+          <a:lnRef idx="1">
+            <a:schemeClr val="accent1"/>
+          </a:lnRef>
+          <a:fillRef idx="0">
+            <a:schemeClr val="accent1"/>
+          </a:fillRef>
+          <a:effectRef idx="0">
+            <a:schemeClr val="accent1"/>
+          </a:effectRef>
+          <a:fontRef idx="minor">
+            <a:schemeClr val="tx1"/>
+          </a:fontRef>
+        </p:style>
+      </p:cxnSp>
+      <p:sp>
+        <p:nvSpPr>
+          <p:cNvPr id="146" name="Oval 145">
+            <a:extLst>
+              <a:ext uri="{FF2B5EF4-FFF2-40B4-BE49-F238E27FC236}">
+                <a16:creationId xmlns:a16="http://schemas.microsoft.com/office/drawing/2014/main" id="{E07A6167-1CC4-2A4F-B12A-2CE22D984157}"/>
+              </a:ext>
+            </a:extLst>
+          </p:cNvPr>
+          <p:cNvSpPr/>
+          <p:nvPr/>
+        </p:nvSpPr>
+        <p:spPr>
+          <a:xfrm>
+            <a:off x="5407810" y="714878"/>
+            <a:ext cx="591671" cy="519953"/>
+          </a:xfrm>
+          <a:prstGeom prst="ellipse">
+            <a:avLst/>
+          </a:prstGeom>
+          <a:ln>
+            <a:solidFill>
+              <a:schemeClr val="accent2"/>
+            </a:solidFill>
+          </a:ln>
+        </p:spPr>
+        <p:style>
+          <a:lnRef idx="2">
+            <a:schemeClr val="accent2">
+              <a:shade val="15000"/>
+            </a:schemeClr>
+          </a:lnRef>
+          <a:fillRef idx="1">
+            <a:schemeClr val="accent2"/>
+          </a:fillRef>
+          <a:effectRef idx="0">
+            <a:schemeClr val="accent2"/>
+          </a:effectRef>
+          <a:fontRef idx="minor">
+            <a:schemeClr val="lt1"/>
+          </a:fontRef>
+        </p:style>
+        <p:txBody>
+          <a:bodyPr rtlCol="0" anchor="ctr"/>
+          <a:lstStyle/>
+          <a:p>
+            <a:pPr algn="ctr"/>
+            <a:endParaRPr lang="pt-PT" dirty="0"/>
+          </a:p>
+        </p:txBody>
+      </p:sp>
+      <p:cxnSp>
+        <p:nvCxnSpPr>
+          <p:cNvPr id="147" name="Straight Connector 146">
+            <a:extLst>
+              <a:ext uri="{FF2B5EF4-FFF2-40B4-BE49-F238E27FC236}">
+                <a16:creationId xmlns:a16="http://schemas.microsoft.com/office/drawing/2014/main" id="{35A08FB7-8DA4-4F4D-81AE-03608A8D6615}"/>
+              </a:ext>
+            </a:extLst>
+          </p:cNvPr>
+          <p:cNvCxnSpPr>
+            <a:cxnSpLocks/>
+            <a:stCxn id="110" idx="6"/>
+            <a:endCxn id="19" idx="2"/>
+          </p:cNvCxnSpPr>
+          <p:nvPr/>
+        </p:nvCxnSpPr>
+        <p:spPr>
+          <a:xfrm>
+            <a:off x="4064085" y="974855"/>
+            <a:ext cx="1343725" cy="1337983"/>
+          </a:xfrm>
+          <a:prstGeom prst="line">
+            <a:avLst/>
+          </a:prstGeom>
+          <a:ln>
+            <a:solidFill>
+              <a:schemeClr val="tx1"/>
+            </a:solidFill>
+          </a:ln>
         </p:spPr>
         <p:style>
           <a:lnRef idx="1">
@@ -3601,27 +4697,33 @@
       </p:cxnSp>
       <p:cxnSp>
         <p:nvCxnSpPr>
-          <p:cNvPr id="216" name="Conexão reta 215">
-            <a:extLst>
-              <a:ext uri="{FF2B5EF4-FFF2-40B4-BE49-F238E27FC236}">
-                <a16:creationId xmlns:a16="http://schemas.microsoft.com/office/drawing/2014/main" id="{379A13E9-85A6-2FE5-0FFD-4248BB68E654}"/>
+          <p:cNvPr id="150" name="Straight Connector 149">
+            <a:extLst>
+              <a:ext uri="{FF2B5EF4-FFF2-40B4-BE49-F238E27FC236}">
+                <a16:creationId xmlns:a16="http://schemas.microsoft.com/office/drawing/2014/main" id="{C2004AE8-720A-034A-B42C-FDD3B9AE8B62}"/>
               </a:ext>
             </a:extLst>
           </p:cNvPr>
           <p:cNvCxnSpPr>
-            <a:stCxn id="178" idx="4"/>
-            <a:endCxn id="18" idx="1"/>
+            <a:cxnSpLocks/>
+            <a:stCxn id="110" idx="6"/>
+            <a:endCxn id="20" idx="2"/>
           </p:cNvCxnSpPr>
           <p:nvPr/>
         </p:nvCxnSpPr>
         <p:spPr>
           <a:xfrm>
-            <a:off x="2709694" y="3512952"/>
-            <a:ext cx="1305847" cy="1381723"/>
+            <a:off x="4064085" y="974855"/>
+            <a:ext cx="1343726" cy="2675967"/>
           </a:xfrm>
           <a:prstGeom prst="line">
             <a:avLst/>
           </a:prstGeom>
+          <a:ln>
+            <a:solidFill>
+              <a:schemeClr val="tx1"/>
+            </a:solidFill>
+          </a:ln>
         </p:spPr>
         <p:style>
           <a:lnRef idx="1">
@@ -3640,2736 +4742,43 @@
       </p:cxnSp>
       <p:cxnSp>
         <p:nvCxnSpPr>
-          <p:cNvPr id="218" name="Conexão reta 217">
-            <a:extLst>
-              <a:ext uri="{FF2B5EF4-FFF2-40B4-BE49-F238E27FC236}">
-                <a16:creationId xmlns:a16="http://schemas.microsoft.com/office/drawing/2014/main" id="{3E6D26DE-8E95-0C22-3784-62E582FC7C29}"/>
+          <p:cNvPr id="153" name="Straight Connector 152">
+            <a:extLst>
+              <a:ext uri="{FF2B5EF4-FFF2-40B4-BE49-F238E27FC236}">
+                <a16:creationId xmlns:a16="http://schemas.microsoft.com/office/drawing/2014/main" id="{20A7E786-71BA-384F-B0DE-090F3397FF57}"/>
               </a:ext>
             </a:extLst>
           </p:cNvPr>
           <p:cNvCxnSpPr>
-            <a:stCxn id="179" idx="5"/>
-            <a:endCxn id="18" idx="2"/>
+            <a:cxnSpLocks/>
+            <a:stCxn id="16" idx="6"/>
+            <a:endCxn id="19" idx="2"/>
           </p:cNvCxnSpPr>
           <p:nvPr/>
         </p:nvCxnSpPr>
         <p:spPr>
           <a:xfrm>
-            <a:off x="2918880" y="4342100"/>
-            <a:ext cx="1010013" cy="736407"/>
+            <a:off x="4064087" y="1979739"/>
+            <a:ext cx="1343723" cy="333099"/>
           </a:xfrm>
           <a:prstGeom prst="line">
             <a:avLst/>
           </a:prstGeom>
+          <a:ln>
+            <a:solidFill>
+              <a:schemeClr val="tx1"/>
+            </a:solidFill>
+          </a:ln>
         </p:spPr>
         <p:style>
           <a:lnRef idx="1">
-            <a:schemeClr val="dk1"/>
+            <a:schemeClr val="accent1"/>
           </a:lnRef>
           <a:fillRef idx="0">
-            <a:schemeClr val="dk1"/>
+            <a:schemeClr val="accent1"/>
           </a:fillRef>
           <a:effectRef idx="0">
-            <a:schemeClr val="dk1"/>
-          </a:effectRef>
-          <a:fontRef idx="minor">
-            <a:schemeClr val="tx1"/>
-          </a:fontRef>
-        </p:style>
-      </p:cxnSp>
-      <p:grpSp>
-        <p:nvGrpSpPr>
-          <p:cNvPr id="346" name="Agrupar 345">
-            <a:extLst>
-              <a:ext uri="{FF2B5EF4-FFF2-40B4-BE49-F238E27FC236}">
-                <a16:creationId xmlns:a16="http://schemas.microsoft.com/office/drawing/2014/main" id="{5F7ED431-6AB4-9DAA-1921-0B2CC72F72F8}"/>
-              </a:ext>
-            </a:extLst>
-          </p:cNvPr>
-          <p:cNvGrpSpPr/>
-          <p:nvPr/>
-        </p:nvGrpSpPr>
-        <p:grpSpPr>
-          <a:xfrm>
-            <a:off x="2412088" y="2214233"/>
-            <a:ext cx="6066167" cy="3124250"/>
-            <a:chOff x="2461265" y="1463903"/>
-            <a:chExt cx="6066167" cy="3124250"/>
-          </a:xfrm>
-        </p:grpSpPr>
-        <p:grpSp>
-          <p:nvGrpSpPr>
-            <p:cNvPr id="114" name="Agrupar 113">
-              <a:extLst>
-                <a:ext uri="{FF2B5EF4-FFF2-40B4-BE49-F238E27FC236}">
-                  <a16:creationId xmlns:a16="http://schemas.microsoft.com/office/drawing/2014/main" id="{79A7032D-AE5B-2A1E-8D25-D9B1E11D7D45}"/>
-                </a:ext>
-              </a:extLst>
-            </p:cNvPr>
-            <p:cNvGrpSpPr/>
-            <p:nvPr/>
-          </p:nvGrpSpPr>
-          <p:grpSpPr>
-            <a:xfrm>
-              <a:off x="2461265" y="1463903"/>
-              <a:ext cx="6066167" cy="3124250"/>
-              <a:chOff x="67689" y="423997"/>
-              <a:chExt cx="6066167" cy="3124250"/>
-            </a:xfrm>
-          </p:grpSpPr>
-          <p:grpSp>
-            <p:nvGrpSpPr>
-              <p:cNvPr id="57" name="Agrupar 56">
-                <a:extLst>
-                  <a:ext uri="{FF2B5EF4-FFF2-40B4-BE49-F238E27FC236}">
-                    <a16:creationId xmlns:a16="http://schemas.microsoft.com/office/drawing/2014/main" id="{075A9C1E-2D98-C640-3D2D-A5EBFD88C057}"/>
-                  </a:ext>
-                </a:extLst>
-              </p:cNvPr>
-              <p:cNvGrpSpPr/>
-              <p:nvPr/>
-            </p:nvGrpSpPr>
-            <p:grpSpPr>
-              <a:xfrm>
-                <a:off x="5875216" y="2013623"/>
-                <a:ext cx="258640" cy="45719"/>
-                <a:chOff x="2200812" y="1493669"/>
-                <a:chExt cx="258640" cy="45719"/>
-              </a:xfrm>
-            </p:grpSpPr>
-            <p:cxnSp>
-              <p:nvCxnSpPr>
-                <p:cNvPr id="58" name="Conexão reta 57">
-                  <a:extLst>
-                    <a:ext uri="{FF2B5EF4-FFF2-40B4-BE49-F238E27FC236}">
-                      <a16:creationId xmlns:a16="http://schemas.microsoft.com/office/drawing/2014/main" id="{FC837821-170A-AACD-A7BC-531FBE2CD6FF}"/>
-                    </a:ext>
-                  </a:extLst>
-                </p:cNvPr>
-                <p:cNvCxnSpPr>
-                  <a:cxnSpLocks/>
-                  <a:endCxn id="59" idx="6"/>
-                </p:cNvCxnSpPr>
-                <p:nvPr/>
-              </p:nvCxnSpPr>
-              <p:spPr>
-                <a:xfrm flipV="1">
-                  <a:off x="2200812" y="1516529"/>
-                  <a:ext cx="258640" cy="1"/>
-                </a:xfrm>
-                <a:prstGeom prst="line">
-                  <a:avLst/>
-                </a:prstGeom>
-              </p:spPr>
-              <p:style>
-                <a:lnRef idx="1">
-                  <a:schemeClr val="dk1"/>
-                </a:lnRef>
-                <a:fillRef idx="0">
-                  <a:schemeClr val="dk1"/>
-                </a:fillRef>
-                <a:effectRef idx="0">
-                  <a:schemeClr val="dk1"/>
-                </a:effectRef>
-                <a:fontRef idx="minor">
-                  <a:schemeClr val="tx1"/>
-                </a:fontRef>
-              </p:style>
-            </p:cxnSp>
-            <p:sp>
-              <p:nvSpPr>
-                <p:cNvPr id="59" name="Oval 58">
-                  <a:extLst>
-                    <a:ext uri="{FF2B5EF4-FFF2-40B4-BE49-F238E27FC236}">
-                      <a16:creationId xmlns:a16="http://schemas.microsoft.com/office/drawing/2014/main" id="{95F42BD0-DA62-BDFC-FA41-CADC459053E0}"/>
-                    </a:ext>
-                  </a:extLst>
-                </p:cNvPr>
-                <p:cNvSpPr/>
-                <p:nvPr/>
-              </p:nvSpPr>
-              <p:spPr>
-                <a:xfrm>
-                  <a:off x="2413733" y="1493669"/>
-                  <a:ext cx="45719" cy="45719"/>
-                </a:xfrm>
-                <a:prstGeom prst="ellipse">
-                  <a:avLst/>
-                </a:prstGeom>
-              </p:spPr>
-              <p:style>
-                <a:lnRef idx="2">
-                  <a:schemeClr val="dk1">
-                    <a:shade val="15000"/>
-                  </a:schemeClr>
-                </a:lnRef>
-                <a:fillRef idx="1">
-                  <a:schemeClr val="dk1"/>
-                </a:fillRef>
-                <a:effectRef idx="0">
-                  <a:schemeClr val="dk1"/>
-                </a:effectRef>
-                <a:fontRef idx="minor">
-                  <a:schemeClr val="lt1"/>
-                </a:fontRef>
-              </p:style>
-              <p:txBody>
-                <a:bodyPr rtlCol="0" anchor="ctr"/>
-                <a:lstStyle/>
-                <a:p>
-                  <a:pPr algn="ctr"/>
-                  <a:endParaRPr lang="pt-PT"/>
-                </a:p>
-              </p:txBody>
-            </p:sp>
-          </p:grpSp>
-          <p:grpSp>
-            <p:nvGrpSpPr>
-              <p:cNvPr id="60" name="Agrupar 59">
-                <a:extLst>
-                  <a:ext uri="{FF2B5EF4-FFF2-40B4-BE49-F238E27FC236}">
-                    <a16:creationId xmlns:a16="http://schemas.microsoft.com/office/drawing/2014/main" id="{14C1637F-19BF-1379-B358-E1A9080FECA6}"/>
-                  </a:ext>
-                </a:extLst>
-              </p:cNvPr>
-              <p:cNvGrpSpPr/>
-              <p:nvPr/>
-            </p:nvGrpSpPr>
-            <p:grpSpPr>
-              <a:xfrm>
-                <a:off x="5869625" y="3143853"/>
-                <a:ext cx="258640" cy="45719"/>
-                <a:chOff x="2200812" y="1493669"/>
-                <a:chExt cx="258640" cy="45719"/>
-              </a:xfrm>
-            </p:grpSpPr>
-            <p:cxnSp>
-              <p:nvCxnSpPr>
-                <p:cNvPr id="61" name="Conexão reta 60">
-                  <a:extLst>
-                    <a:ext uri="{FF2B5EF4-FFF2-40B4-BE49-F238E27FC236}">
-                      <a16:creationId xmlns:a16="http://schemas.microsoft.com/office/drawing/2014/main" id="{025CC6BE-6AE1-333A-55E7-0E491D301EB6}"/>
-                    </a:ext>
-                  </a:extLst>
-                </p:cNvPr>
-                <p:cNvCxnSpPr>
-                  <a:cxnSpLocks/>
-                  <a:endCxn id="62" idx="6"/>
-                </p:cNvCxnSpPr>
-                <p:nvPr/>
-              </p:nvCxnSpPr>
-              <p:spPr>
-                <a:xfrm flipV="1">
-                  <a:off x="2200812" y="1516529"/>
-                  <a:ext cx="258640" cy="1"/>
-                </a:xfrm>
-                <a:prstGeom prst="line">
-                  <a:avLst/>
-                </a:prstGeom>
-              </p:spPr>
-              <p:style>
-                <a:lnRef idx="1">
-                  <a:schemeClr val="dk1"/>
-                </a:lnRef>
-                <a:fillRef idx="0">
-                  <a:schemeClr val="dk1"/>
-                </a:fillRef>
-                <a:effectRef idx="0">
-                  <a:schemeClr val="dk1"/>
-                </a:effectRef>
-                <a:fontRef idx="minor">
-                  <a:schemeClr val="tx1"/>
-                </a:fontRef>
-              </p:style>
-            </p:cxnSp>
-            <p:sp>
-              <p:nvSpPr>
-                <p:cNvPr id="62" name="Oval 61">
-                  <a:extLst>
-                    <a:ext uri="{FF2B5EF4-FFF2-40B4-BE49-F238E27FC236}">
-                      <a16:creationId xmlns:a16="http://schemas.microsoft.com/office/drawing/2014/main" id="{58DF7062-9D48-4B90-F9D1-A0C4A7E084BB}"/>
-                    </a:ext>
-                  </a:extLst>
-                </p:cNvPr>
-                <p:cNvSpPr/>
-                <p:nvPr/>
-              </p:nvSpPr>
-              <p:spPr>
-                <a:xfrm>
-                  <a:off x="2413733" y="1493669"/>
-                  <a:ext cx="45719" cy="45719"/>
-                </a:xfrm>
-                <a:prstGeom prst="ellipse">
-                  <a:avLst/>
-                </a:prstGeom>
-              </p:spPr>
-              <p:style>
-                <a:lnRef idx="2">
-                  <a:schemeClr val="dk1">
-                    <a:shade val="15000"/>
-                  </a:schemeClr>
-                </a:lnRef>
-                <a:fillRef idx="1">
-                  <a:schemeClr val="dk1"/>
-                </a:fillRef>
-                <a:effectRef idx="0">
-                  <a:schemeClr val="dk1"/>
-                </a:effectRef>
-                <a:fontRef idx="minor">
-                  <a:schemeClr val="lt1"/>
-                </a:fontRef>
-              </p:style>
-              <p:txBody>
-                <a:bodyPr rtlCol="0" anchor="ctr"/>
-                <a:lstStyle/>
-                <a:p>
-                  <a:pPr algn="ctr"/>
-                  <a:endParaRPr lang="pt-PT"/>
-                </a:p>
-              </p:txBody>
-            </p:sp>
-          </p:grpSp>
-          <p:cxnSp>
-            <p:nvCxnSpPr>
-              <p:cNvPr id="84" name="Conexão reta 83">
-                <a:extLst>
-                  <a:ext uri="{FF2B5EF4-FFF2-40B4-BE49-F238E27FC236}">
-                    <a16:creationId xmlns:a16="http://schemas.microsoft.com/office/drawing/2014/main" id="{F75295C4-0388-2A34-1726-D9831BF3F970}"/>
-                  </a:ext>
-                </a:extLst>
-              </p:cNvPr>
-              <p:cNvCxnSpPr>
-                <a:cxnSpLocks/>
-                <a:stCxn id="44" idx="7"/>
-                <a:endCxn id="21" idx="3"/>
-              </p:cNvCxnSpPr>
-              <p:nvPr/>
-            </p:nvCxnSpPr>
-            <p:spPr>
-              <a:xfrm>
-                <a:off x="2432599" y="3296906"/>
-                <a:ext cx="1345243" cy="175195"/>
-              </a:xfrm>
-              <a:prstGeom prst="line">
-                <a:avLst/>
-              </a:prstGeom>
-            </p:spPr>
-            <p:style>
-              <a:lnRef idx="1">
-                <a:schemeClr val="dk1"/>
-              </a:lnRef>
-              <a:fillRef idx="0">
-                <a:schemeClr val="dk1"/>
-              </a:fillRef>
-              <a:effectRef idx="0">
-                <a:schemeClr val="dk1"/>
-              </a:effectRef>
-              <a:fontRef idx="minor">
-                <a:schemeClr val="tx1"/>
-              </a:fontRef>
-            </p:style>
-          </p:cxnSp>
-          <p:grpSp>
-            <p:nvGrpSpPr>
-              <p:cNvPr id="113" name="Agrupar 112">
-                <a:extLst>
-                  <a:ext uri="{FF2B5EF4-FFF2-40B4-BE49-F238E27FC236}">
-                    <a16:creationId xmlns:a16="http://schemas.microsoft.com/office/drawing/2014/main" id="{7A1C898F-0F83-CBDC-FF14-D687A06CA73D}"/>
-                  </a:ext>
-                </a:extLst>
-              </p:cNvPr>
-              <p:cNvGrpSpPr/>
-              <p:nvPr/>
-            </p:nvGrpSpPr>
-            <p:grpSpPr>
-              <a:xfrm>
-                <a:off x="67689" y="423997"/>
-                <a:ext cx="5801936" cy="3124250"/>
-                <a:chOff x="67689" y="477786"/>
-                <a:chExt cx="5801936" cy="3124250"/>
-              </a:xfrm>
-            </p:grpSpPr>
-            <p:grpSp>
-              <p:nvGrpSpPr>
-                <p:cNvPr id="41" name="Agrupar 40">
-                  <a:extLst>
-                    <a:ext uri="{FF2B5EF4-FFF2-40B4-BE49-F238E27FC236}">
-                      <a16:creationId xmlns:a16="http://schemas.microsoft.com/office/drawing/2014/main" id="{EBD01963-0981-5118-454B-6C4B0DC3468A}"/>
-                    </a:ext>
-                  </a:extLst>
-                </p:cNvPr>
-                <p:cNvGrpSpPr/>
-                <p:nvPr/>
-              </p:nvGrpSpPr>
-              <p:grpSpPr>
-                <a:xfrm>
-                  <a:off x="2200812" y="1493669"/>
-                  <a:ext cx="258640" cy="45719"/>
-                  <a:chOff x="2200812" y="1493669"/>
-                  <a:chExt cx="258640" cy="45719"/>
-                </a:xfrm>
-              </p:grpSpPr>
-              <p:cxnSp>
-                <p:nvCxnSpPr>
-                  <p:cNvPr id="31" name="Conexão reta 30">
-                    <a:extLst>
-                      <a:ext uri="{FF2B5EF4-FFF2-40B4-BE49-F238E27FC236}">
-                        <a16:creationId xmlns:a16="http://schemas.microsoft.com/office/drawing/2014/main" id="{DFD3E4CE-90B2-A705-38FF-12C2A7D15B24}"/>
-                      </a:ext>
-                    </a:extLst>
-                  </p:cNvPr>
-                  <p:cNvCxnSpPr>
-                    <a:cxnSpLocks/>
-                    <a:endCxn id="38" idx="6"/>
-                  </p:cNvCxnSpPr>
-                  <p:nvPr/>
-                </p:nvCxnSpPr>
-                <p:spPr>
-                  <a:xfrm flipV="1">
-                    <a:off x="2200812" y="1516529"/>
-                    <a:ext cx="258640" cy="1"/>
-                  </a:xfrm>
-                  <a:prstGeom prst="line">
-                    <a:avLst/>
-                  </a:prstGeom>
-                </p:spPr>
-                <p:style>
-                  <a:lnRef idx="1">
-                    <a:schemeClr val="dk1"/>
-                  </a:lnRef>
-                  <a:fillRef idx="0">
-                    <a:schemeClr val="dk1"/>
-                  </a:fillRef>
-                  <a:effectRef idx="0">
-                    <a:schemeClr val="dk1"/>
-                  </a:effectRef>
-                  <a:fontRef idx="minor">
-                    <a:schemeClr val="tx1"/>
-                  </a:fontRef>
-                </p:style>
-              </p:cxnSp>
-              <p:sp>
-                <p:nvSpPr>
-                  <p:cNvPr id="38" name="Oval 37">
-                    <a:extLst>
-                      <a:ext uri="{FF2B5EF4-FFF2-40B4-BE49-F238E27FC236}">
-                        <a16:creationId xmlns:a16="http://schemas.microsoft.com/office/drawing/2014/main" id="{69C8839A-18AF-E4D6-5942-B88199148651}"/>
-                      </a:ext>
-                    </a:extLst>
-                  </p:cNvPr>
-                  <p:cNvSpPr/>
-                  <p:nvPr/>
-                </p:nvSpPr>
-                <p:spPr>
-                  <a:xfrm>
-                    <a:off x="2413733" y="1493669"/>
-                    <a:ext cx="45719" cy="45719"/>
-                  </a:xfrm>
-                  <a:prstGeom prst="ellipse">
-                    <a:avLst/>
-                  </a:prstGeom>
-                </p:spPr>
-                <p:style>
-                  <a:lnRef idx="2">
-                    <a:schemeClr val="dk1">
-                      <a:shade val="15000"/>
-                    </a:schemeClr>
-                  </a:lnRef>
-                  <a:fillRef idx="1">
-                    <a:schemeClr val="dk1"/>
-                  </a:fillRef>
-                  <a:effectRef idx="0">
-                    <a:schemeClr val="dk1"/>
-                  </a:effectRef>
-                  <a:fontRef idx="minor">
-                    <a:schemeClr val="lt1"/>
-                  </a:fontRef>
-                </p:style>
-                <p:txBody>
-                  <a:bodyPr rtlCol="0" anchor="ctr"/>
-                  <a:lstStyle/>
-                  <a:p>
-                    <a:pPr algn="ctr"/>
-                    <a:endParaRPr lang="pt-PT"/>
-                  </a:p>
-                </p:txBody>
-              </p:sp>
-            </p:grpSp>
-            <p:grpSp>
-              <p:nvGrpSpPr>
-                <p:cNvPr id="42" name="Agrupar 41">
-                  <a:extLst>
-                    <a:ext uri="{FF2B5EF4-FFF2-40B4-BE49-F238E27FC236}">
-                      <a16:creationId xmlns:a16="http://schemas.microsoft.com/office/drawing/2014/main" id="{6FF9078E-2EAB-82BA-E884-96A11DAD2893}"/>
-                    </a:ext>
-                  </a:extLst>
-                </p:cNvPr>
-                <p:cNvGrpSpPr/>
-                <p:nvPr/>
-              </p:nvGrpSpPr>
-              <p:grpSpPr>
-                <a:xfrm>
-                  <a:off x="2180654" y="3344000"/>
-                  <a:ext cx="258640" cy="45719"/>
-                  <a:chOff x="2200812" y="1493669"/>
-                  <a:chExt cx="258640" cy="45719"/>
-                </a:xfrm>
-              </p:grpSpPr>
-              <p:cxnSp>
-                <p:nvCxnSpPr>
-                  <p:cNvPr id="43" name="Conexão reta 42">
-                    <a:extLst>
-                      <a:ext uri="{FF2B5EF4-FFF2-40B4-BE49-F238E27FC236}">
-                        <a16:creationId xmlns:a16="http://schemas.microsoft.com/office/drawing/2014/main" id="{662C85CD-129C-91F1-DB85-C98382D6198D}"/>
-                      </a:ext>
-                    </a:extLst>
-                  </p:cNvPr>
-                  <p:cNvCxnSpPr>
-                    <a:cxnSpLocks/>
-                    <a:endCxn id="44" idx="6"/>
-                  </p:cNvCxnSpPr>
-                  <p:nvPr/>
-                </p:nvCxnSpPr>
-                <p:spPr>
-                  <a:xfrm flipV="1">
-                    <a:off x="2200812" y="1516529"/>
-                    <a:ext cx="258640" cy="1"/>
-                  </a:xfrm>
-                  <a:prstGeom prst="line">
-                    <a:avLst/>
-                  </a:prstGeom>
-                </p:spPr>
-                <p:style>
-                  <a:lnRef idx="1">
-                    <a:schemeClr val="dk1"/>
-                  </a:lnRef>
-                  <a:fillRef idx="0">
-                    <a:schemeClr val="dk1"/>
-                  </a:fillRef>
-                  <a:effectRef idx="0">
-                    <a:schemeClr val="dk1"/>
-                  </a:effectRef>
-                  <a:fontRef idx="minor">
-                    <a:schemeClr val="tx1"/>
-                  </a:fontRef>
-                </p:style>
-              </p:cxnSp>
-              <p:sp>
-                <p:nvSpPr>
-                  <p:cNvPr id="44" name="Oval 43">
-                    <a:extLst>
-                      <a:ext uri="{FF2B5EF4-FFF2-40B4-BE49-F238E27FC236}">
-                        <a16:creationId xmlns:a16="http://schemas.microsoft.com/office/drawing/2014/main" id="{A1BD4677-2B2E-D893-ABC9-317FBDAFA691}"/>
-                      </a:ext>
-                    </a:extLst>
-                  </p:cNvPr>
-                  <p:cNvSpPr/>
-                  <p:nvPr/>
-                </p:nvSpPr>
-                <p:spPr>
-                  <a:xfrm>
-                    <a:off x="2413733" y="1493669"/>
-                    <a:ext cx="45719" cy="45719"/>
-                  </a:xfrm>
-                  <a:prstGeom prst="ellipse">
-                    <a:avLst/>
-                  </a:prstGeom>
-                </p:spPr>
-                <p:style>
-                  <a:lnRef idx="2">
-                    <a:schemeClr val="dk1">
-                      <a:shade val="15000"/>
-                    </a:schemeClr>
-                  </a:lnRef>
-                  <a:fillRef idx="1">
-                    <a:schemeClr val="dk1"/>
-                  </a:fillRef>
-                  <a:effectRef idx="0">
-                    <a:schemeClr val="dk1"/>
-                  </a:effectRef>
-                  <a:fontRef idx="minor">
-                    <a:schemeClr val="lt1"/>
-                  </a:fontRef>
-                </p:style>
-                <p:txBody>
-                  <a:bodyPr rtlCol="0" anchor="ctr"/>
-                  <a:lstStyle/>
-                  <a:p>
-                    <a:pPr algn="ctr"/>
-                    <a:endParaRPr lang="pt-PT"/>
-                  </a:p>
-                </p:txBody>
-              </p:sp>
-            </p:grpSp>
-            <p:grpSp>
-              <p:nvGrpSpPr>
-                <p:cNvPr id="45" name="Agrupar 44">
-                  <a:extLst>
-                    <a:ext uri="{FF2B5EF4-FFF2-40B4-BE49-F238E27FC236}">
-                      <a16:creationId xmlns:a16="http://schemas.microsoft.com/office/drawing/2014/main" id="{63915C65-AAF7-FC34-4B0C-927A99A926A5}"/>
-                    </a:ext>
-                  </a:extLst>
-                </p:cNvPr>
-                <p:cNvGrpSpPr/>
-                <p:nvPr/>
-              </p:nvGrpSpPr>
-              <p:grpSpPr>
-                <a:xfrm>
-                  <a:off x="2180654" y="2406435"/>
-                  <a:ext cx="258640" cy="45719"/>
-                  <a:chOff x="2200812" y="1493669"/>
-                  <a:chExt cx="258640" cy="45719"/>
-                </a:xfrm>
-              </p:grpSpPr>
-              <p:cxnSp>
-                <p:nvCxnSpPr>
-                  <p:cNvPr id="46" name="Conexão reta 45">
-                    <a:extLst>
-                      <a:ext uri="{FF2B5EF4-FFF2-40B4-BE49-F238E27FC236}">
-                        <a16:creationId xmlns:a16="http://schemas.microsoft.com/office/drawing/2014/main" id="{F3E0A99C-2522-2E68-7859-AD4289BEC8EB}"/>
-                      </a:ext>
-                    </a:extLst>
-                  </p:cNvPr>
-                  <p:cNvCxnSpPr>
-                    <a:cxnSpLocks/>
-                    <a:endCxn id="47" idx="6"/>
-                  </p:cNvCxnSpPr>
-                  <p:nvPr/>
-                </p:nvCxnSpPr>
-                <p:spPr>
-                  <a:xfrm flipV="1">
-                    <a:off x="2200812" y="1516529"/>
-                    <a:ext cx="258640" cy="1"/>
-                  </a:xfrm>
-                  <a:prstGeom prst="line">
-                    <a:avLst/>
-                  </a:prstGeom>
-                </p:spPr>
-                <p:style>
-                  <a:lnRef idx="1">
-                    <a:schemeClr val="dk1"/>
-                  </a:lnRef>
-                  <a:fillRef idx="0">
-                    <a:schemeClr val="dk1"/>
-                  </a:fillRef>
-                  <a:effectRef idx="0">
-                    <a:schemeClr val="dk1"/>
-                  </a:effectRef>
-                  <a:fontRef idx="minor">
-                    <a:schemeClr val="tx1"/>
-                  </a:fontRef>
-                </p:style>
-              </p:cxnSp>
-              <p:sp>
-                <p:nvSpPr>
-                  <p:cNvPr id="47" name="Oval 46">
-                    <a:extLst>
-                      <a:ext uri="{FF2B5EF4-FFF2-40B4-BE49-F238E27FC236}">
-                        <a16:creationId xmlns:a16="http://schemas.microsoft.com/office/drawing/2014/main" id="{AC837AFF-705A-AC18-7E62-CCA20AB0498B}"/>
-                      </a:ext>
-                    </a:extLst>
-                  </p:cNvPr>
-                  <p:cNvSpPr/>
-                  <p:nvPr/>
-                </p:nvSpPr>
-                <p:spPr>
-                  <a:xfrm>
-                    <a:off x="2413733" y="1493669"/>
-                    <a:ext cx="45719" cy="45719"/>
-                  </a:xfrm>
-                  <a:prstGeom prst="ellipse">
-                    <a:avLst/>
-                  </a:prstGeom>
-                </p:spPr>
-                <p:style>
-                  <a:lnRef idx="2">
-                    <a:schemeClr val="dk1">
-                      <a:shade val="15000"/>
-                    </a:schemeClr>
-                  </a:lnRef>
-                  <a:fillRef idx="1">
-                    <a:schemeClr val="dk1"/>
-                  </a:fillRef>
-                  <a:effectRef idx="0">
-                    <a:schemeClr val="dk1"/>
-                  </a:effectRef>
-                  <a:fontRef idx="minor">
-                    <a:schemeClr val="lt1"/>
-                  </a:fontRef>
-                </p:style>
-                <p:txBody>
-                  <a:bodyPr rtlCol="0" anchor="ctr"/>
-                  <a:lstStyle/>
-                  <a:p>
-                    <a:pPr algn="ctr"/>
-                    <a:endParaRPr lang="pt-PT"/>
-                  </a:p>
-                </p:txBody>
-              </p:sp>
-            </p:grpSp>
-            <p:grpSp>
-              <p:nvGrpSpPr>
-                <p:cNvPr id="48" name="Agrupar 47">
-                  <a:extLst>
-                    <a:ext uri="{FF2B5EF4-FFF2-40B4-BE49-F238E27FC236}">
-                      <a16:creationId xmlns:a16="http://schemas.microsoft.com/office/drawing/2014/main" id="{C208D30A-8745-7749-1AB3-42E50D29FA41}"/>
-                    </a:ext>
-                  </a:extLst>
-                </p:cNvPr>
-                <p:cNvGrpSpPr/>
-                <p:nvPr/>
-              </p:nvGrpSpPr>
-              <p:grpSpPr>
-                <a:xfrm>
-                  <a:off x="4287356" y="1516528"/>
-                  <a:ext cx="258640" cy="45719"/>
-                  <a:chOff x="2200812" y="1493669"/>
-                  <a:chExt cx="258640" cy="45719"/>
-                </a:xfrm>
-              </p:grpSpPr>
-              <p:cxnSp>
-                <p:nvCxnSpPr>
-                  <p:cNvPr id="49" name="Conexão reta 48">
-                    <a:extLst>
-                      <a:ext uri="{FF2B5EF4-FFF2-40B4-BE49-F238E27FC236}">
-                        <a16:creationId xmlns:a16="http://schemas.microsoft.com/office/drawing/2014/main" id="{3E51CC85-0F91-0B81-E630-9A166886D6E7}"/>
-                      </a:ext>
-                    </a:extLst>
-                  </p:cNvPr>
-                  <p:cNvCxnSpPr>
-                    <a:cxnSpLocks/>
-                    <a:endCxn id="50" idx="6"/>
-                  </p:cNvCxnSpPr>
-                  <p:nvPr/>
-                </p:nvCxnSpPr>
-                <p:spPr>
-                  <a:xfrm flipV="1">
-                    <a:off x="2200812" y="1516529"/>
-                    <a:ext cx="258640" cy="1"/>
-                  </a:xfrm>
-                  <a:prstGeom prst="line">
-                    <a:avLst/>
-                  </a:prstGeom>
-                </p:spPr>
-                <p:style>
-                  <a:lnRef idx="1">
-                    <a:schemeClr val="dk1"/>
-                  </a:lnRef>
-                  <a:fillRef idx="0">
-                    <a:schemeClr val="dk1"/>
-                  </a:fillRef>
-                  <a:effectRef idx="0">
-                    <a:schemeClr val="dk1"/>
-                  </a:effectRef>
-                  <a:fontRef idx="minor">
-                    <a:schemeClr val="tx1"/>
-                  </a:fontRef>
-                </p:style>
-              </p:cxnSp>
-              <p:sp>
-                <p:nvSpPr>
-                  <p:cNvPr id="50" name="Oval 49">
-                    <a:extLst>
-                      <a:ext uri="{FF2B5EF4-FFF2-40B4-BE49-F238E27FC236}">
-                        <a16:creationId xmlns:a16="http://schemas.microsoft.com/office/drawing/2014/main" id="{1D6FA364-51C8-C9AC-D1B9-F4372A6E255B}"/>
-                      </a:ext>
-                    </a:extLst>
-                  </p:cNvPr>
-                  <p:cNvSpPr/>
-                  <p:nvPr/>
-                </p:nvSpPr>
-                <p:spPr>
-                  <a:xfrm>
-                    <a:off x="2413733" y="1493669"/>
-                    <a:ext cx="45719" cy="45719"/>
-                  </a:xfrm>
-                  <a:prstGeom prst="ellipse">
-                    <a:avLst/>
-                  </a:prstGeom>
-                </p:spPr>
-                <p:style>
-                  <a:lnRef idx="2">
-                    <a:schemeClr val="dk1">
-                      <a:shade val="15000"/>
-                    </a:schemeClr>
-                  </a:lnRef>
-                  <a:fillRef idx="1">
-                    <a:schemeClr val="dk1"/>
-                  </a:fillRef>
-                  <a:effectRef idx="0">
-                    <a:schemeClr val="dk1"/>
-                  </a:effectRef>
-                  <a:fontRef idx="minor">
-                    <a:schemeClr val="lt1"/>
-                  </a:fontRef>
-                </p:style>
-                <p:txBody>
-                  <a:bodyPr rtlCol="0" anchor="ctr"/>
-                  <a:lstStyle/>
-                  <a:p>
-                    <a:pPr algn="ctr"/>
-                    <a:endParaRPr lang="pt-PT"/>
-                  </a:p>
-                </p:txBody>
-              </p:sp>
-            </p:grpSp>
-            <p:grpSp>
-              <p:nvGrpSpPr>
-                <p:cNvPr id="51" name="Agrupar 50">
-                  <a:extLst>
-                    <a:ext uri="{FF2B5EF4-FFF2-40B4-BE49-F238E27FC236}">
-                      <a16:creationId xmlns:a16="http://schemas.microsoft.com/office/drawing/2014/main" id="{CC775437-6E9C-7532-F25F-A8457678FCC6}"/>
-                    </a:ext>
-                  </a:extLst>
-                </p:cNvPr>
-                <p:cNvGrpSpPr/>
-                <p:nvPr/>
-              </p:nvGrpSpPr>
-              <p:grpSpPr>
-                <a:xfrm>
-                  <a:off x="4287356" y="2406436"/>
-                  <a:ext cx="258640" cy="45719"/>
-                  <a:chOff x="2200812" y="1493669"/>
-                  <a:chExt cx="258640" cy="45719"/>
-                </a:xfrm>
-              </p:grpSpPr>
-              <p:cxnSp>
-                <p:nvCxnSpPr>
-                  <p:cNvPr id="52" name="Conexão reta 51">
-                    <a:extLst>
-                      <a:ext uri="{FF2B5EF4-FFF2-40B4-BE49-F238E27FC236}">
-                        <a16:creationId xmlns:a16="http://schemas.microsoft.com/office/drawing/2014/main" id="{1E9E7DD6-E311-B45B-0080-F1B33559EA67}"/>
-                      </a:ext>
-                    </a:extLst>
-                  </p:cNvPr>
-                  <p:cNvCxnSpPr>
-                    <a:cxnSpLocks/>
-                    <a:endCxn id="53" idx="6"/>
-                  </p:cNvCxnSpPr>
-                  <p:nvPr/>
-                </p:nvCxnSpPr>
-                <p:spPr>
-                  <a:xfrm flipV="1">
-                    <a:off x="2200812" y="1516529"/>
-                    <a:ext cx="258640" cy="1"/>
-                  </a:xfrm>
-                  <a:prstGeom prst="line">
-                    <a:avLst/>
-                  </a:prstGeom>
-                </p:spPr>
-                <p:style>
-                  <a:lnRef idx="1">
-                    <a:schemeClr val="dk1"/>
-                  </a:lnRef>
-                  <a:fillRef idx="0">
-                    <a:schemeClr val="dk1"/>
-                  </a:fillRef>
-                  <a:effectRef idx="0">
-                    <a:schemeClr val="dk1"/>
-                  </a:effectRef>
-                  <a:fontRef idx="minor">
-                    <a:schemeClr val="tx1"/>
-                  </a:fontRef>
-                </p:style>
-              </p:cxnSp>
-              <p:sp>
-                <p:nvSpPr>
-                  <p:cNvPr id="53" name="Oval 52">
-                    <a:extLst>
-                      <a:ext uri="{FF2B5EF4-FFF2-40B4-BE49-F238E27FC236}">
-                        <a16:creationId xmlns:a16="http://schemas.microsoft.com/office/drawing/2014/main" id="{D983F50B-4086-6FD1-FC65-B4C0BB779EAF}"/>
-                      </a:ext>
-                    </a:extLst>
-                  </p:cNvPr>
-                  <p:cNvSpPr/>
-                  <p:nvPr/>
-                </p:nvSpPr>
-                <p:spPr>
-                  <a:xfrm>
-                    <a:off x="2413733" y="1493669"/>
-                    <a:ext cx="45719" cy="45719"/>
-                  </a:xfrm>
-                  <a:prstGeom prst="ellipse">
-                    <a:avLst/>
-                  </a:prstGeom>
-                </p:spPr>
-                <p:style>
-                  <a:lnRef idx="2">
-                    <a:schemeClr val="dk1">
-                      <a:shade val="15000"/>
-                    </a:schemeClr>
-                  </a:lnRef>
-                  <a:fillRef idx="1">
-                    <a:schemeClr val="dk1"/>
-                  </a:fillRef>
-                  <a:effectRef idx="0">
-                    <a:schemeClr val="dk1"/>
-                  </a:effectRef>
-                  <a:fontRef idx="minor">
-                    <a:schemeClr val="lt1"/>
-                  </a:fontRef>
-                </p:style>
-                <p:txBody>
-                  <a:bodyPr rtlCol="0" anchor="ctr"/>
-                  <a:lstStyle/>
-                  <a:p>
-                    <a:pPr algn="ctr"/>
-                    <a:endParaRPr lang="pt-PT"/>
-                  </a:p>
-                </p:txBody>
-              </p:sp>
-            </p:grpSp>
-            <p:grpSp>
-              <p:nvGrpSpPr>
-                <p:cNvPr id="54" name="Agrupar 53">
-                  <a:extLst>
-                    <a:ext uri="{FF2B5EF4-FFF2-40B4-BE49-F238E27FC236}">
-                      <a16:creationId xmlns:a16="http://schemas.microsoft.com/office/drawing/2014/main" id="{34D37560-3210-8830-070E-55CE753AB7B3}"/>
-                    </a:ext>
-                  </a:extLst>
-                </p:cNvPr>
-                <p:cNvGrpSpPr/>
-                <p:nvPr/>
-              </p:nvGrpSpPr>
-              <p:grpSpPr>
-                <a:xfrm>
-                  <a:off x="4287356" y="3342060"/>
-                  <a:ext cx="258640" cy="45719"/>
-                  <a:chOff x="2200812" y="1493669"/>
-                  <a:chExt cx="258640" cy="45719"/>
-                </a:xfrm>
-              </p:grpSpPr>
-              <p:cxnSp>
-                <p:nvCxnSpPr>
-                  <p:cNvPr id="55" name="Conexão reta 54">
-                    <a:extLst>
-                      <a:ext uri="{FF2B5EF4-FFF2-40B4-BE49-F238E27FC236}">
-                        <a16:creationId xmlns:a16="http://schemas.microsoft.com/office/drawing/2014/main" id="{41BA7B83-4DDF-38FD-2EAC-3825D6C6470A}"/>
-                      </a:ext>
-                    </a:extLst>
-                  </p:cNvPr>
-                  <p:cNvCxnSpPr>
-                    <a:cxnSpLocks/>
-                    <a:endCxn id="56" idx="6"/>
-                  </p:cNvCxnSpPr>
-                  <p:nvPr/>
-                </p:nvCxnSpPr>
-                <p:spPr>
-                  <a:xfrm flipV="1">
-                    <a:off x="2200812" y="1516529"/>
-                    <a:ext cx="258640" cy="1"/>
-                  </a:xfrm>
-                  <a:prstGeom prst="line">
-                    <a:avLst/>
-                  </a:prstGeom>
-                </p:spPr>
-                <p:style>
-                  <a:lnRef idx="1">
-                    <a:schemeClr val="dk1"/>
-                  </a:lnRef>
-                  <a:fillRef idx="0">
-                    <a:schemeClr val="dk1"/>
-                  </a:fillRef>
-                  <a:effectRef idx="0">
-                    <a:schemeClr val="dk1"/>
-                  </a:effectRef>
-                  <a:fontRef idx="minor">
-                    <a:schemeClr val="tx1"/>
-                  </a:fontRef>
-                </p:style>
-              </p:cxnSp>
-              <p:sp>
-                <p:nvSpPr>
-                  <p:cNvPr id="56" name="Oval 55">
-                    <a:extLst>
-                      <a:ext uri="{FF2B5EF4-FFF2-40B4-BE49-F238E27FC236}">
-                        <a16:creationId xmlns:a16="http://schemas.microsoft.com/office/drawing/2014/main" id="{00427BB4-E751-4BC5-EBEC-03AEA8991EE3}"/>
-                      </a:ext>
-                    </a:extLst>
-                  </p:cNvPr>
-                  <p:cNvSpPr/>
-                  <p:nvPr/>
-                </p:nvSpPr>
-                <p:spPr>
-                  <a:xfrm>
-                    <a:off x="2413733" y="1493669"/>
-                    <a:ext cx="45719" cy="45719"/>
-                  </a:xfrm>
-                  <a:prstGeom prst="ellipse">
-                    <a:avLst/>
-                  </a:prstGeom>
-                </p:spPr>
-                <p:style>
-                  <a:lnRef idx="2">
-                    <a:schemeClr val="dk1">
-                      <a:shade val="15000"/>
-                    </a:schemeClr>
-                  </a:lnRef>
-                  <a:fillRef idx="1">
-                    <a:schemeClr val="dk1"/>
-                  </a:fillRef>
-                  <a:effectRef idx="0">
-                    <a:schemeClr val="dk1"/>
-                  </a:effectRef>
-                  <a:fontRef idx="minor">
-                    <a:schemeClr val="lt1"/>
-                  </a:fontRef>
-                </p:style>
-                <p:txBody>
-                  <a:bodyPr rtlCol="0" anchor="ctr"/>
-                  <a:lstStyle/>
-                  <a:p>
-                    <a:pPr algn="ctr"/>
-                    <a:endParaRPr lang="pt-PT"/>
-                  </a:p>
-                </p:txBody>
-              </p:sp>
-            </p:grpSp>
-            <p:cxnSp>
-              <p:nvCxnSpPr>
-                <p:cNvPr id="64" name="Conexão reta 63">
-                  <a:extLst>
-                    <a:ext uri="{FF2B5EF4-FFF2-40B4-BE49-F238E27FC236}">
-                      <a16:creationId xmlns:a16="http://schemas.microsoft.com/office/drawing/2014/main" id="{68E96ADA-34DF-BA56-B463-33CEF3741805}"/>
-                    </a:ext>
-                  </a:extLst>
-                </p:cNvPr>
-                <p:cNvCxnSpPr>
-                  <a:stCxn id="38" idx="6"/>
-                  <a:endCxn id="20" idx="1"/>
-                </p:cNvCxnSpPr>
-                <p:nvPr/>
-              </p:nvCxnSpPr>
-              <p:spPr>
-                <a:xfrm>
-                  <a:off x="2459452" y="1516529"/>
-                  <a:ext cx="1318397" cy="728933"/>
-                </a:xfrm>
-                <a:prstGeom prst="line">
-                  <a:avLst/>
-                </a:prstGeom>
-              </p:spPr>
-              <p:style>
-                <a:lnRef idx="1">
-                  <a:schemeClr val="dk1"/>
-                </a:lnRef>
-                <a:fillRef idx="0">
-                  <a:schemeClr val="dk1"/>
-                </a:fillRef>
-                <a:effectRef idx="0">
-                  <a:schemeClr val="dk1"/>
-                </a:effectRef>
-                <a:fontRef idx="minor">
-                  <a:schemeClr val="tx1"/>
-                </a:fontRef>
-              </p:style>
-            </p:cxnSp>
-            <p:cxnSp>
-              <p:nvCxnSpPr>
-                <p:cNvPr id="66" name="Conexão reta 65">
-                  <a:extLst>
-                    <a:ext uri="{FF2B5EF4-FFF2-40B4-BE49-F238E27FC236}">
-                      <a16:creationId xmlns:a16="http://schemas.microsoft.com/office/drawing/2014/main" id="{22673C32-16A8-234F-F598-2392F1DBFAD4}"/>
-                    </a:ext>
-                  </a:extLst>
-                </p:cNvPr>
-                <p:cNvCxnSpPr>
-                  <a:stCxn id="47" idx="6"/>
-                  <a:endCxn id="20" idx="2"/>
-                </p:cNvCxnSpPr>
-                <p:nvPr/>
-              </p:nvCxnSpPr>
-              <p:spPr>
-                <a:xfrm flipV="1">
-                  <a:off x="2439294" y="2429294"/>
-                  <a:ext cx="1251907" cy="1"/>
-                </a:xfrm>
-                <a:prstGeom prst="line">
-                  <a:avLst/>
-                </a:prstGeom>
-              </p:spPr>
-              <p:style>
-                <a:lnRef idx="1">
-                  <a:schemeClr val="dk1"/>
-                </a:lnRef>
-                <a:fillRef idx="0">
-                  <a:schemeClr val="dk1"/>
-                </a:fillRef>
-                <a:effectRef idx="0">
-                  <a:schemeClr val="dk1"/>
-                </a:effectRef>
-                <a:fontRef idx="minor">
-                  <a:schemeClr val="tx1"/>
-                </a:fontRef>
-              </p:style>
-            </p:cxnSp>
-            <p:cxnSp>
-              <p:nvCxnSpPr>
-                <p:cNvPr id="70" name="Conexão reta 69">
-                  <a:extLst>
-                    <a:ext uri="{FF2B5EF4-FFF2-40B4-BE49-F238E27FC236}">
-                      <a16:creationId xmlns:a16="http://schemas.microsoft.com/office/drawing/2014/main" id="{D23B3321-3205-7761-FDF6-66ADA93F66B3}"/>
-                    </a:ext>
-                  </a:extLst>
-                </p:cNvPr>
-                <p:cNvCxnSpPr>
-                  <a:stCxn id="44" idx="7"/>
-                  <a:endCxn id="20" idx="3"/>
-                </p:cNvCxnSpPr>
-                <p:nvPr/>
-              </p:nvCxnSpPr>
-              <p:spPr>
-                <a:xfrm flipV="1">
-                  <a:off x="2432599" y="2613125"/>
-                  <a:ext cx="1345250" cy="737570"/>
-                </a:xfrm>
-                <a:prstGeom prst="line">
-                  <a:avLst/>
-                </a:prstGeom>
-              </p:spPr>
-              <p:style>
-                <a:lnRef idx="1">
-                  <a:schemeClr val="dk1"/>
-                </a:lnRef>
-                <a:fillRef idx="0">
-                  <a:schemeClr val="dk1"/>
-                </a:fillRef>
-                <a:effectRef idx="0">
-                  <a:schemeClr val="dk1"/>
-                </a:effectRef>
-                <a:fontRef idx="minor">
-                  <a:schemeClr val="tx1"/>
-                </a:fontRef>
-              </p:style>
-            </p:cxnSp>
-            <p:cxnSp>
-              <p:nvCxnSpPr>
-                <p:cNvPr id="72" name="Conexão reta 71">
-                  <a:extLst>
-                    <a:ext uri="{FF2B5EF4-FFF2-40B4-BE49-F238E27FC236}">
-                      <a16:creationId xmlns:a16="http://schemas.microsoft.com/office/drawing/2014/main" id="{FA62FC05-8CDB-4ABB-2EB2-AC67325B114C}"/>
-                    </a:ext>
-                  </a:extLst>
-                </p:cNvPr>
-                <p:cNvCxnSpPr>
-                  <a:stCxn id="38" idx="6"/>
-                  <a:endCxn id="19" idx="2"/>
-                </p:cNvCxnSpPr>
-                <p:nvPr/>
-              </p:nvCxnSpPr>
-              <p:spPr>
-                <a:xfrm>
-                  <a:off x="2459452" y="1516529"/>
-                  <a:ext cx="1231749" cy="0"/>
-                </a:xfrm>
-                <a:prstGeom prst="line">
-                  <a:avLst/>
-                </a:prstGeom>
-              </p:spPr>
-              <p:style>
-                <a:lnRef idx="1">
-                  <a:schemeClr val="dk1"/>
-                </a:lnRef>
-                <a:fillRef idx="0">
-                  <a:schemeClr val="dk1"/>
-                </a:fillRef>
-                <a:effectRef idx="0">
-                  <a:schemeClr val="dk1"/>
-                </a:effectRef>
-                <a:fontRef idx="minor">
-                  <a:schemeClr val="tx1"/>
-                </a:fontRef>
-              </p:style>
-            </p:cxnSp>
-            <p:cxnSp>
-              <p:nvCxnSpPr>
-                <p:cNvPr id="78" name="Conexão reta 77">
-                  <a:extLst>
-                    <a:ext uri="{FF2B5EF4-FFF2-40B4-BE49-F238E27FC236}">
-                      <a16:creationId xmlns:a16="http://schemas.microsoft.com/office/drawing/2014/main" id="{9F166FED-873A-E367-057D-F597F01E8269}"/>
-                    </a:ext>
-                  </a:extLst>
-                </p:cNvPr>
-                <p:cNvCxnSpPr>
-                  <a:stCxn id="44" idx="0"/>
-                  <a:endCxn id="19" idx="4"/>
-                </p:cNvCxnSpPr>
-                <p:nvPr/>
-              </p:nvCxnSpPr>
-              <p:spPr>
-                <a:xfrm flipV="1">
-                  <a:off x="2416435" y="1776505"/>
-                  <a:ext cx="1570602" cy="1567495"/>
-                </a:xfrm>
-                <a:prstGeom prst="line">
-                  <a:avLst/>
-                </a:prstGeom>
-              </p:spPr>
-              <p:style>
-                <a:lnRef idx="1">
-                  <a:schemeClr val="dk1"/>
-                </a:lnRef>
-                <a:fillRef idx="0">
-                  <a:schemeClr val="dk1"/>
-                </a:fillRef>
-                <a:effectRef idx="0">
-                  <a:schemeClr val="dk1"/>
-                </a:effectRef>
-                <a:fontRef idx="minor">
-                  <a:schemeClr val="tx1"/>
-                </a:fontRef>
-              </p:style>
-            </p:cxnSp>
-            <p:cxnSp>
-              <p:nvCxnSpPr>
-                <p:cNvPr id="80" name="Conexão reta 79">
-                  <a:extLst>
-                    <a:ext uri="{FF2B5EF4-FFF2-40B4-BE49-F238E27FC236}">
-                      <a16:creationId xmlns:a16="http://schemas.microsoft.com/office/drawing/2014/main" id="{F7CE04F5-3AA7-A101-3DBC-ADF14650C8D3}"/>
-                    </a:ext>
-                  </a:extLst>
-                </p:cNvPr>
-                <p:cNvCxnSpPr>
-                  <a:cxnSpLocks/>
-                  <a:stCxn id="38" idx="5"/>
-                  <a:endCxn id="21" idx="1"/>
-                </p:cNvCxnSpPr>
-                <p:nvPr/>
-              </p:nvCxnSpPr>
-              <p:spPr>
-                <a:xfrm>
-                  <a:off x="2452757" y="1532693"/>
-                  <a:ext cx="1325085" cy="1625534"/>
-                </a:xfrm>
-                <a:prstGeom prst="line">
-                  <a:avLst/>
-                </a:prstGeom>
-              </p:spPr>
-              <p:style>
-                <a:lnRef idx="1">
-                  <a:schemeClr val="dk1"/>
-                </a:lnRef>
-                <a:fillRef idx="0">
-                  <a:schemeClr val="dk1"/>
-                </a:fillRef>
-                <a:effectRef idx="0">
-                  <a:schemeClr val="dk1"/>
-                </a:effectRef>
-                <a:fontRef idx="minor">
-                  <a:schemeClr val="tx1"/>
-                </a:fontRef>
-              </p:style>
-            </p:cxnSp>
-            <p:cxnSp>
-              <p:nvCxnSpPr>
-                <p:cNvPr id="82" name="Conexão reta 81">
-                  <a:extLst>
-                    <a:ext uri="{FF2B5EF4-FFF2-40B4-BE49-F238E27FC236}">
-                      <a16:creationId xmlns:a16="http://schemas.microsoft.com/office/drawing/2014/main" id="{3DC4A1CC-D3AF-52F9-184C-FBCB7DAF7B31}"/>
-                    </a:ext>
-                  </a:extLst>
-                </p:cNvPr>
-                <p:cNvCxnSpPr>
-                  <a:cxnSpLocks/>
-                  <a:stCxn id="47" idx="6"/>
-                  <a:endCxn id="21" idx="2"/>
-                </p:cNvCxnSpPr>
-                <p:nvPr/>
-              </p:nvCxnSpPr>
-              <p:spPr>
-                <a:xfrm>
-                  <a:off x="2439294" y="2429295"/>
-                  <a:ext cx="1251900" cy="912764"/>
-                </a:xfrm>
-                <a:prstGeom prst="line">
-                  <a:avLst/>
-                </a:prstGeom>
-              </p:spPr>
-              <p:style>
-                <a:lnRef idx="1">
-                  <a:schemeClr val="dk1"/>
-                </a:lnRef>
-                <a:fillRef idx="0">
-                  <a:schemeClr val="dk1"/>
-                </a:fillRef>
-                <a:effectRef idx="0">
-                  <a:schemeClr val="dk1"/>
-                </a:effectRef>
-                <a:fontRef idx="minor">
-                  <a:schemeClr val="tx1"/>
-                </a:fontRef>
-              </p:style>
-            </p:cxnSp>
-            <p:cxnSp>
-              <p:nvCxnSpPr>
-                <p:cNvPr id="87" name="Conexão reta 86">
-                  <a:extLst>
-                    <a:ext uri="{FF2B5EF4-FFF2-40B4-BE49-F238E27FC236}">
-                      <a16:creationId xmlns:a16="http://schemas.microsoft.com/office/drawing/2014/main" id="{9C158FC6-7FCC-1DFD-4830-E20B10D373B0}"/>
-                    </a:ext>
-                  </a:extLst>
-                </p:cNvPr>
-                <p:cNvCxnSpPr>
-                  <a:stCxn id="50" idx="7"/>
-                  <a:endCxn id="22" idx="1"/>
-                </p:cNvCxnSpPr>
-                <p:nvPr/>
-              </p:nvCxnSpPr>
-              <p:spPr>
-                <a:xfrm>
-                  <a:off x="4539301" y="1523223"/>
-                  <a:ext cx="820810" cy="329427"/>
-                </a:xfrm>
-                <a:prstGeom prst="line">
-                  <a:avLst/>
-                </a:prstGeom>
-              </p:spPr>
-              <p:style>
-                <a:lnRef idx="1">
-                  <a:schemeClr val="dk1"/>
-                </a:lnRef>
-                <a:fillRef idx="0">
-                  <a:schemeClr val="dk1"/>
-                </a:fillRef>
-                <a:effectRef idx="0">
-                  <a:schemeClr val="dk1"/>
-                </a:effectRef>
-                <a:fontRef idx="minor">
-                  <a:schemeClr val="tx1"/>
-                </a:fontRef>
-              </p:style>
-            </p:cxnSp>
-            <p:cxnSp>
-              <p:nvCxnSpPr>
-                <p:cNvPr id="89" name="Conexão reta 88">
-                  <a:extLst>
-                    <a:ext uri="{FF2B5EF4-FFF2-40B4-BE49-F238E27FC236}">
-                      <a16:creationId xmlns:a16="http://schemas.microsoft.com/office/drawing/2014/main" id="{84D6CE8C-C673-2D05-A55B-F73925F9E7BB}"/>
-                    </a:ext>
-                  </a:extLst>
-                </p:cNvPr>
-                <p:cNvCxnSpPr>
-                  <a:stCxn id="53" idx="7"/>
-                  <a:endCxn id="22" idx="2"/>
-                </p:cNvCxnSpPr>
-                <p:nvPr/>
-              </p:nvCxnSpPr>
-              <p:spPr>
-                <a:xfrm flipV="1">
-                  <a:off x="4539301" y="2036482"/>
-                  <a:ext cx="734162" cy="376649"/>
-                </a:xfrm>
-                <a:prstGeom prst="line">
-                  <a:avLst/>
-                </a:prstGeom>
-              </p:spPr>
-              <p:style>
-                <a:lnRef idx="1">
-                  <a:schemeClr val="dk1"/>
-                </a:lnRef>
-                <a:fillRef idx="0">
-                  <a:schemeClr val="dk1"/>
-                </a:fillRef>
-                <a:effectRef idx="0">
-                  <a:schemeClr val="dk1"/>
-                </a:effectRef>
-                <a:fontRef idx="minor">
-                  <a:schemeClr val="tx1"/>
-                </a:fontRef>
-              </p:style>
-            </p:cxnSp>
-            <p:cxnSp>
-              <p:nvCxnSpPr>
-                <p:cNvPr id="91" name="Conexão reta 90">
-                  <a:extLst>
-                    <a:ext uri="{FF2B5EF4-FFF2-40B4-BE49-F238E27FC236}">
-                      <a16:creationId xmlns:a16="http://schemas.microsoft.com/office/drawing/2014/main" id="{5C71F5FD-895D-45C4-3134-E28F426B58E9}"/>
-                    </a:ext>
-                  </a:extLst>
-                </p:cNvPr>
-                <p:cNvCxnSpPr>
-                  <a:stCxn id="56" idx="6"/>
-                  <a:endCxn id="22" idx="3"/>
-                </p:cNvCxnSpPr>
-                <p:nvPr/>
-              </p:nvCxnSpPr>
-              <p:spPr>
-                <a:xfrm flipV="1">
-                  <a:off x="4545996" y="2220313"/>
-                  <a:ext cx="814115" cy="1144607"/>
-                </a:xfrm>
-                <a:prstGeom prst="line">
-                  <a:avLst/>
-                </a:prstGeom>
-              </p:spPr>
-              <p:style>
-                <a:lnRef idx="1">
-                  <a:schemeClr val="dk1"/>
-                </a:lnRef>
-                <a:fillRef idx="0">
-                  <a:schemeClr val="dk1"/>
-                </a:fillRef>
-                <a:effectRef idx="0">
-                  <a:schemeClr val="dk1"/>
-                </a:effectRef>
-                <a:fontRef idx="minor">
-                  <a:schemeClr val="tx1"/>
-                </a:fontRef>
-              </p:style>
-            </p:cxnSp>
-            <p:cxnSp>
-              <p:nvCxnSpPr>
-                <p:cNvPr id="93" name="Conexão reta 92">
-                  <a:extLst>
-                    <a:ext uri="{FF2B5EF4-FFF2-40B4-BE49-F238E27FC236}">
-                      <a16:creationId xmlns:a16="http://schemas.microsoft.com/office/drawing/2014/main" id="{8645F3AF-13DF-D40E-BABC-F34629FE90A9}"/>
-                    </a:ext>
-                  </a:extLst>
-                </p:cNvPr>
-                <p:cNvCxnSpPr>
-                  <a:cxnSpLocks/>
-                  <a:stCxn id="50" idx="6"/>
-                  <a:endCxn id="23" idx="1"/>
-                </p:cNvCxnSpPr>
-                <p:nvPr/>
-              </p:nvCxnSpPr>
-              <p:spPr>
-                <a:xfrm>
-                  <a:off x="4545996" y="1539388"/>
-                  <a:ext cx="814773" cy="1443492"/>
-                </a:xfrm>
-                <a:prstGeom prst="line">
-                  <a:avLst/>
-                </a:prstGeom>
-              </p:spPr>
-              <p:style>
-                <a:lnRef idx="1">
-                  <a:schemeClr val="dk1"/>
-                </a:lnRef>
-                <a:fillRef idx="0">
-                  <a:schemeClr val="dk1"/>
-                </a:fillRef>
-                <a:effectRef idx="0">
-                  <a:schemeClr val="dk1"/>
-                </a:effectRef>
-                <a:fontRef idx="minor">
-                  <a:schemeClr val="tx1"/>
-                </a:fontRef>
-              </p:style>
-            </p:cxnSp>
-            <p:cxnSp>
-              <p:nvCxnSpPr>
-                <p:cNvPr id="95" name="Conexão reta 94">
-                  <a:extLst>
-                    <a:ext uri="{FF2B5EF4-FFF2-40B4-BE49-F238E27FC236}">
-                      <a16:creationId xmlns:a16="http://schemas.microsoft.com/office/drawing/2014/main" id="{E4033167-B0FD-DA2E-6742-95F9A68B3329}"/>
-                    </a:ext>
-                  </a:extLst>
-                </p:cNvPr>
-                <p:cNvCxnSpPr>
-                  <a:cxnSpLocks/>
-                  <a:stCxn id="53" idx="5"/>
-                  <a:endCxn id="23" idx="2"/>
-                </p:cNvCxnSpPr>
-                <p:nvPr/>
-              </p:nvCxnSpPr>
-              <p:spPr>
-                <a:xfrm>
-                  <a:off x="4539301" y="2445460"/>
-                  <a:ext cx="734162" cy="721252"/>
-                </a:xfrm>
-                <a:prstGeom prst="line">
-                  <a:avLst/>
-                </a:prstGeom>
-              </p:spPr>
-              <p:style>
-                <a:lnRef idx="1">
-                  <a:schemeClr val="dk1"/>
-                </a:lnRef>
-                <a:fillRef idx="0">
-                  <a:schemeClr val="dk1"/>
-                </a:fillRef>
-                <a:effectRef idx="0">
-                  <a:schemeClr val="dk1"/>
-                </a:effectRef>
-                <a:fontRef idx="minor">
-                  <a:schemeClr val="tx1"/>
-                </a:fontRef>
-              </p:style>
-            </p:cxnSp>
-            <p:cxnSp>
-              <p:nvCxnSpPr>
-                <p:cNvPr id="97" name="Conexão reta 96">
-                  <a:extLst>
-                    <a:ext uri="{FF2B5EF4-FFF2-40B4-BE49-F238E27FC236}">
-                      <a16:creationId xmlns:a16="http://schemas.microsoft.com/office/drawing/2014/main" id="{5C5BD0F1-2027-6C75-28EF-B9A8D88CE188}"/>
-                    </a:ext>
-                  </a:extLst>
-                </p:cNvPr>
-                <p:cNvCxnSpPr>
-                  <a:cxnSpLocks/>
-                  <a:stCxn id="56" idx="6"/>
-                  <a:endCxn id="23" idx="3"/>
-                </p:cNvCxnSpPr>
-                <p:nvPr/>
-              </p:nvCxnSpPr>
-              <p:spPr>
-                <a:xfrm flipV="1">
-                  <a:off x="4545996" y="3350543"/>
-                  <a:ext cx="814773" cy="14377"/>
-                </a:xfrm>
-                <a:prstGeom prst="line">
-                  <a:avLst/>
-                </a:prstGeom>
-              </p:spPr>
-              <p:style>
-                <a:lnRef idx="1">
-                  <a:schemeClr val="dk1"/>
-                </a:lnRef>
-                <a:fillRef idx="0">
-                  <a:schemeClr val="dk1"/>
-                </a:fillRef>
-                <a:effectRef idx="0">
-                  <a:schemeClr val="dk1"/>
-                </a:effectRef>
-                <a:fontRef idx="minor">
-                  <a:schemeClr val="tx1"/>
-                </a:fontRef>
-              </p:style>
-            </p:cxnSp>
-            <p:cxnSp>
-              <p:nvCxnSpPr>
-                <p:cNvPr id="98" name="Conexão reta 97">
-                  <a:extLst>
-                    <a:ext uri="{FF2B5EF4-FFF2-40B4-BE49-F238E27FC236}">
-                      <a16:creationId xmlns:a16="http://schemas.microsoft.com/office/drawing/2014/main" id="{5E59D19F-EB3F-96B1-BBD8-625C2E90069A}"/>
-                    </a:ext>
-                  </a:extLst>
-                </p:cNvPr>
-                <p:cNvCxnSpPr>
-                  <a:cxnSpLocks/>
-                </p:cNvCxnSpPr>
-                <p:nvPr/>
-              </p:nvCxnSpPr>
-              <p:spPr>
-                <a:xfrm flipV="1">
-                  <a:off x="2405952" y="1704854"/>
-                  <a:ext cx="1380977" cy="745098"/>
-                </a:xfrm>
-                <a:prstGeom prst="line">
-                  <a:avLst/>
-                </a:prstGeom>
-              </p:spPr>
-              <p:style>
-                <a:lnRef idx="1">
-                  <a:schemeClr val="dk1"/>
-                </a:lnRef>
-                <a:fillRef idx="0">
-                  <a:schemeClr val="dk1"/>
-                </a:fillRef>
-                <a:effectRef idx="0">
-                  <a:schemeClr val="dk1"/>
-                </a:effectRef>
-                <a:fontRef idx="minor">
-                  <a:schemeClr val="tx1"/>
-                </a:fontRef>
-              </p:style>
-            </p:cxnSp>
-            <p:grpSp>
-              <p:nvGrpSpPr>
-                <p:cNvPr id="112" name="Agrupar 111">
-                  <a:extLst>
-                    <a:ext uri="{FF2B5EF4-FFF2-40B4-BE49-F238E27FC236}">
-                      <a16:creationId xmlns:a16="http://schemas.microsoft.com/office/drawing/2014/main" id="{C7D10A58-AF77-5999-89C5-D51C13D9163B}"/>
-                    </a:ext>
-                  </a:extLst>
-                </p:cNvPr>
-                <p:cNvGrpSpPr/>
-                <p:nvPr/>
-              </p:nvGrpSpPr>
-              <p:grpSpPr>
-                <a:xfrm>
-                  <a:off x="67689" y="477786"/>
-                  <a:ext cx="5801936" cy="3124250"/>
-                  <a:chOff x="67689" y="477786"/>
-                  <a:chExt cx="5801936" cy="3124250"/>
-                </a:xfrm>
-              </p:grpSpPr>
-              <p:grpSp>
-                <p:nvGrpSpPr>
-                  <p:cNvPr id="24" name="Agrupar 23">
-                    <a:extLst>
-                      <a:ext uri="{FF2B5EF4-FFF2-40B4-BE49-F238E27FC236}">
-                        <a16:creationId xmlns:a16="http://schemas.microsoft.com/office/drawing/2014/main" id="{2585F4B8-B343-0A38-8BEF-8CC6A76924DB}"/>
-                      </a:ext>
-                    </a:extLst>
-                  </p:cNvPr>
-                  <p:cNvGrpSpPr/>
-                  <p:nvPr/>
-                </p:nvGrpSpPr>
-                <p:grpSpPr>
-                  <a:xfrm>
-                    <a:off x="1584492" y="1256552"/>
-                    <a:ext cx="4285133" cy="2345484"/>
-                    <a:chOff x="3397620" y="729549"/>
-                    <a:chExt cx="4285133" cy="2345484"/>
-                  </a:xfrm>
-                </p:grpSpPr>
-                <p:sp>
-                  <p:nvSpPr>
-                    <p:cNvPr id="16" name="Oval 15">
-                      <a:extLst>
-                        <a:ext uri="{FF2B5EF4-FFF2-40B4-BE49-F238E27FC236}">
-                          <a16:creationId xmlns:a16="http://schemas.microsoft.com/office/drawing/2014/main" id="{A75C03B0-FF23-2CDE-AC74-163993976345}"/>
-                        </a:ext>
-                      </a:extLst>
-                    </p:cNvPr>
-                    <p:cNvSpPr/>
-                    <p:nvPr/>
-                  </p:nvSpPr>
-                  <p:spPr>
-                    <a:xfrm>
-                      <a:off x="3397620" y="729550"/>
-                      <a:ext cx="591671" cy="519953"/>
-                    </a:xfrm>
-                    <a:prstGeom prst="ellipse">
-                      <a:avLst/>
-                    </a:prstGeom>
-                    <a:solidFill>
-                      <a:schemeClr val="accent1">
-                        <a:lumMod val="75000"/>
-                      </a:schemeClr>
-                    </a:solidFill>
-                    <a:ln>
-                      <a:solidFill>
-                        <a:schemeClr val="accent1">
-                          <a:lumMod val="75000"/>
-                        </a:schemeClr>
-                      </a:solidFill>
-                    </a:ln>
-                  </p:spPr>
-                  <p:style>
-                    <a:lnRef idx="2">
-                      <a:schemeClr val="accent2">
-                        <a:shade val="15000"/>
-                      </a:schemeClr>
-                    </a:lnRef>
-                    <a:fillRef idx="1">
-                      <a:schemeClr val="accent2"/>
-                    </a:fillRef>
-                    <a:effectRef idx="0">
-                      <a:schemeClr val="accent2"/>
-                    </a:effectRef>
-                    <a:fontRef idx="minor">
-                      <a:schemeClr val="lt1"/>
-                    </a:fontRef>
-                  </p:style>
-                  <p:txBody>
-                    <a:bodyPr rtlCol="0" anchor="ctr"/>
-                    <a:lstStyle/>
-                    <a:p>
-                      <a:pPr algn="ctr"/>
-                      <a:endParaRPr lang="pt-PT" dirty="0"/>
-                    </a:p>
-                  </p:txBody>
-                </p:sp>
-                <p:sp>
-                  <p:nvSpPr>
-                    <p:cNvPr id="17" name="Oval 16">
-                      <a:extLst>
-                        <a:ext uri="{FF2B5EF4-FFF2-40B4-BE49-F238E27FC236}">
-                          <a16:creationId xmlns:a16="http://schemas.microsoft.com/office/drawing/2014/main" id="{68BBBE2C-06E5-A2CF-C278-B12036C03FAF}"/>
-                        </a:ext>
-                      </a:extLst>
-                    </p:cNvPr>
-                    <p:cNvSpPr/>
-                    <p:nvPr/>
-                  </p:nvSpPr>
-                  <p:spPr>
-                    <a:xfrm>
-                      <a:off x="3397620" y="1642315"/>
-                      <a:ext cx="591671" cy="519953"/>
-                    </a:xfrm>
-                    <a:prstGeom prst="ellipse">
-                      <a:avLst/>
-                    </a:prstGeom>
-                    <a:solidFill>
-                      <a:schemeClr val="accent1">
-                        <a:lumMod val="75000"/>
-                      </a:schemeClr>
-                    </a:solidFill>
-                    <a:ln>
-                      <a:solidFill>
-                        <a:schemeClr val="accent1">
-                          <a:lumMod val="75000"/>
-                        </a:schemeClr>
-                      </a:solidFill>
-                    </a:ln>
-                  </p:spPr>
-                  <p:style>
-                    <a:lnRef idx="2">
-                      <a:schemeClr val="accent1">
-                        <a:shade val="15000"/>
-                      </a:schemeClr>
-                    </a:lnRef>
-                    <a:fillRef idx="1">
-                      <a:schemeClr val="accent1"/>
-                    </a:fillRef>
-                    <a:effectRef idx="0">
-                      <a:schemeClr val="accent1"/>
-                    </a:effectRef>
-                    <a:fontRef idx="minor">
-                      <a:schemeClr val="lt1"/>
-                    </a:fontRef>
-                  </p:style>
-                  <p:txBody>
-                    <a:bodyPr rtlCol="0" anchor="ctr"/>
-                    <a:lstStyle/>
-                    <a:p>
-                      <a:pPr algn="ctr"/>
-                      <a:endParaRPr lang="pt-PT"/>
-                    </a:p>
-                  </p:txBody>
-                </p:sp>
-                <p:sp>
-                  <p:nvSpPr>
-                    <p:cNvPr id="18" name="Oval 17">
-                      <a:extLst>
-                        <a:ext uri="{FF2B5EF4-FFF2-40B4-BE49-F238E27FC236}">
-                          <a16:creationId xmlns:a16="http://schemas.microsoft.com/office/drawing/2014/main" id="{947419B3-0FCF-1D26-94BA-726751A20D80}"/>
-                        </a:ext>
-                      </a:extLst>
-                    </p:cNvPr>
-                    <p:cNvSpPr/>
-                    <p:nvPr/>
-                  </p:nvSpPr>
-                  <p:spPr>
-                    <a:xfrm>
-                      <a:off x="3397622" y="2555080"/>
-                      <a:ext cx="591671" cy="519953"/>
-                    </a:xfrm>
-                    <a:prstGeom prst="ellipse">
-                      <a:avLst/>
-                    </a:prstGeom>
-                    <a:solidFill>
-                      <a:schemeClr val="accent1">
-                        <a:lumMod val="75000"/>
-                      </a:schemeClr>
-                    </a:solidFill>
-                    <a:ln>
-                      <a:solidFill>
-                        <a:schemeClr val="accent1">
-                          <a:lumMod val="75000"/>
-                        </a:schemeClr>
-                      </a:solidFill>
-                    </a:ln>
-                  </p:spPr>
-                  <p:style>
-                    <a:lnRef idx="2">
-                      <a:schemeClr val="accent1">
-                        <a:shade val="15000"/>
-                      </a:schemeClr>
-                    </a:lnRef>
-                    <a:fillRef idx="1">
-                      <a:schemeClr val="accent1"/>
-                    </a:fillRef>
-                    <a:effectRef idx="0">
-                      <a:schemeClr val="accent1"/>
-                    </a:effectRef>
-                    <a:fontRef idx="minor">
-                      <a:schemeClr val="lt1"/>
-                    </a:fontRef>
-                  </p:style>
-                  <p:txBody>
-                    <a:bodyPr rtlCol="0" anchor="ctr"/>
-                    <a:lstStyle/>
-                    <a:p>
-                      <a:pPr algn="ctr"/>
-                      <a:endParaRPr lang="pt-PT"/>
-                    </a:p>
-                  </p:txBody>
-                </p:sp>
-                <p:sp>
-                  <p:nvSpPr>
-                    <p:cNvPr id="19" name="Oval 18">
-                      <a:extLst>
-                        <a:ext uri="{FF2B5EF4-FFF2-40B4-BE49-F238E27FC236}">
-                          <a16:creationId xmlns:a16="http://schemas.microsoft.com/office/drawing/2014/main" id="{8AB2B6E2-248F-5F04-50CF-29272C03E5B8}"/>
-                        </a:ext>
-                      </a:extLst>
-                    </p:cNvPr>
-                    <p:cNvSpPr/>
-                    <p:nvPr/>
-                  </p:nvSpPr>
-                  <p:spPr>
-                    <a:xfrm>
-                      <a:off x="5504329" y="729549"/>
-                      <a:ext cx="591671" cy="519953"/>
-                    </a:xfrm>
-                    <a:prstGeom prst="ellipse">
-                      <a:avLst/>
-                    </a:prstGeom>
-                    <a:solidFill>
-                      <a:schemeClr val="accent1">
-                        <a:lumMod val="75000"/>
-                      </a:schemeClr>
-                    </a:solidFill>
-                    <a:ln>
-                      <a:solidFill>
-                        <a:schemeClr val="accent1">
-                          <a:lumMod val="75000"/>
-                        </a:schemeClr>
-                      </a:solidFill>
-                    </a:ln>
-                  </p:spPr>
-                  <p:style>
-                    <a:lnRef idx="2">
-                      <a:schemeClr val="accent1">
-                        <a:shade val="15000"/>
-                      </a:schemeClr>
-                    </a:lnRef>
-                    <a:fillRef idx="1">
-                      <a:schemeClr val="accent1"/>
-                    </a:fillRef>
-                    <a:effectRef idx="0">
-                      <a:schemeClr val="accent1"/>
-                    </a:effectRef>
-                    <a:fontRef idx="minor">
-                      <a:schemeClr val="lt1"/>
-                    </a:fontRef>
-                  </p:style>
-                  <p:txBody>
-                    <a:bodyPr rtlCol="0" anchor="ctr"/>
-                    <a:lstStyle/>
-                    <a:p>
-                      <a:pPr algn="ctr"/>
-                      <a:endParaRPr lang="pt-PT" dirty="0"/>
-                    </a:p>
-                  </p:txBody>
-                </p:sp>
-                <p:sp>
-                  <p:nvSpPr>
-                    <p:cNvPr id="20" name="Oval 19">
-                      <a:extLst>
-                        <a:ext uri="{FF2B5EF4-FFF2-40B4-BE49-F238E27FC236}">
-                          <a16:creationId xmlns:a16="http://schemas.microsoft.com/office/drawing/2014/main" id="{C71FA85C-7768-D5EA-4A4A-DB4003349680}"/>
-                        </a:ext>
-                      </a:extLst>
-                    </p:cNvPr>
-                    <p:cNvSpPr/>
-                    <p:nvPr/>
-                  </p:nvSpPr>
-                  <p:spPr>
-                    <a:xfrm>
-                      <a:off x="5504329" y="1642314"/>
-                      <a:ext cx="591671" cy="519953"/>
-                    </a:xfrm>
-                    <a:prstGeom prst="ellipse">
-                      <a:avLst/>
-                    </a:prstGeom>
-                    <a:solidFill>
-                      <a:schemeClr val="accent1">
-                        <a:lumMod val="75000"/>
-                      </a:schemeClr>
-                    </a:solidFill>
-                    <a:ln>
-                      <a:solidFill>
-                        <a:schemeClr val="accent1">
-                          <a:lumMod val="75000"/>
-                        </a:schemeClr>
-                      </a:solidFill>
-                    </a:ln>
-                  </p:spPr>
-                  <p:style>
-                    <a:lnRef idx="2">
-                      <a:schemeClr val="accent1">
-                        <a:shade val="15000"/>
-                      </a:schemeClr>
-                    </a:lnRef>
-                    <a:fillRef idx="1">
-                      <a:schemeClr val="accent1"/>
-                    </a:fillRef>
-                    <a:effectRef idx="0">
-                      <a:schemeClr val="accent1"/>
-                    </a:effectRef>
-                    <a:fontRef idx="minor">
-                      <a:schemeClr val="lt1"/>
-                    </a:fontRef>
-                  </p:style>
-                  <p:txBody>
-                    <a:bodyPr rtlCol="0" anchor="ctr"/>
-                    <a:lstStyle/>
-                    <a:p>
-                      <a:pPr algn="ctr"/>
-                      <a:endParaRPr lang="pt-PT"/>
-                    </a:p>
-                  </p:txBody>
-                </p:sp>
-                <p:sp>
-                  <p:nvSpPr>
-                    <p:cNvPr id="21" name="Oval 20">
-                      <a:extLst>
-                        <a:ext uri="{FF2B5EF4-FFF2-40B4-BE49-F238E27FC236}">
-                          <a16:creationId xmlns:a16="http://schemas.microsoft.com/office/drawing/2014/main" id="{5438BABA-C8F9-4228-4DF1-0031B6A289E6}"/>
-                        </a:ext>
-                      </a:extLst>
-                    </p:cNvPr>
-                    <p:cNvSpPr/>
-                    <p:nvPr/>
-                  </p:nvSpPr>
-                  <p:spPr>
-                    <a:xfrm>
-                      <a:off x="5504322" y="2555079"/>
-                      <a:ext cx="591671" cy="519953"/>
-                    </a:xfrm>
-                    <a:prstGeom prst="ellipse">
-                      <a:avLst/>
-                    </a:prstGeom>
-                    <a:solidFill>
-                      <a:schemeClr val="accent1">
-                        <a:lumMod val="75000"/>
-                      </a:schemeClr>
-                    </a:solidFill>
-                    <a:ln>
-                      <a:solidFill>
-                        <a:schemeClr val="accent1">
-                          <a:lumMod val="75000"/>
-                        </a:schemeClr>
-                      </a:solidFill>
-                    </a:ln>
-                  </p:spPr>
-                  <p:style>
-                    <a:lnRef idx="2">
-                      <a:schemeClr val="accent1">
-                        <a:shade val="15000"/>
-                      </a:schemeClr>
-                    </a:lnRef>
-                    <a:fillRef idx="1">
-                      <a:schemeClr val="accent1"/>
-                    </a:fillRef>
-                    <a:effectRef idx="0">
-                      <a:schemeClr val="accent1"/>
-                    </a:effectRef>
-                    <a:fontRef idx="minor">
-                      <a:schemeClr val="lt1"/>
-                    </a:fontRef>
-                  </p:style>
-                  <p:txBody>
-                    <a:bodyPr rtlCol="0" anchor="ctr"/>
-                    <a:lstStyle/>
-                    <a:p>
-                      <a:pPr algn="ctr"/>
-                      <a:endParaRPr lang="pt-PT"/>
-                    </a:p>
-                  </p:txBody>
-                </p:sp>
-                <p:sp>
-                  <p:nvSpPr>
-                    <p:cNvPr id="22" name="Oval 21">
-                      <a:extLst>
-                        <a:ext uri="{FF2B5EF4-FFF2-40B4-BE49-F238E27FC236}">
-                          <a16:creationId xmlns:a16="http://schemas.microsoft.com/office/drawing/2014/main" id="{81F5A5B5-B8EF-A783-E071-5EDAE30CCC1E}"/>
-                        </a:ext>
-                      </a:extLst>
-                    </p:cNvPr>
-                    <p:cNvSpPr/>
-                    <p:nvPr/>
-                  </p:nvSpPr>
-                  <p:spPr>
-                    <a:xfrm>
-                      <a:off x="7086591" y="1249502"/>
-                      <a:ext cx="591671" cy="519953"/>
-                    </a:xfrm>
-                    <a:prstGeom prst="ellipse">
-                      <a:avLst/>
-                    </a:prstGeom>
-                    <a:solidFill>
-                      <a:schemeClr val="accent6">
-                        <a:lumMod val="40000"/>
-                        <a:lumOff val="60000"/>
-                      </a:schemeClr>
-                    </a:solidFill>
-                    <a:ln>
-                      <a:solidFill>
-                        <a:schemeClr val="accent6">
-                          <a:lumMod val="40000"/>
-                          <a:lumOff val="60000"/>
-                        </a:schemeClr>
-                      </a:solidFill>
-                    </a:ln>
-                  </p:spPr>
-                  <p:style>
-                    <a:lnRef idx="2">
-                      <a:schemeClr val="accent1">
-                        <a:shade val="15000"/>
-                      </a:schemeClr>
-                    </a:lnRef>
-                    <a:fillRef idx="1">
-                      <a:schemeClr val="accent1"/>
-                    </a:fillRef>
-                    <a:effectRef idx="0">
-                      <a:schemeClr val="accent1"/>
-                    </a:effectRef>
-                    <a:fontRef idx="minor">
-                      <a:schemeClr val="lt1"/>
-                    </a:fontRef>
-                  </p:style>
-                  <p:txBody>
-                    <a:bodyPr rtlCol="0" anchor="ctr"/>
-                    <a:lstStyle/>
-                    <a:p>
-                      <a:pPr algn="ctr"/>
-                      <a:endParaRPr lang="pt-PT"/>
-                    </a:p>
-                  </p:txBody>
-                </p:sp>
-                <p:sp>
-                  <p:nvSpPr>
-                    <p:cNvPr id="23" name="Oval 22">
-                      <a:extLst>
-                        <a:ext uri="{FF2B5EF4-FFF2-40B4-BE49-F238E27FC236}">
-                          <a16:creationId xmlns:a16="http://schemas.microsoft.com/office/drawing/2014/main" id="{BF986EC0-5CC6-F23D-B435-CD9694EB0F64}"/>
-                        </a:ext>
-                      </a:extLst>
-                    </p:cNvPr>
-                    <p:cNvSpPr/>
-                    <p:nvPr/>
-                  </p:nvSpPr>
-                  <p:spPr>
-                    <a:xfrm>
-                      <a:off x="7086591" y="2379732"/>
-                      <a:ext cx="596162" cy="519953"/>
-                    </a:xfrm>
-                    <a:prstGeom prst="ellipse">
-                      <a:avLst/>
-                    </a:prstGeom>
-                    <a:solidFill>
-                      <a:schemeClr val="accent6">
-                        <a:lumMod val="40000"/>
-                        <a:lumOff val="60000"/>
-                      </a:schemeClr>
-                    </a:solidFill>
-                    <a:ln>
-                      <a:solidFill>
-                        <a:schemeClr val="accent6">
-                          <a:lumMod val="40000"/>
-                          <a:lumOff val="60000"/>
-                        </a:schemeClr>
-                      </a:solidFill>
-                    </a:ln>
-                  </p:spPr>
-                  <p:style>
-                    <a:lnRef idx="2">
-                      <a:schemeClr val="accent1">
-                        <a:shade val="15000"/>
-                      </a:schemeClr>
-                    </a:lnRef>
-                    <a:fillRef idx="1">
-                      <a:schemeClr val="accent1"/>
-                    </a:fillRef>
-                    <a:effectRef idx="0">
-                      <a:schemeClr val="accent1"/>
-                    </a:effectRef>
-                    <a:fontRef idx="minor">
-                      <a:schemeClr val="lt1"/>
-                    </a:fontRef>
-                  </p:style>
-                  <p:txBody>
-                    <a:bodyPr rtlCol="0" anchor="ctr"/>
-                    <a:lstStyle/>
-                    <a:p>
-                      <a:pPr algn="ctr"/>
-                      <a:endParaRPr lang="pt-PT"/>
-                    </a:p>
-                  </p:txBody>
-                </p:sp>
-              </p:grpSp>
-              <p:sp>
-                <p:nvSpPr>
-                  <p:cNvPr id="108" name="Oval 107">
-                    <a:extLst>
-                      <a:ext uri="{FF2B5EF4-FFF2-40B4-BE49-F238E27FC236}">
-                        <a16:creationId xmlns:a16="http://schemas.microsoft.com/office/drawing/2014/main" id="{4E710018-96A1-5155-8CB2-CCF04F8C47E7}"/>
-                      </a:ext>
-                    </a:extLst>
-                  </p:cNvPr>
-                  <p:cNvSpPr/>
-                  <p:nvPr/>
-                </p:nvSpPr>
-                <p:spPr>
-                  <a:xfrm>
-                    <a:off x="3691194" y="485259"/>
-                    <a:ext cx="591671" cy="519953"/>
-                  </a:xfrm>
-                  <a:prstGeom prst="ellipse">
-                    <a:avLst/>
-                  </a:prstGeom>
-                  <a:ln>
-                    <a:solidFill>
-                      <a:schemeClr val="accent2"/>
-                    </a:solidFill>
-                  </a:ln>
-                </p:spPr>
-                <p:style>
-                  <a:lnRef idx="2">
-                    <a:schemeClr val="accent2">
-                      <a:shade val="15000"/>
-                    </a:schemeClr>
-                  </a:lnRef>
-                  <a:fillRef idx="1">
-                    <a:schemeClr val="accent2"/>
-                  </a:fillRef>
-                  <a:effectRef idx="0">
-                    <a:schemeClr val="accent2"/>
-                  </a:effectRef>
-                  <a:fontRef idx="minor">
-                    <a:schemeClr val="lt1"/>
-                  </a:fontRef>
-                </p:style>
-                <p:txBody>
-                  <a:bodyPr rtlCol="0" anchor="ctr"/>
-                  <a:lstStyle/>
-                  <a:p>
-                    <a:pPr algn="ctr"/>
-                    <a:endParaRPr lang="pt-PT" dirty="0"/>
-                  </a:p>
-                </p:txBody>
-              </p:sp>
-              <p:sp>
-                <p:nvSpPr>
-                  <p:cNvPr id="109" name="Oval 108">
-                    <a:extLst>
-                      <a:ext uri="{FF2B5EF4-FFF2-40B4-BE49-F238E27FC236}">
-                        <a16:creationId xmlns:a16="http://schemas.microsoft.com/office/drawing/2014/main" id="{C8121677-0FF3-5256-BAB2-6C9F2C001F45}"/>
-                      </a:ext>
-                    </a:extLst>
-                  </p:cNvPr>
-                  <p:cNvSpPr/>
-                  <p:nvPr/>
-                </p:nvSpPr>
-                <p:spPr>
-                  <a:xfrm>
-                    <a:off x="67689" y="477786"/>
-                    <a:ext cx="591671" cy="519953"/>
-                  </a:xfrm>
-                  <a:prstGeom prst="ellipse">
-                    <a:avLst/>
-                  </a:prstGeom>
-                  <a:ln>
-                    <a:solidFill>
-                      <a:schemeClr val="accent2"/>
-                    </a:solidFill>
-                  </a:ln>
-                </p:spPr>
-                <p:style>
-                  <a:lnRef idx="2">
-                    <a:schemeClr val="accent2">
-                      <a:shade val="15000"/>
-                    </a:schemeClr>
-                  </a:lnRef>
-                  <a:fillRef idx="1">
-                    <a:schemeClr val="accent2"/>
-                  </a:fillRef>
-                  <a:effectRef idx="0">
-                    <a:schemeClr val="accent2"/>
-                  </a:effectRef>
-                  <a:fontRef idx="minor">
-                    <a:schemeClr val="lt1"/>
-                  </a:fontRef>
-                </p:style>
-                <p:txBody>
-                  <a:bodyPr rtlCol="0" anchor="ctr"/>
-                  <a:lstStyle/>
-                  <a:p>
-                    <a:pPr algn="ctr"/>
-                    <a:endParaRPr lang="pt-PT" dirty="0"/>
-                  </a:p>
-                </p:txBody>
-              </p:sp>
-              <p:sp>
-                <p:nvSpPr>
-                  <p:cNvPr id="110" name="Oval 109">
-                    <a:extLst>
-                      <a:ext uri="{FF2B5EF4-FFF2-40B4-BE49-F238E27FC236}">
-                        <a16:creationId xmlns:a16="http://schemas.microsoft.com/office/drawing/2014/main" id="{F1676643-5759-B045-809C-6CE04C2C9745}"/>
-                      </a:ext>
-                    </a:extLst>
-                  </p:cNvPr>
-                  <p:cNvSpPr/>
-                  <p:nvPr/>
-                </p:nvSpPr>
-                <p:spPr>
-                  <a:xfrm>
-                    <a:off x="1584491" y="477787"/>
-                    <a:ext cx="591671" cy="519953"/>
-                  </a:xfrm>
-                  <a:prstGeom prst="ellipse">
-                    <a:avLst/>
-                  </a:prstGeom>
-                  <a:ln>
-                    <a:solidFill>
-                      <a:schemeClr val="accent2"/>
-                    </a:solidFill>
-                  </a:ln>
-                </p:spPr>
-                <p:style>
-                  <a:lnRef idx="2">
-                    <a:schemeClr val="accent2">
-                      <a:shade val="15000"/>
-                    </a:schemeClr>
-                  </a:lnRef>
-                  <a:fillRef idx="1">
-                    <a:schemeClr val="accent2"/>
-                  </a:fillRef>
-                  <a:effectRef idx="0">
-                    <a:schemeClr val="accent2"/>
-                  </a:effectRef>
-                  <a:fontRef idx="minor">
-                    <a:schemeClr val="lt1"/>
-                  </a:fontRef>
-                </p:style>
-                <p:txBody>
-                  <a:bodyPr rtlCol="0" anchor="ctr"/>
-                  <a:lstStyle/>
-                  <a:p>
-                    <a:pPr algn="ctr"/>
-                    <a:endParaRPr lang="pt-PT" dirty="0"/>
-                  </a:p>
-                </p:txBody>
-              </p:sp>
-            </p:grpSp>
-          </p:grpSp>
-        </p:grpSp>
-        <p:sp>
-          <p:nvSpPr>
-            <p:cNvPr id="178" name="Oval 177">
-              <a:extLst>
-                <a:ext uri="{FF2B5EF4-FFF2-40B4-BE49-F238E27FC236}">
-                  <a16:creationId xmlns:a16="http://schemas.microsoft.com/office/drawing/2014/main" id="{666A4086-DAEE-9C8B-962E-5476C85C2848}"/>
-                </a:ext>
-              </a:extLst>
-            </p:cNvPr>
-            <p:cNvSpPr/>
-            <p:nvPr/>
-          </p:nvSpPr>
-          <p:spPr>
-            <a:xfrm>
-              <a:off x="2463035" y="2242669"/>
-              <a:ext cx="591671" cy="519953"/>
-            </a:xfrm>
-            <a:prstGeom prst="ellipse">
-              <a:avLst/>
-            </a:prstGeom>
-            <a:ln>
-              <a:solidFill>
-                <a:schemeClr val="accent2"/>
-              </a:solidFill>
-            </a:ln>
-          </p:spPr>
-          <p:style>
-            <a:lnRef idx="2">
-              <a:schemeClr val="accent2">
-                <a:shade val="15000"/>
-              </a:schemeClr>
-            </a:lnRef>
-            <a:fillRef idx="1">
-              <a:schemeClr val="accent2"/>
-            </a:fillRef>
-            <a:effectRef idx="0">
-              <a:schemeClr val="accent2"/>
-            </a:effectRef>
-            <a:fontRef idx="minor">
-              <a:schemeClr val="lt1"/>
-            </a:fontRef>
-          </p:style>
-          <p:txBody>
-            <a:bodyPr rtlCol="0" anchor="ctr"/>
-            <a:lstStyle/>
-            <a:p>
-              <a:pPr algn="ctr"/>
-              <a:endParaRPr lang="pt-PT" dirty="0"/>
-            </a:p>
-          </p:txBody>
-        </p:sp>
-        <p:sp>
-          <p:nvSpPr>
-            <p:cNvPr id="179" name="Oval 178">
-              <a:extLst>
-                <a:ext uri="{FF2B5EF4-FFF2-40B4-BE49-F238E27FC236}">
-                  <a16:creationId xmlns:a16="http://schemas.microsoft.com/office/drawing/2014/main" id="{1E300A6F-C24A-0D9F-E454-1206B3873D8C}"/>
-                </a:ext>
-              </a:extLst>
-            </p:cNvPr>
-            <p:cNvSpPr/>
-            <p:nvPr/>
-          </p:nvSpPr>
-          <p:spPr>
-            <a:xfrm>
-              <a:off x="2463034" y="3147962"/>
-              <a:ext cx="591671" cy="519953"/>
-            </a:xfrm>
-            <a:prstGeom prst="ellipse">
-              <a:avLst/>
-            </a:prstGeom>
-            <a:ln>
-              <a:solidFill>
-                <a:schemeClr val="accent2"/>
-              </a:solidFill>
-            </a:ln>
-          </p:spPr>
-          <p:style>
-            <a:lnRef idx="2">
-              <a:schemeClr val="accent2">
-                <a:shade val="15000"/>
-              </a:schemeClr>
-            </a:lnRef>
-            <a:fillRef idx="1">
-              <a:schemeClr val="accent2"/>
-            </a:fillRef>
-            <a:effectRef idx="0">
-              <a:schemeClr val="accent2"/>
-            </a:effectRef>
-            <a:fontRef idx="minor">
-              <a:schemeClr val="lt1"/>
-            </a:fontRef>
-          </p:style>
-          <p:txBody>
-            <a:bodyPr rtlCol="0" anchor="ctr"/>
-            <a:lstStyle/>
-            <a:p>
-              <a:pPr algn="ctr"/>
-              <a:endParaRPr lang="pt-PT" dirty="0"/>
-            </a:p>
-          </p:txBody>
-        </p:sp>
-        <p:sp>
-          <p:nvSpPr>
-            <p:cNvPr id="180" name="Oval 179">
-              <a:extLst>
-                <a:ext uri="{FF2B5EF4-FFF2-40B4-BE49-F238E27FC236}">
-                  <a16:creationId xmlns:a16="http://schemas.microsoft.com/office/drawing/2014/main" id="{1FA8E3D2-F29A-CFF6-44DD-780828AED4DC}"/>
-                </a:ext>
-              </a:extLst>
-            </p:cNvPr>
-            <p:cNvSpPr/>
-            <p:nvPr/>
-          </p:nvSpPr>
-          <p:spPr>
-            <a:xfrm>
-              <a:off x="2461266" y="4068198"/>
-              <a:ext cx="591671" cy="519953"/>
-            </a:xfrm>
-            <a:prstGeom prst="ellipse">
-              <a:avLst/>
-            </a:prstGeom>
-            <a:ln>
-              <a:solidFill>
-                <a:schemeClr val="accent2"/>
-              </a:solidFill>
-            </a:ln>
-          </p:spPr>
-          <p:style>
-            <a:lnRef idx="2">
-              <a:schemeClr val="accent2">
-                <a:shade val="15000"/>
-              </a:schemeClr>
-            </a:lnRef>
-            <a:fillRef idx="1">
-              <a:schemeClr val="accent2"/>
-            </a:fillRef>
-            <a:effectRef idx="0">
-              <a:schemeClr val="accent2"/>
-            </a:effectRef>
-            <a:fontRef idx="minor">
-              <a:schemeClr val="lt1"/>
-            </a:fontRef>
-          </p:style>
-          <p:txBody>
-            <a:bodyPr rtlCol="0" anchor="ctr"/>
-            <a:lstStyle/>
-            <a:p>
-              <a:pPr algn="ctr"/>
-              <a:endParaRPr lang="pt-PT" dirty="0"/>
-            </a:p>
-          </p:txBody>
-        </p:sp>
-        <p:cxnSp>
-          <p:nvCxnSpPr>
-            <p:cNvPr id="191" name="Conexão reta 190">
-              <a:extLst>
-                <a:ext uri="{FF2B5EF4-FFF2-40B4-BE49-F238E27FC236}">
-                  <a16:creationId xmlns:a16="http://schemas.microsoft.com/office/drawing/2014/main" id="{9C87E2CF-A171-C142-D58E-55B181F33EAD}"/>
-                </a:ext>
-              </a:extLst>
-            </p:cNvPr>
-            <p:cNvCxnSpPr>
-              <a:cxnSpLocks/>
-              <a:stCxn id="180" idx="0"/>
-              <a:endCxn id="16" idx="4"/>
-            </p:cNvCxnSpPr>
-            <p:nvPr/>
-          </p:nvCxnSpPr>
-          <p:spPr>
-            <a:xfrm flipV="1">
-              <a:off x="2757102" y="2762623"/>
-              <a:ext cx="1516802" cy="1305575"/>
-            </a:xfrm>
-            <a:prstGeom prst="line">
-              <a:avLst/>
-            </a:prstGeom>
-          </p:spPr>
-          <p:style>
-            <a:lnRef idx="1">
-              <a:schemeClr val="dk1"/>
-            </a:lnRef>
-            <a:fillRef idx="0">
-              <a:schemeClr val="dk1"/>
-            </a:fillRef>
-            <a:effectRef idx="0">
-              <a:schemeClr val="dk1"/>
-            </a:effectRef>
-            <a:fontRef idx="minor">
-              <a:schemeClr val="tx1"/>
-            </a:fontRef>
-          </p:style>
-        </p:cxnSp>
-        <p:cxnSp>
-          <p:nvCxnSpPr>
-            <p:cNvPr id="214" name="Conexão reta 213">
-              <a:extLst>
-                <a:ext uri="{FF2B5EF4-FFF2-40B4-BE49-F238E27FC236}">
-                  <a16:creationId xmlns:a16="http://schemas.microsoft.com/office/drawing/2014/main" id="{DC82F9A9-E72A-0254-E758-E22B2AF787F8}"/>
-                </a:ext>
-              </a:extLst>
-            </p:cNvPr>
-            <p:cNvCxnSpPr>
-              <a:stCxn id="180" idx="7"/>
-              <a:endCxn id="17" idx="3"/>
-            </p:cNvCxnSpPr>
-            <p:nvPr/>
-          </p:nvCxnSpPr>
-          <p:spPr>
-            <a:xfrm flipV="1">
-              <a:off x="2966289" y="3599243"/>
-              <a:ext cx="1098427" cy="545100"/>
-            </a:xfrm>
-            <a:prstGeom prst="line">
-              <a:avLst/>
-            </a:prstGeom>
-          </p:spPr>
-          <p:style>
-            <a:lnRef idx="1">
-              <a:schemeClr val="dk1"/>
-            </a:lnRef>
-            <a:fillRef idx="0">
-              <a:schemeClr val="dk1"/>
-            </a:fillRef>
-            <a:effectRef idx="0">
-              <a:schemeClr val="dk1"/>
-            </a:effectRef>
-            <a:fontRef idx="minor">
-              <a:schemeClr val="tx1"/>
-            </a:fontRef>
-          </p:style>
-        </p:cxnSp>
-        <p:cxnSp>
-          <p:nvCxnSpPr>
-            <p:cNvPr id="220" name="Conexão reta 219">
-              <a:extLst>
-                <a:ext uri="{FF2B5EF4-FFF2-40B4-BE49-F238E27FC236}">
-                  <a16:creationId xmlns:a16="http://schemas.microsoft.com/office/drawing/2014/main" id="{14D0809A-7A08-7EB6-B753-24ED76D0BD1F}"/>
-                </a:ext>
-              </a:extLst>
-            </p:cNvPr>
-            <p:cNvCxnSpPr>
-              <a:cxnSpLocks/>
-              <a:stCxn id="180" idx="6"/>
-            </p:cNvCxnSpPr>
-            <p:nvPr/>
-          </p:nvCxnSpPr>
-          <p:spPr>
-            <a:xfrm>
-              <a:off x="3052937" y="4328175"/>
-              <a:ext cx="1011781" cy="183833"/>
-            </a:xfrm>
-            <a:prstGeom prst="line">
-              <a:avLst/>
-            </a:prstGeom>
-          </p:spPr>
-          <p:style>
-            <a:lnRef idx="1">
-              <a:schemeClr val="dk1"/>
-            </a:lnRef>
-            <a:fillRef idx="0">
-              <a:schemeClr val="dk1"/>
-            </a:fillRef>
-            <a:effectRef idx="0">
-              <a:schemeClr val="dk1"/>
-            </a:effectRef>
-            <a:fontRef idx="minor">
-              <a:schemeClr val="tx1"/>
-            </a:fontRef>
-          </p:style>
-        </p:cxnSp>
-        <p:cxnSp>
-          <p:nvCxnSpPr>
-            <p:cNvPr id="221" name="Conexão reta 220">
-              <a:extLst>
-                <a:ext uri="{FF2B5EF4-FFF2-40B4-BE49-F238E27FC236}">
-                  <a16:creationId xmlns:a16="http://schemas.microsoft.com/office/drawing/2014/main" id="{03B4AA4B-5C0B-99CD-7241-200F329B2395}"/>
-                </a:ext>
-              </a:extLst>
-            </p:cNvPr>
-            <p:cNvCxnSpPr>
-              <a:cxnSpLocks/>
-            </p:cNvCxnSpPr>
-            <p:nvPr/>
-          </p:nvCxnSpPr>
-          <p:spPr>
-            <a:xfrm>
-              <a:off x="2964955" y="1540048"/>
-              <a:ext cx="1307616" cy="702622"/>
-            </a:xfrm>
-            <a:prstGeom prst="line">
-              <a:avLst/>
-            </a:prstGeom>
-          </p:spPr>
-          <p:style>
-            <a:lnRef idx="1">
-              <a:schemeClr val="dk1"/>
-            </a:lnRef>
-            <a:fillRef idx="0">
-              <a:schemeClr val="dk1"/>
-            </a:fillRef>
-            <a:effectRef idx="0">
-              <a:schemeClr val="dk1"/>
-            </a:effectRef>
-            <a:fontRef idx="minor">
-              <a:schemeClr val="tx1"/>
-            </a:fontRef>
-          </p:style>
-        </p:cxnSp>
-        <p:cxnSp>
-          <p:nvCxnSpPr>
-            <p:cNvPr id="223" name="Conexão reta 222">
-              <a:extLst>
-                <a:ext uri="{FF2B5EF4-FFF2-40B4-BE49-F238E27FC236}">
-                  <a16:creationId xmlns:a16="http://schemas.microsoft.com/office/drawing/2014/main" id="{A1C76D6E-3C75-6544-0AF6-3044D1E2013E}"/>
-                </a:ext>
-              </a:extLst>
-            </p:cNvPr>
-            <p:cNvCxnSpPr>
-              <a:cxnSpLocks/>
-            </p:cNvCxnSpPr>
-            <p:nvPr/>
-          </p:nvCxnSpPr>
-          <p:spPr>
-            <a:xfrm flipV="1">
-              <a:off x="2757537" y="2686478"/>
-              <a:ext cx="1305846" cy="461484"/>
-            </a:xfrm>
-            <a:prstGeom prst="line">
-              <a:avLst/>
-            </a:prstGeom>
-          </p:spPr>
-          <p:style>
-            <a:lnRef idx="1">
-              <a:schemeClr val="dk1"/>
-            </a:lnRef>
-            <a:fillRef idx="0">
-              <a:schemeClr val="dk1"/>
-            </a:fillRef>
-            <a:effectRef idx="0">
-              <a:schemeClr val="dk1"/>
-            </a:effectRef>
-            <a:fontRef idx="minor">
-              <a:schemeClr val="tx1"/>
-            </a:fontRef>
-          </p:style>
-        </p:cxnSp>
-        <p:cxnSp>
-          <p:nvCxnSpPr>
-            <p:cNvPr id="224" name="Conexão reta 223">
-              <a:extLst>
-                <a:ext uri="{FF2B5EF4-FFF2-40B4-BE49-F238E27FC236}">
-                  <a16:creationId xmlns:a16="http://schemas.microsoft.com/office/drawing/2014/main" id="{E5A0F5EE-CF3F-CBE0-A2C0-560AD8BD7637}"/>
-                </a:ext>
-              </a:extLst>
-            </p:cNvPr>
-            <p:cNvCxnSpPr>
-              <a:cxnSpLocks/>
-            </p:cNvCxnSpPr>
-            <p:nvPr/>
-          </p:nvCxnSpPr>
-          <p:spPr>
-            <a:xfrm>
-              <a:off x="3051603" y="1723880"/>
-              <a:ext cx="1220968" cy="1431555"/>
-            </a:xfrm>
-            <a:prstGeom prst="line">
-              <a:avLst/>
-            </a:prstGeom>
-          </p:spPr>
-          <p:style>
-            <a:lnRef idx="1">
-              <a:schemeClr val="dk1"/>
-            </a:lnRef>
-            <a:fillRef idx="0">
-              <a:schemeClr val="dk1"/>
-            </a:fillRef>
-            <a:effectRef idx="0">
-              <a:schemeClr val="dk1"/>
-            </a:effectRef>
-            <a:fontRef idx="minor">
-              <a:schemeClr val="tx1"/>
-            </a:fontRef>
-          </p:style>
-        </p:cxnSp>
-        <p:cxnSp>
-          <p:nvCxnSpPr>
-            <p:cNvPr id="226" name="Conexão reta 225">
-              <a:extLst>
-                <a:ext uri="{FF2B5EF4-FFF2-40B4-BE49-F238E27FC236}">
-                  <a16:creationId xmlns:a16="http://schemas.microsoft.com/office/drawing/2014/main" id="{6642472A-3517-312E-819B-D3729FDB683B}"/>
-                </a:ext>
-              </a:extLst>
-            </p:cNvPr>
-            <p:cNvCxnSpPr>
-              <a:cxnSpLocks/>
-            </p:cNvCxnSpPr>
-            <p:nvPr/>
-          </p:nvCxnSpPr>
-          <p:spPr>
-            <a:xfrm>
-              <a:off x="2964955" y="1907711"/>
-              <a:ext cx="1307618" cy="2160489"/>
-            </a:xfrm>
-            <a:prstGeom prst="line">
-              <a:avLst/>
-            </a:prstGeom>
-          </p:spPr>
-          <p:style>
-            <a:lnRef idx="1">
-              <a:schemeClr val="dk1"/>
-            </a:lnRef>
-            <a:fillRef idx="0">
-              <a:schemeClr val="dk1"/>
-            </a:fillRef>
-            <a:effectRef idx="0">
-              <a:schemeClr val="dk1"/>
-            </a:effectRef>
-            <a:fontRef idx="minor">
-              <a:schemeClr val="tx1"/>
-            </a:fontRef>
-          </p:style>
-        </p:cxnSp>
-        <p:cxnSp>
-          <p:nvCxnSpPr>
-            <p:cNvPr id="227" name="Conexão reta 226">
-              <a:extLst>
-                <a:ext uri="{FF2B5EF4-FFF2-40B4-BE49-F238E27FC236}">
-                  <a16:creationId xmlns:a16="http://schemas.microsoft.com/office/drawing/2014/main" id="{788AB660-344C-6C53-BA52-BE9BF06A3363}"/>
-                </a:ext>
-              </a:extLst>
-            </p:cNvPr>
-            <p:cNvCxnSpPr/>
-            <p:nvPr/>
-          </p:nvCxnSpPr>
-          <p:spPr>
-            <a:xfrm>
-              <a:off x="2966725" y="2686477"/>
-              <a:ext cx="1096658" cy="545103"/>
-            </a:xfrm>
-            <a:prstGeom prst="line">
-              <a:avLst/>
-            </a:prstGeom>
-          </p:spPr>
-          <p:style>
-            <a:lnRef idx="1">
-              <a:schemeClr val="dk1"/>
-            </a:lnRef>
-            <a:fillRef idx="0">
-              <a:schemeClr val="dk1"/>
-            </a:fillRef>
-            <a:effectRef idx="0">
-              <a:schemeClr val="dk1"/>
-            </a:effectRef>
-            <a:fontRef idx="minor">
-              <a:schemeClr val="tx1"/>
-            </a:fontRef>
-          </p:style>
-        </p:cxnSp>
-        <p:cxnSp>
-          <p:nvCxnSpPr>
-            <p:cNvPr id="228" name="Conexão reta 227">
-              <a:extLst>
-                <a:ext uri="{FF2B5EF4-FFF2-40B4-BE49-F238E27FC236}">
-                  <a16:creationId xmlns:a16="http://schemas.microsoft.com/office/drawing/2014/main" id="{E5C87764-A436-9B71-F617-A366904A3077}"/>
-                </a:ext>
-              </a:extLst>
-            </p:cNvPr>
-            <p:cNvCxnSpPr/>
-            <p:nvPr/>
-          </p:nvCxnSpPr>
-          <p:spPr>
-            <a:xfrm>
-              <a:off x="2757538" y="2762622"/>
-              <a:ext cx="1305847" cy="1381723"/>
-            </a:xfrm>
-            <a:prstGeom prst="line">
-              <a:avLst/>
-            </a:prstGeom>
-          </p:spPr>
-          <p:style>
-            <a:lnRef idx="1">
-              <a:schemeClr val="dk1"/>
-            </a:lnRef>
-            <a:fillRef idx="0">
-              <a:schemeClr val="dk1"/>
-            </a:fillRef>
-            <a:effectRef idx="0">
-              <a:schemeClr val="dk1"/>
-            </a:effectRef>
-            <a:fontRef idx="minor">
-              <a:schemeClr val="tx1"/>
-            </a:fontRef>
-          </p:style>
-        </p:cxnSp>
-      </p:grpSp>
-      <p:cxnSp>
-        <p:nvCxnSpPr>
-          <p:cNvPr id="349" name="Conexão reta 348">
-            <a:extLst>
-              <a:ext uri="{FF2B5EF4-FFF2-40B4-BE49-F238E27FC236}">
-                <a16:creationId xmlns:a16="http://schemas.microsoft.com/office/drawing/2014/main" id="{FE8BE742-90EB-DE54-46E2-538CD79CF8D9}"/>
-              </a:ext>
-            </a:extLst>
-          </p:cNvPr>
-          <p:cNvCxnSpPr>
-            <a:cxnSpLocks/>
-            <a:stCxn id="110" idx="7"/>
-            <a:endCxn id="19" idx="1"/>
-          </p:cNvCxnSpPr>
-          <p:nvPr/>
-        </p:nvCxnSpPr>
-        <p:spPr>
-          <a:xfrm>
-            <a:off x="4433913" y="2290379"/>
-            <a:ext cx="1688335" cy="778765"/>
-          </a:xfrm>
-          <a:prstGeom prst="line">
-            <a:avLst/>
-          </a:prstGeom>
-        </p:spPr>
-        <p:style>
-          <a:lnRef idx="1">
-            <a:schemeClr val="dk1"/>
-          </a:lnRef>
-          <a:fillRef idx="0">
-            <a:schemeClr val="dk1"/>
-          </a:fillRef>
-          <a:effectRef idx="0">
-            <a:schemeClr val="dk1"/>
+            <a:schemeClr val="accent1"/>
           </a:effectRef>
           <a:fontRef idx="minor">
             <a:schemeClr val="tx1"/>
@@ -6378,37 +4787,43 @@
       </p:cxnSp>
       <p:cxnSp>
         <p:nvCxnSpPr>
-          <p:cNvPr id="354" name="Conexão reta 353">
-            <a:extLst>
-              <a:ext uri="{FF2B5EF4-FFF2-40B4-BE49-F238E27FC236}">
-                <a16:creationId xmlns:a16="http://schemas.microsoft.com/office/drawing/2014/main" id="{445D2475-8623-8442-C379-095664A428C1}"/>
+          <p:cNvPr id="156" name="Straight Connector 155">
+            <a:extLst>
+              <a:ext uri="{FF2B5EF4-FFF2-40B4-BE49-F238E27FC236}">
+                <a16:creationId xmlns:a16="http://schemas.microsoft.com/office/drawing/2014/main" id="{FD1031A8-23F3-634E-8156-363826C8D8B2}"/>
               </a:ext>
             </a:extLst>
           </p:cNvPr>
           <p:cNvCxnSpPr>
-            <a:stCxn id="110" idx="6"/>
-            <a:endCxn id="20" idx="0"/>
+            <a:cxnSpLocks/>
+            <a:stCxn id="16" idx="6"/>
+            <a:endCxn id="20" idx="2"/>
           </p:cNvCxnSpPr>
           <p:nvPr/>
         </p:nvCxnSpPr>
         <p:spPr>
           <a:xfrm>
-            <a:off x="4520561" y="2474211"/>
-            <a:ext cx="1810875" cy="1431553"/>
+            <a:off x="4064087" y="1979739"/>
+            <a:ext cx="1343724" cy="1671083"/>
           </a:xfrm>
           <a:prstGeom prst="line">
             <a:avLst/>
           </a:prstGeom>
+          <a:ln>
+            <a:solidFill>
+              <a:schemeClr val="tx1"/>
+            </a:solidFill>
+          </a:ln>
         </p:spPr>
         <p:style>
           <a:lnRef idx="1">
-            <a:schemeClr val="dk1"/>
+            <a:schemeClr val="accent1"/>
           </a:lnRef>
           <a:fillRef idx="0">
-            <a:schemeClr val="dk1"/>
+            <a:schemeClr val="accent1"/>
           </a:fillRef>
           <a:effectRef idx="0">
-            <a:schemeClr val="dk1"/>
+            <a:schemeClr val="accent1"/>
           </a:effectRef>
           <a:fontRef idx="minor">
             <a:schemeClr val="tx1"/>
@@ -6417,37 +4832,42 @@
       </p:cxnSp>
       <p:cxnSp>
         <p:nvCxnSpPr>
-          <p:cNvPr id="356" name="Conexão reta 355">
-            <a:extLst>
-              <a:ext uri="{FF2B5EF4-FFF2-40B4-BE49-F238E27FC236}">
-                <a16:creationId xmlns:a16="http://schemas.microsoft.com/office/drawing/2014/main" id="{4B00FE2F-0509-8E23-C5EA-DD847C36CD04}"/>
+          <p:cNvPr id="159" name="Straight Connector 158">
+            <a:extLst>
+              <a:ext uri="{FF2B5EF4-FFF2-40B4-BE49-F238E27FC236}">
+                <a16:creationId xmlns:a16="http://schemas.microsoft.com/office/drawing/2014/main" id="{671F099A-E4B4-014C-B202-28979C8EFB8F}"/>
               </a:ext>
             </a:extLst>
           </p:cNvPr>
           <p:cNvCxnSpPr>
-            <a:stCxn id="110" idx="5"/>
-            <a:endCxn id="21" idx="0"/>
+            <a:cxnSpLocks/>
+            <a:endCxn id="19" idx="2"/>
           </p:cNvCxnSpPr>
           <p:nvPr/>
         </p:nvCxnSpPr>
         <p:spPr>
-          <a:xfrm>
-            <a:off x="4433913" y="2658042"/>
-            <a:ext cx="1897516" cy="2160487"/>
+          <a:xfrm flipV="1">
+            <a:off x="4064086" y="2312838"/>
+            <a:ext cx="1343724" cy="783908"/>
           </a:xfrm>
           <a:prstGeom prst="line">
             <a:avLst/>
           </a:prstGeom>
+          <a:ln>
+            <a:solidFill>
+              <a:schemeClr val="tx1"/>
+            </a:solidFill>
+          </a:ln>
         </p:spPr>
         <p:style>
           <a:lnRef idx="1">
-            <a:schemeClr val="dk1"/>
+            <a:schemeClr val="accent1"/>
           </a:lnRef>
           <a:fillRef idx="0">
-            <a:schemeClr val="dk1"/>
+            <a:schemeClr val="accent1"/>
           </a:fillRef>
           <a:effectRef idx="0">
-            <a:schemeClr val="dk1"/>
+            <a:schemeClr val="accent1"/>
           </a:effectRef>
           <a:fontRef idx="minor">
             <a:schemeClr val="tx1"/>
@@ -6456,38 +4876,42 @@
       </p:cxnSp>
       <p:cxnSp>
         <p:nvCxnSpPr>
-          <p:cNvPr id="361" name="Conexão reta 360">
-            <a:extLst>
-              <a:ext uri="{FF2B5EF4-FFF2-40B4-BE49-F238E27FC236}">
-                <a16:creationId xmlns:a16="http://schemas.microsoft.com/office/drawing/2014/main" id="{504CD1E4-147C-5758-3F1E-852D796850B5}"/>
+          <p:cNvPr id="162" name="Straight Connector 161">
+            <a:extLst>
+              <a:ext uri="{FF2B5EF4-FFF2-40B4-BE49-F238E27FC236}">
+                <a16:creationId xmlns:a16="http://schemas.microsoft.com/office/drawing/2014/main" id="{1960C76A-9C40-9D4B-A867-1BA02FE70CD0}"/>
               </a:ext>
             </a:extLst>
           </p:cNvPr>
           <p:cNvCxnSpPr>
             <a:cxnSpLocks/>
-            <a:stCxn id="108" idx="6"/>
-            <a:endCxn id="22" idx="0"/>
+            <a:endCxn id="20" idx="2"/>
           </p:cNvCxnSpPr>
           <p:nvPr/>
         </p:nvCxnSpPr>
         <p:spPr>
           <a:xfrm>
-            <a:off x="6627264" y="2481683"/>
-            <a:ext cx="1286434" cy="1031269"/>
+            <a:off x="4064086" y="3096746"/>
+            <a:ext cx="1343725" cy="554076"/>
           </a:xfrm>
           <a:prstGeom prst="line">
             <a:avLst/>
           </a:prstGeom>
+          <a:ln>
+            <a:solidFill>
+              <a:schemeClr val="tx1"/>
+            </a:solidFill>
+          </a:ln>
         </p:spPr>
         <p:style>
           <a:lnRef idx="1">
-            <a:schemeClr val="dk1"/>
+            <a:schemeClr val="accent1"/>
           </a:lnRef>
           <a:fillRef idx="0">
-            <a:schemeClr val="dk1"/>
+            <a:schemeClr val="accent1"/>
           </a:fillRef>
           <a:effectRef idx="0">
-            <a:schemeClr val="dk1"/>
+            <a:schemeClr val="accent1"/>
           </a:effectRef>
           <a:fontRef idx="minor">
             <a:schemeClr val="tx1"/>
@@ -6496,37 +4920,42 @@
       </p:cxnSp>
       <p:cxnSp>
         <p:nvCxnSpPr>
-          <p:cNvPr id="369" name="Conexão reta 368">
-            <a:extLst>
-              <a:ext uri="{FF2B5EF4-FFF2-40B4-BE49-F238E27FC236}">
-                <a16:creationId xmlns:a16="http://schemas.microsoft.com/office/drawing/2014/main" id="{241D9A41-048B-DBD5-6324-94CA7D6405D1}"/>
+          <p:cNvPr id="165" name="Straight Connector 164">
+            <a:extLst>
+              <a:ext uri="{FF2B5EF4-FFF2-40B4-BE49-F238E27FC236}">
+                <a16:creationId xmlns:a16="http://schemas.microsoft.com/office/drawing/2014/main" id="{01241886-0218-374F-B4DC-B238577A05A7}"/>
               </a:ext>
             </a:extLst>
           </p:cNvPr>
           <p:cNvCxnSpPr>
-            <a:stCxn id="108" idx="5"/>
-            <a:endCxn id="23" idx="0"/>
+            <a:cxnSpLocks/>
+            <a:endCxn id="19" idx="2"/>
           </p:cNvCxnSpPr>
           <p:nvPr/>
         </p:nvCxnSpPr>
         <p:spPr>
-          <a:xfrm>
-            <a:off x="6540616" y="2665514"/>
-            <a:ext cx="1375327" cy="1977668"/>
+          <a:xfrm flipV="1">
+            <a:off x="4064086" y="2312838"/>
+            <a:ext cx="1343724" cy="1900916"/>
           </a:xfrm>
           <a:prstGeom prst="line">
             <a:avLst/>
           </a:prstGeom>
+          <a:ln>
+            <a:solidFill>
+              <a:schemeClr val="tx1"/>
+            </a:solidFill>
+          </a:ln>
         </p:spPr>
         <p:style>
           <a:lnRef idx="1">
-            <a:schemeClr val="dk1"/>
+            <a:schemeClr val="accent1"/>
           </a:lnRef>
           <a:fillRef idx="0">
-            <a:schemeClr val="dk1"/>
+            <a:schemeClr val="accent1"/>
           </a:fillRef>
           <a:effectRef idx="0">
-            <a:schemeClr val="dk1"/>
+            <a:schemeClr val="accent1"/>
           </a:effectRef>
           <a:fontRef idx="minor">
             <a:schemeClr val="tx1"/>
@@ -6535,31 +4964,31 @@
       </p:cxnSp>
       <p:cxnSp>
         <p:nvCxnSpPr>
-          <p:cNvPr id="371" name="Conexão reta unidirecional 370">
-            <a:extLst>
-              <a:ext uri="{FF2B5EF4-FFF2-40B4-BE49-F238E27FC236}">
-                <a16:creationId xmlns:a16="http://schemas.microsoft.com/office/drawing/2014/main" id="{1B25EB71-ACB2-B04C-5017-9EE5DB1AC221}"/>
+          <p:cNvPr id="168" name="Straight Connector 167">
+            <a:extLst>
+              <a:ext uri="{FF2B5EF4-FFF2-40B4-BE49-F238E27FC236}">
+                <a16:creationId xmlns:a16="http://schemas.microsoft.com/office/drawing/2014/main" id="{98D6E1BF-CB78-9E47-95D3-B0A95494F161}"/>
               </a:ext>
             </a:extLst>
           </p:cNvPr>
           <p:cNvCxnSpPr>
             <a:cxnSpLocks/>
+            <a:endCxn id="20" idx="2"/>
           </p:cNvCxnSpPr>
           <p:nvPr/>
         </p:nvCxnSpPr>
         <p:spPr>
-          <a:xfrm>
-            <a:off x="8465969" y="4955183"/>
-            <a:ext cx="543560" cy="2299"/>
+          <a:xfrm flipV="1">
+            <a:off x="4064086" y="3650822"/>
+            <a:ext cx="1343725" cy="562932"/>
           </a:xfrm>
-          <a:prstGeom prst="straightConnector1">
+          <a:prstGeom prst="line">
             <a:avLst/>
           </a:prstGeom>
           <a:ln>
             <a:solidFill>
               <a:schemeClr val="tx1"/>
             </a:solidFill>
-            <a:tailEnd type="triangle"/>
           </a:ln>
         </p:spPr>
         <p:style>
@@ -6579,10 +5008,2462 @@
       </p:cxnSp>
       <p:cxnSp>
         <p:nvCxnSpPr>
-          <p:cNvPr id="374" name="Conexão reta unidirecional 373">
-            <a:extLst>
-              <a:ext uri="{FF2B5EF4-FFF2-40B4-BE49-F238E27FC236}">
-                <a16:creationId xmlns:a16="http://schemas.microsoft.com/office/drawing/2014/main" id="{D4ED1477-42FE-B14C-0960-8C6B1ED3A757}"/>
+          <p:cNvPr id="171" name="Straight Connector 170">
+            <a:extLst>
+              <a:ext uri="{FF2B5EF4-FFF2-40B4-BE49-F238E27FC236}">
+                <a16:creationId xmlns:a16="http://schemas.microsoft.com/office/drawing/2014/main" id="{9248C4A2-9449-BA40-ADF6-B1D49BBEA918}"/>
+              </a:ext>
+            </a:extLst>
+          </p:cNvPr>
+          <p:cNvCxnSpPr>
+            <a:cxnSpLocks/>
+            <a:stCxn id="146" idx="6"/>
+            <a:endCxn id="88" idx="2"/>
+          </p:cNvCxnSpPr>
+          <p:nvPr/>
+        </p:nvCxnSpPr>
+        <p:spPr>
+          <a:xfrm>
+            <a:off x="5999481" y="974855"/>
+            <a:ext cx="1343725" cy="626411"/>
+          </a:xfrm>
+          <a:prstGeom prst="line">
+            <a:avLst/>
+          </a:prstGeom>
+          <a:ln>
+            <a:solidFill>
+              <a:schemeClr val="tx1"/>
+            </a:solidFill>
+          </a:ln>
+        </p:spPr>
+        <p:style>
+          <a:lnRef idx="1">
+            <a:schemeClr val="accent1"/>
+          </a:lnRef>
+          <a:fillRef idx="0">
+            <a:schemeClr val="accent1"/>
+          </a:fillRef>
+          <a:effectRef idx="0">
+            <a:schemeClr val="accent1"/>
+          </a:effectRef>
+          <a:fontRef idx="minor">
+            <a:schemeClr val="tx1"/>
+          </a:fontRef>
+        </p:style>
+      </p:cxnSp>
+      <p:cxnSp>
+        <p:nvCxnSpPr>
+          <p:cNvPr id="174" name="Straight Connector 173">
+            <a:extLst>
+              <a:ext uri="{FF2B5EF4-FFF2-40B4-BE49-F238E27FC236}">
+                <a16:creationId xmlns:a16="http://schemas.microsoft.com/office/drawing/2014/main" id="{9498F028-9A9F-A346-9BDF-8F4B928D0304}"/>
+              </a:ext>
+            </a:extLst>
+          </p:cNvPr>
+          <p:cNvCxnSpPr>
+            <a:cxnSpLocks/>
+            <a:stCxn id="146" idx="6"/>
+          </p:cNvCxnSpPr>
+          <p:nvPr/>
+        </p:nvCxnSpPr>
+        <p:spPr>
+          <a:xfrm>
+            <a:off x="5999481" y="974855"/>
+            <a:ext cx="1348216" cy="2080826"/>
+          </a:xfrm>
+          <a:prstGeom prst="line">
+            <a:avLst/>
+          </a:prstGeom>
+          <a:ln>
+            <a:solidFill>
+              <a:schemeClr val="tx1"/>
+            </a:solidFill>
+          </a:ln>
+        </p:spPr>
+        <p:style>
+          <a:lnRef idx="1">
+            <a:schemeClr val="accent1"/>
+          </a:lnRef>
+          <a:fillRef idx="0">
+            <a:schemeClr val="accent1"/>
+          </a:fillRef>
+          <a:effectRef idx="0">
+            <a:schemeClr val="accent1"/>
+          </a:effectRef>
+          <a:fontRef idx="minor">
+            <a:schemeClr val="tx1"/>
+          </a:fontRef>
+        </p:style>
+      </p:cxnSp>
+      <p:cxnSp>
+        <p:nvCxnSpPr>
+          <p:cNvPr id="177" name="Straight Connector 176">
+            <a:extLst>
+              <a:ext uri="{FF2B5EF4-FFF2-40B4-BE49-F238E27FC236}">
+                <a16:creationId xmlns:a16="http://schemas.microsoft.com/office/drawing/2014/main" id="{BA7DAAF8-4335-EC40-AB98-6D7824971B15}"/>
+              </a:ext>
+            </a:extLst>
+          </p:cNvPr>
+          <p:cNvCxnSpPr>
+            <a:cxnSpLocks/>
+            <a:stCxn id="146" idx="6"/>
+          </p:cNvCxnSpPr>
+          <p:nvPr/>
+        </p:nvCxnSpPr>
+        <p:spPr>
+          <a:xfrm>
+            <a:off x="5999481" y="974855"/>
+            <a:ext cx="1343725" cy="3535241"/>
+          </a:xfrm>
+          <a:prstGeom prst="line">
+            <a:avLst/>
+          </a:prstGeom>
+          <a:ln>
+            <a:solidFill>
+              <a:schemeClr val="tx1"/>
+            </a:solidFill>
+          </a:ln>
+        </p:spPr>
+        <p:style>
+          <a:lnRef idx="1">
+            <a:schemeClr val="accent1"/>
+          </a:lnRef>
+          <a:fillRef idx="0">
+            <a:schemeClr val="accent1"/>
+          </a:fillRef>
+          <a:effectRef idx="0">
+            <a:schemeClr val="accent1"/>
+          </a:effectRef>
+          <a:fontRef idx="minor">
+            <a:schemeClr val="tx1"/>
+          </a:fontRef>
+        </p:style>
+      </p:cxnSp>
+      <p:cxnSp>
+        <p:nvCxnSpPr>
+          <p:cNvPr id="181" name="Straight Connector 180">
+            <a:extLst>
+              <a:ext uri="{FF2B5EF4-FFF2-40B4-BE49-F238E27FC236}">
+                <a16:creationId xmlns:a16="http://schemas.microsoft.com/office/drawing/2014/main" id="{84425BB9-2489-464A-A588-F1DD0A931921}"/>
+              </a:ext>
+            </a:extLst>
+          </p:cNvPr>
+          <p:cNvCxnSpPr>
+            <a:cxnSpLocks/>
+            <a:stCxn id="19" idx="6"/>
+            <a:endCxn id="88" idx="2"/>
+          </p:cNvCxnSpPr>
+          <p:nvPr/>
+        </p:nvCxnSpPr>
+        <p:spPr>
+          <a:xfrm flipV="1">
+            <a:off x="5999481" y="1601266"/>
+            <a:ext cx="1343725" cy="711572"/>
+          </a:xfrm>
+          <a:prstGeom prst="line">
+            <a:avLst/>
+          </a:prstGeom>
+          <a:ln>
+            <a:solidFill>
+              <a:schemeClr val="tx1"/>
+            </a:solidFill>
+          </a:ln>
+        </p:spPr>
+        <p:style>
+          <a:lnRef idx="1">
+            <a:schemeClr val="accent1"/>
+          </a:lnRef>
+          <a:fillRef idx="0">
+            <a:schemeClr val="accent1"/>
+          </a:fillRef>
+          <a:effectRef idx="0">
+            <a:schemeClr val="accent1"/>
+          </a:effectRef>
+          <a:fontRef idx="minor">
+            <a:schemeClr val="tx1"/>
+          </a:fontRef>
+        </p:style>
+      </p:cxnSp>
+      <p:cxnSp>
+        <p:nvCxnSpPr>
+          <p:cNvPr id="183" name="Straight Connector 182">
+            <a:extLst>
+              <a:ext uri="{FF2B5EF4-FFF2-40B4-BE49-F238E27FC236}">
+                <a16:creationId xmlns:a16="http://schemas.microsoft.com/office/drawing/2014/main" id="{5DF515CB-32FE-C248-97E2-BE3773F941FF}"/>
+              </a:ext>
+            </a:extLst>
+          </p:cNvPr>
+          <p:cNvCxnSpPr>
+            <a:cxnSpLocks/>
+            <a:stCxn id="19" idx="6"/>
+          </p:cNvCxnSpPr>
+          <p:nvPr/>
+        </p:nvCxnSpPr>
+        <p:spPr>
+          <a:xfrm>
+            <a:off x="5999481" y="2312838"/>
+            <a:ext cx="1348216" cy="742843"/>
+          </a:xfrm>
+          <a:prstGeom prst="line">
+            <a:avLst/>
+          </a:prstGeom>
+          <a:ln>
+            <a:solidFill>
+              <a:schemeClr val="tx1"/>
+            </a:solidFill>
+          </a:ln>
+        </p:spPr>
+        <p:style>
+          <a:lnRef idx="1">
+            <a:schemeClr val="accent1"/>
+          </a:lnRef>
+          <a:fillRef idx="0">
+            <a:schemeClr val="accent1"/>
+          </a:fillRef>
+          <a:effectRef idx="0">
+            <a:schemeClr val="accent1"/>
+          </a:effectRef>
+          <a:fontRef idx="minor">
+            <a:schemeClr val="tx1"/>
+          </a:fontRef>
+        </p:style>
+      </p:cxnSp>
+      <p:cxnSp>
+        <p:nvCxnSpPr>
+          <p:cNvPr id="187" name="Straight Connector 186">
+            <a:extLst>
+              <a:ext uri="{FF2B5EF4-FFF2-40B4-BE49-F238E27FC236}">
+                <a16:creationId xmlns:a16="http://schemas.microsoft.com/office/drawing/2014/main" id="{153B7EC0-63AC-CD42-ACA9-9F8D6E7AE449}"/>
+              </a:ext>
+            </a:extLst>
+          </p:cNvPr>
+          <p:cNvCxnSpPr>
+            <a:cxnSpLocks/>
+            <a:stCxn id="19" idx="6"/>
+          </p:cNvCxnSpPr>
+          <p:nvPr/>
+        </p:nvCxnSpPr>
+        <p:spPr>
+          <a:xfrm>
+            <a:off x="5999481" y="2312838"/>
+            <a:ext cx="1343725" cy="2197258"/>
+          </a:xfrm>
+          <a:prstGeom prst="line">
+            <a:avLst/>
+          </a:prstGeom>
+          <a:ln>
+            <a:solidFill>
+              <a:schemeClr val="tx1"/>
+            </a:solidFill>
+          </a:ln>
+        </p:spPr>
+        <p:style>
+          <a:lnRef idx="1">
+            <a:schemeClr val="accent1"/>
+          </a:lnRef>
+          <a:fillRef idx="0">
+            <a:schemeClr val="accent1"/>
+          </a:fillRef>
+          <a:effectRef idx="0">
+            <a:schemeClr val="accent1"/>
+          </a:effectRef>
+          <a:fontRef idx="minor">
+            <a:schemeClr val="tx1"/>
+          </a:fontRef>
+        </p:style>
+      </p:cxnSp>
+      <p:cxnSp>
+        <p:nvCxnSpPr>
+          <p:cNvPr id="189" name="Straight Connector 188">
+            <a:extLst>
+              <a:ext uri="{FF2B5EF4-FFF2-40B4-BE49-F238E27FC236}">
+                <a16:creationId xmlns:a16="http://schemas.microsoft.com/office/drawing/2014/main" id="{69B94560-1EC0-DA45-8589-FF5AA50A1FAC}"/>
+              </a:ext>
+            </a:extLst>
+          </p:cNvPr>
+          <p:cNvCxnSpPr>
+            <a:cxnSpLocks/>
+            <a:stCxn id="20" idx="6"/>
+            <a:endCxn id="88" idx="2"/>
+          </p:cNvCxnSpPr>
+          <p:nvPr/>
+        </p:nvCxnSpPr>
+        <p:spPr>
+          <a:xfrm flipV="1">
+            <a:off x="5999482" y="1601266"/>
+            <a:ext cx="1343724" cy="2049556"/>
+          </a:xfrm>
+          <a:prstGeom prst="line">
+            <a:avLst/>
+          </a:prstGeom>
+          <a:ln>
+            <a:solidFill>
+              <a:schemeClr val="tx1"/>
+            </a:solidFill>
+          </a:ln>
+        </p:spPr>
+        <p:style>
+          <a:lnRef idx="1">
+            <a:schemeClr val="accent1"/>
+          </a:lnRef>
+          <a:fillRef idx="0">
+            <a:schemeClr val="accent1"/>
+          </a:fillRef>
+          <a:effectRef idx="0">
+            <a:schemeClr val="accent1"/>
+          </a:effectRef>
+          <a:fontRef idx="minor">
+            <a:schemeClr val="tx1"/>
+          </a:fontRef>
+        </p:style>
+      </p:cxnSp>
+      <p:cxnSp>
+        <p:nvCxnSpPr>
+          <p:cNvPr id="192" name="Straight Connector 191">
+            <a:extLst>
+              <a:ext uri="{FF2B5EF4-FFF2-40B4-BE49-F238E27FC236}">
+                <a16:creationId xmlns:a16="http://schemas.microsoft.com/office/drawing/2014/main" id="{ADBD895E-5902-CD4C-88F2-5AF82B72B8F6}"/>
+              </a:ext>
+            </a:extLst>
+          </p:cNvPr>
+          <p:cNvCxnSpPr>
+            <a:cxnSpLocks/>
+            <a:stCxn id="20" idx="6"/>
+          </p:cNvCxnSpPr>
+          <p:nvPr/>
+        </p:nvCxnSpPr>
+        <p:spPr>
+          <a:xfrm flipV="1">
+            <a:off x="5999482" y="3055681"/>
+            <a:ext cx="1348215" cy="595141"/>
+          </a:xfrm>
+          <a:prstGeom prst="line">
+            <a:avLst/>
+          </a:prstGeom>
+          <a:ln>
+            <a:solidFill>
+              <a:schemeClr val="tx1"/>
+            </a:solidFill>
+          </a:ln>
+        </p:spPr>
+        <p:style>
+          <a:lnRef idx="1">
+            <a:schemeClr val="accent1"/>
+          </a:lnRef>
+          <a:fillRef idx="0">
+            <a:schemeClr val="accent1"/>
+          </a:fillRef>
+          <a:effectRef idx="0">
+            <a:schemeClr val="accent1"/>
+          </a:effectRef>
+          <a:fontRef idx="minor">
+            <a:schemeClr val="tx1"/>
+          </a:fontRef>
+        </p:style>
+      </p:cxnSp>
+      <p:cxnSp>
+        <p:nvCxnSpPr>
+          <p:cNvPr id="196" name="Straight Connector 195">
+            <a:extLst>
+              <a:ext uri="{FF2B5EF4-FFF2-40B4-BE49-F238E27FC236}">
+                <a16:creationId xmlns:a16="http://schemas.microsoft.com/office/drawing/2014/main" id="{38DF351C-1807-7241-95CF-C9513943E469}"/>
+              </a:ext>
+            </a:extLst>
+          </p:cNvPr>
+          <p:cNvCxnSpPr>
+            <a:cxnSpLocks/>
+            <a:stCxn id="20" idx="6"/>
+          </p:cNvCxnSpPr>
+          <p:nvPr/>
+        </p:nvCxnSpPr>
+        <p:spPr>
+          <a:xfrm>
+            <a:off x="5999482" y="3650822"/>
+            <a:ext cx="1343724" cy="859274"/>
+          </a:xfrm>
+          <a:prstGeom prst="line">
+            <a:avLst/>
+          </a:prstGeom>
+          <a:ln>
+            <a:solidFill>
+              <a:schemeClr val="tx1"/>
+            </a:solidFill>
+          </a:ln>
+        </p:spPr>
+        <p:style>
+          <a:lnRef idx="1">
+            <a:schemeClr val="accent1"/>
+          </a:lnRef>
+          <a:fillRef idx="0">
+            <a:schemeClr val="accent1"/>
+          </a:fillRef>
+          <a:effectRef idx="0">
+            <a:schemeClr val="accent1"/>
+          </a:effectRef>
+          <a:fontRef idx="minor">
+            <a:schemeClr val="tx1"/>
+          </a:fontRef>
+        </p:style>
+      </p:cxnSp>
+      <mc:AlternateContent xmlns:mc="http://schemas.openxmlformats.org/markup-compatibility/2006" xmlns:a14="http://schemas.microsoft.com/office/drawing/2010/main">
+        <mc:Choice Requires="a14">
+          <p:sp>
+            <p:nvSpPr>
+              <p:cNvPr id="198" name="Oval 197">
+                <a:extLst>
+                  <a:ext uri="{FF2B5EF4-FFF2-40B4-BE49-F238E27FC236}">
+                    <a16:creationId xmlns:a16="http://schemas.microsoft.com/office/drawing/2014/main" id="{5FC62620-8B8B-3B4A-951B-7AE4B1F39853}"/>
+                  </a:ext>
+                </a:extLst>
+              </p:cNvPr>
+              <p:cNvSpPr/>
+              <p:nvPr/>
+            </p:nvSpPr>
+            <p:spPr>
+              <a:xfrm>
+                <a:off x="1530262" y="1604771"/>
+                <a:ext cx="591671" cy="519953"/>
+              </a:xfrm>
+              <a:prstGeom prst="ellipse">
+                <a:avLst/>
+              </a:prstGeom>
+              <a:ln>
+                <a:solidFill>
+                  <a:schemeClr val="accent2"/>
+                </a:solidFill>
+              </a:ln>
+            </p:spPr>
+            <p:style>
+              <a:lnRef idx="2">
+                <a:schemeClr val="accent2">
+                  <a:shade val="15000"/>
+                </a:schemeClr>
+              </a:lnRef>
+              <a:fillRef idx="1">
+                <a:schemeClr val="accent2"/>
+              </a:fillRef>
+              <a:effectRef idx="0">
+                <a:schemeClr val="accent2"/>
+              </a:effectRef>
+              <a:fontRef idx="minor">
+                <a:schemeClr val="lt1"/>
+              </a:fontRef>
+            </p:style>
+            <p:txBody>
+              <a:bodyPr rtlCol="0" anchor="ctr"/>
+              <a:lstStyle/>
+              <a:p>
+                <a:pPr algn="ctr"/>
+                <a14:m>
+                  <m:oMathPara xmlns:m="http://schemas.openxmlformats.org/officeDocument/2006/math">
+                    <m:oMathParaPr>
+                      <m:jc m:val="center"/>
+                    </m:oMathParaPr>
+                    <m:oMath xmlns:m="http://schemas.openxmlformats.org/officeDocument/2006/math">
+                      <m:r>
+                        <a:rPr lang="pt-PT" b="0" i="1" smtClean="0">
+                          <a:latin typeface="Cambria Math" panose="02040503050406030204" pitchFamily="18" charset="0"/>
+                        </a:rPr>
+                        <m:t>  </m:t>
+                      </m:r>
+                      <m:sSub>
+                        <m:sSubPr>
+                          <m:ctrlPr>
+                            <a:rPr lang="pt-PT" i="1" smtClean="0">
+                              <a:latin typeface="Cambria Math" panose="02040503050406030204" pitchFamily="18" charset="0"/>
+                            </a:rPr>
+                          </m:ctrlPr>
+                        </m:sSubPr>
+                        <m:e>
+                          <m:r>
+                            <a:rPr lang="pt-PT" b="0" i="1" smtClean="0">
+                              <a:latin typeface="Cambria Math" panose="02040503050406030204" pitchFamily="18" charset="0"/>
+                            </a:rPr>
+                            <m:t>𝑥</m:t>
+                          </m:r>
+                        </m:e>
+                        <m:sub>
+                          <m:r>
+                            <a:rPr lang="pt-PT" b="0" i="1" smtClean="0">
+                              <a:latin typeface="Cambria Math" panose="02040503050406030204" pitchFamily="18" charset="0"/>
+                            </a:rPr>
+                            <m:t>1</m:t>
+                          </m:r>
+                        </m:sub>
+                      </m:sSub>
+                    </m:oMath>
+                  </m:oMathPara>
+                </a14:m>
+                <a:endParaRPr lang="pt-PT" dirty="0"/>
+              </a:p>
+            </p:txBody>
+          </p:sp>
+        </mc:Choice>
+        <mc:Fallback xmlns="">
+          <p:sp>
+            <p:nvSpPr>
+              <p:cNvPr id="198" name="Oval 197">
+                <a:extLst>
+                  <a:ext uri="{FF2B5EF4-FFF2-40B4-BE49-F238E27FC236}">
+                    <a16:creationId xmlns:a16="http://schemas.microsoft.com/office/drawing/2014/main" id="{5FC62620-8B8B-3B4A-951B-7AE4B1F39853}"/>
+                  </a:ext>
+                </a:extLst>
+              </p:cNvPr>
+              <p:cNvSpPr>
+                <a:spLocks noRot="1" noChangeAspect="1" noMove="1" noResize="1" noEditPoints="1" noAdjustHandles="1" noChangeArrowheads="1" noChangeShapeType="1" noTextEdit="1"/>
+              </p:cNvSpPr>
+              <p:nvPr/>
+            </p:nvSpPr>
+            <p:spPr>
+              <a:xfrm>
+                <a:off x="1530262" y="1604771"/>
+                <a:ext cx="591671" cy="519953"/>
+              </a:xfrm>
+              <a:prstGeom prst="ellipse">
+                <a:avLst/>
+              </a:prstGeom>
+              <a:blipFill>
+                <a:blip r:embed="rId5"/>
+                <a:stretch>
+                  <a:fillRect/>
+                </a:stretch>
+              </a:blipFill>
+              <a:ln>
+                <a:solidFill>
+                  <a:schemeClr val="accent2"/>
+                </a:solidFill>
+              </a:ln>
+            </p:spPr>
+            <p:txBody>
+              <a:bodyPr/>
+              <a:lstStyle/>
+              <a:p>
+                <a:r>
+                  <a:rPr lang="en-US">
+                    <a:noFill/>
+                  </a:rPr>
+                  <a:t> </a:t>
+                </a:r>
+              </a:p>
+            </p:txBody>
+          </p:sp>
+        </mc:Fallback>
+      </mc:AlternateContent>
+      <mc:AlternateContent xmlns:mc="http://schemas.openxmlformats.org/markup-compatibility/2006" xmlns:a14="http://schemas.microsoft.com/office/drawing/2010/main">
+        <mc:Choice Requires="a14">
+          <p:sp>
+            <p:nvSpPr>
+              <p:cNvPr id="199" name="Oval 198">
+                <a:extLst>
+                  <a:ext uri="{FF2B5EF4-FFF2-40B4-BE49-F238E27FC236}">
+                    <a16:creationId xmlns:a16="http://schemas.microsoft.com/office/drawing/2014/main" id="{6784C7F1-996C-8E41-9F4C-18582B357E38}"/>
+                  </a:ext>
+                </a:extLst>
+              </p:cNvPr>
+              <p:cNvSpPr/>
+              <p:nvPr/>
+            </p:nvSpPr>
+            <p:spPr>
+              <a:xfrm>
+                <a:off x="1530261" y="2482498"/>
+                <a:ext cx="591671" cy="519953"/>
+              </a:xfrm>
+              <a:prstGeom prst="ellipse">
+                <a:avLst/>
+              </a:prstGeom>
+              <a:ln>
+                <a:solidFill>
+                  <a:schemeClr val="accent2"/>
+                </a:solidFill>
+              </a:ln>
+            </p:spPr>
+            <p:style>
+              <a:lnRef idx="2">
+                <a:schemeClr val="accent2">
+                  <a:shade val="15000"/>
+                </a:schemeClr>
+              </a:lnRef>
+              <a:fillRef idx="1">
+                <a:schemeClr val="accent2"/>
+              </a:fillRef>
+              <a:effectRef idx="0">
+                <a:schemeClr val="accent2"/>
+              </a:effectRef>
+              <a:fontRef idx="minor">
+                <a:schemeClr val="lt1"/>
+              </a:fontRef>
+            </p:style>
+            <p:txBody>
+              <a:bodyPr rtlCol="0" anchor="ctr"/>
+              <a:lstStyle/>
+              <a:p>
+                <a:pPr algn="ctr"/>
+                <a14:m>
+                  <m:oMathPara xmlns:m="http://schemas.openxmlformats.org/officeDocument/2006/math">
+                    <m:oMathParaPr>
+                      <m:jc m:val="center"/>
+                    </m:oMathParaPr>
+                    <m:oMath xmlns:m="http://schemas.openxmlformats.org/officeDocument/2006/math">
+                      <m:r>
+                        <a:rPr lang="pt-PT" b="0" i="1" smtClean="0">
+                          <a:latin typeface="Cambria Math" panose="02040503050406030204" pitchFamily="18" charset="0"/>
+                        </a:rPr>
+                        <m:t>  </m:t>
+                      </m:r>
+                      <m:sSub>
+                        <m:sSubPr>
+                          <m:ctrlPr>
+                            <a:rPr lang="pt-PT" i="1" smtClean="0">
+                              <a:latin typeface="Cambria Math" panose="02040503050406030204" pitchFamily="18" charset="0"/>
+                            </a:rPr>
+                          </m:ctrlPr>
+                        </m:sSubPr>
+                        <m:e>
+                          <m:r>
+                            <a:rPr lang="pt-PT" b="0" i="1" smtClean="0">
+                              <a:latin typeface="Cambria Math" panose="02040503050406030204" pitchFamily="18" charset="0"/>
+                            </a:rPr>
+                            <m:t>𝑥</m:t>
+                          </m:r>
+                        </m:e>
+                        <m:sub>
+                          <m:r>
+                            <a:rPr lang="pt-PT" b="0" i="1" smtClean="0">
+                              <a:latin typeface="Cambria Math" panose="02040503050406030204" pitchFamily="18" charset="0"/>
+                            </a:rPr>
+                            <m:t>2</m:t>
+                          </m:r>
+                        </m:sub>
+                      </m:sSub>
+                    </m:oMath>
+                  </m:oMathPara>
+                </a14:m>
+                <a:endParaRPr lang="pt-PT" dirty="0"/>
+              </a:p>
+            </p:txBody>
+          </p:sp>
+        </mc:Choice>
+        <mc:Fallback xmlns="">
+          <p:sp>
+            <p:nvSpPr>
+              <p:cNvPr id="199" name="Oval 198">
+                <a:extLst>
+                  <a:ext uri="{FF2B5EF4-FFF2-40B4-BE49-F238E27FC236}">
+                    <a16:creationId xmlns:a16="http://schemas.microsoft.com/office/drawing/2014/main" id="{6784C7F1-996C-8E41-9F4C-18582B357E38}"/>
+                  </a:ext>
+                </a:extLst>
+              </p:cNvPr>
+              <p:cNvSpPr>
+                <a:spLocks noRot="1" noChangeAspect="1" noMove="1" noResize="1" noEditPoints="1" noAdjustHandles="1" noChangeArrowheads="1" noChangeShapeType="1" noTextEdit="1"/>
+              </p:cNvSpPr>
+              <p:nvPr/>
+            </p:nvSpPr>
+            <p:spPr>
+              <a:xfrm>
+                <a:off x="1530261" y="2482498"/>
+                <a:ext cx="591671" cy="519953"/>
+              </a:xfrm>
+              <a:prstGeom prst="ellipse">
+                <a:avLst/>
+              </a:prstGeom>
+              <a:blipFill>
+                <a:blip r:embed="rId6"/>
+                <a:stretch>
+                  <a:fillRect l="-2083"/>
+                </a:stretch>
+              </a:blipFill>
+              <a:ln>
+                <a:solidFill>
+                  <a:schemeClr val="accent2"/>
+                </a:solidFill>
+              </a:ln>
+            </p:spPr>
+            <p:txBody>
+              <a:bodyPr/>
+              <a:lstStyle/>
+              <a:p>
+                <a:r>
+                  <a:rPr lang="en-US">
+                    <a:noFill/>
+                  </a:rPr>
+                  <a:t> </a:t>
+                </a:r>
+              </a:p>
+            </p:txBody>
+          </p:sp>
+        </mc:Fallback>
+      </mc:AlternateContent>
+      <mc:AlternateContent xmlns:mc="http://schemas.openxmlformats.org/markup-compatibility/2006" xmlns:a14="http://schemas.microsoft.com/office/drawing/2010/main">
+        <mc:Choice Requires="a14">
+          <p:sp>
+            <p:nvSpPr>
+              <p:cNvPr id="200" name="Oval 199">
+                <a:extLst>
+                  <a:ext uri="{FF2B5EF4-FFF2-40B4-BE49-F238E27FC236}">
+                    <a16:creationId xmlns:a16="http://schemas.microsoft.com/office/drawing/2014/main" id="{1073D866-BE06-0543-8D32-64A3F4D5FAAB}"/>
+                  </a:ext>
+                </a:extLst>
+              </p:cNvPr>
+              <p:cNvSpPr/>
+              <p:nvPr/>
+            </p:nvSpPr>
+            <p:spPr>
+              <a:xfrm>
+                <a:off x="1530260" y="3366425"/>
+                <a:ext cx="591671" cy="519953"/>
+              </a:xfrm>
+              <a:prstGeom prst="ellipse">
+                <a:avLst/>
+              </a:prstGeom>
+              <a:ln>
+                <a:solidFill>
+                  <a:schemeClr val="accent2"/>
+                </a:solidFill>
+              </a:ln>
+            </p:spPr>
+            <p:style>
+              <a:lnRef idx="2">
+                <a:schemeClr val="accent2">
+                  <a:shade val="15000"/>
+                </a:schemeClr>
+              </a:lnRef>
+              <a:fillRef idx="1">
+                <a:schemeClr val="accent2"/>
+              </a:fillRef>
+              <a:effectRef idx="0">
+                <a:schemeClr val="accent2"/>
+              </a:effectRef>
+              <a:fontRef idx="minor">
+                <a:schemeClr val="lt1"/>
+              </a:fontRef>
+            </p:style>
+            <p:txBody>
+              <a:bodyPr rtlCol="0" anchor="ctr"/>
+              <a:lstStyle/>
+              <a:p>
+                <a:pPr algn="ctr"/>
+                <a14:m>
+                  <m:oMathPara xmlns:m="http://schemas.openxmlformats.org/officeDocument/2006/math">
+                    <m:oMathParaPr>
+                      <m:jc m:val="center"/>
+                    </m:oMathParaPr>
+                    <m:oMath xmlns:m="http://schemas.openxmlformats.org/officeDocument/2006/math">
+                      <m:r>
+                        <a:rPr lang="pt-PT" b="0" i="1" smtClean="0">
+                          <a:latin typeface="Cambria Math" panose="02040503050406030204" pitchFamily="18" charset="0"/>
+                        </a:rPr>
+                        <m:t>  </m:t>
+                      </m:r>
+                      <m:sSub>
+                        <m:sSubPr>
+                          <m:ctrlPr>
+                            <a:rPr lang="pt-PT" i="1" smtClean="0">
+                              <a:latin typeface="Cambria Math" panose="02040503050406030204" pitchFamily="18" charset="0"/>
+                            </a:rPr>
+                          </m:ctrlPr>
+                        </m:sSubPr>
+                        <m:e>
+                          <m:r>
+                            <a:rPr lang="pt-PT" b="0" i="1" smtClean="0">
+                              <a:latin typeface="Cambria Math" panose="02040503050406030204" pitchFamily="18" charset="0"/>
+                            </a:rPr>
+                            <m:t>𝑥</m:t>
+                          </m:r>
+                        </m:e>
+                        <m:sub>
+                          <m:r>
+                            <a:rPr lang="pt-PT" b="0" i="1" smtClean="0">
+                              <a:latin typeface="Cambria Math" panose="02040503050406030204" pitchFamily="18" charset="0"/>
+                            </a:rPr>
+                            <m:t>3</m:t>
+                          </m:r>
+                        </m:sub>
+                      </m:sSub>
+                    </m:oMath>
+                  </m:oMathPara>
+                </a14:m>
+                <a:endParaRPr lang="pt-PT" dirty="0"/>
+              </a:p>
+            </p:txBody>
+          </p:sp>
+        </mc:Choice>
+        <mc:Fallback xmlns="">
+          <p:sp>
+            <p:nvSpPr>
+              <p:cNvPr id="200" name="Oval 199">
+                <a:extLst>
+                  <a:ext uri="{FF2B5EF4-FFF2-40B4-BE49-F238E27FC236}">
+                    <a16:creationId xmlns:a16="http://schemas.microsoft.com/office/drawing/2014/main" id="{1073D866-BE06-0543-8D32-64A3F4D5FAAB}"/>
+                  </a:ext>
+                </a:extLst>
+              </p:cNvPr>
+              <p:cNvSpPr>
+                <a:spLocks noRot="1" noChangeAspect="1" noMove="1" noResize="1" noEditPoints="1" noAdjustHandles="1" noChangeArrowheads="1" noChangeShapeType="1" noTextEdit="1"/>
+              </p:cNvSpPr>
+              <p:nvPr/>
+            </p:nvSpPr>
+            <p:spPr>
+              <a:xfrm>
+                <a:off x="1530260" y="3366425"/>
+                <a:ext cx="591671" cy="519953"/>
+              </a:xfrm>
+              <a:prstGeom prst="ellipse">
+                <a:avLst/>
+              </a:prstGeom>
+              <a:blipFill>
+                <a:blip r:embed="rId7"/>
+                <a:stretch>
+                  <a:fillRect l="-2083"/>
+                </a:stretch>
+              </a:blipFill>
+              <a:ln>
+                <a:solidFill>
+                  <a:schemeClr val="accent2"/>
+                </a:solidFill>
+              </a:ln>
+            </p:spPr>
+            <p:txBody>
+              <a:bodyPr/>
+              <a:lstStyle/>
+              <a:p>
+                <a:r>
+                  <a:rPr lang="en-US">
+                    <a:noFill/>
+                  </a:rPr>
+                  <a:t> </a:t>
+                </a:r>
+              </a:p>
+            </p:txBody>
+          </p:sp>
+        </mc:Fallback>
+      </mc:AlternateContent>
+      <mc:AlternateContent xmlns:mc="http://schemas.openxmlformats.org/markup-compatibility/2006" xmlns:a14="http://schemas.microsoft.com/office/drawing/2010/main">
+        <mc:Choice Requires="a14">
+          <p:sp>
+            <p:nvSpPr>
+              <p:cNvPr id="202" name="Oval 201">
+                <a:extLst>
+                  <a:ext uri="{FF2B5EF4-FFF2-40B4-BE49-F238E27FC236}">
+                    <a16:creationId xmlns:a16="http://schemas.microsoft.com/office/drawing/2014/main" id="{EE2EB2A6-716E-F24D-AAEB-685AFC440638}"/>
+                  </a:ext>
+                </a:extLst>
+              </p:cNvPr>
+              <p:cNvSpPr/>
+              <p:nvPr/>
+            </p:nvSpPr>
+            <p:spPr>
+              <a:xfrm>
+                <a:off x="1537019" y="4237954"/>
+                <a:ext cx="591671" cy="519953"/>
+              </a:xfrm>
+              <a:prstGeom prst="ellipse">
+                <a:avLst/>
+              </a:prstGeom>
+              <a:ln>
+                <a:solidFill>
+                  <a:schemeClr val="accent2"/>
+                </a:solidFill>
+              </a:ln>
+            </p:spPr>
+            <p:style>
+              <a:lnRef idx="2">
+                <a:schemeClr val="accent2">
+                  <a:shade val="15000"/>
+                </a:schemeClr>
+              </a:lnRef>
+              <a:fillRef idx="1">
+                <a:schemeClr val="accent2"/>
+              </a:fillRef>
+              <a:effectRef idx="0">
+                <a:schemeClr val="accent2"/>
+              </a:effectRef>
+              <a:fontRef idx="minor">
+                <a:schemeClr val="lt1"/>
+              </a:fontRef>
+            </p:style>
+            <p:txBody>
+              <a:bodyPr rtlCol="0" anchor="ctr"/>
+              <a:lstStyle/>
+              <a:p>
+                <a:pPr algn="ctr"/>
+                <a14:m>
+                  <m:oMathPara xmlns:m="http://schemas.openxmlformats.org/officeDocument/2006/math">
+                    <m:oMathParaPr>
+                      <m:jc m:val="center"/>
+                    </m:oMathParaPr>
+                    <m:oMath xmlns:m="http://schemas.openxmlformats.org/officeDocument/2006/math">
+                      <m:r>
+                        <a:rPr lang="pt-PT" b="0" i="1" smtClean="0">
+                          <a:latin typeface="Cambria Math" panose="02040503050406030204" pitchFamily="18" charset="0"/>
+                        </a:rPr>
+                        <m:t>  </m:t>
+                      </m:r>
+                      <m:sSub>
+                        <m:sSubPr>
+                          <m:ctrlPr>
+                            <a:rPr lang="pt-PT" i="1" smtClean="0">
+                              <a:latin typeface="Cambria Math" panose="02040503050406030204" pitchFamily="18" charset="0"/>
+                            </a:rPr>
+                          </m:ctrlPr>
+                        </m:sSubPr>
+                        <m:e>
+                          <m:r>
+                            <a:rPr lang="pt-PT" b="0" i="1" smtClean="0">
+                              <a:latin typeface="Cambria Math" panose="02040503050406030204" pitchFamily="18" charset="0"/>
+                            </a:rPr>
+                            <m:t>𝑥</m:t>
+                          </m:r>
+                        </m:e>
+                        <m:sub>
+                          <m:r>
+                            <a:rPr lang="pt-PT" b="0" i="1" smtClean="0">
+                              <a:latin typeface="Cambria Math" panose="02040503050406030204" pitchFamily="18" charset="0"/>
+                            </a:rPr>
+                            <m:t>4</m:t>
+                          </m:r>
+                        </m:sub>
+                      </m:sSub>
+                    </m:oMath>
+                  </m:oMathPara>
+                </a14:m>
+                <a:endParaRPr lang="pt-PT" dirty="0"/>
+              </a:p>
+            </p:txBody>
+          </p:sp>
+        </mc:Choice>
+        <mc:Fallback xmlns="">
+          <p:sp>
+            <p:nvSpPr>
+              <p:cNvPr id="202" name="Oval 201">
+                <a:extLst>
+                  <a:ext uri="{FF2B5EF4-FFF2-40B4-BE49-F238E27FC236}">
+                    <a16:creationId xmlns:a16="http://schemas.microsoft.com/office/drawing/2014/main" id="{EE2EB2A6-716E-F24D-AAEB-685AFC440638}"/>
+                  </a:ext>
+                </a:extLst>
+              </p:cNvPr>
+              <p:cNvSpPr>
+                <a:spLocks noRot="1" noChangeAspect="1" noMove="1" noResize="1" noEditPoints="1" noAdjustHandles="1" noChangeArrowheads="1" noChangeShapeType="1" noTextEdit="1"/>
+              </p:cNvSpPr>
+              <p:nvPr/>
+            </p:nvSpPr>
+            <p:spPr>
+              <a:xfrm>
+                <a:off x="1537019" y="4237954"/>
+                <a:ext cx="591671" cy="519953"/>
+              </a:xfrm>
+              <a:prstGeom prst="ellipse">
+                <a:avLst/>
+              </a:prstGeom>
+              <a:blipFill>
+                <a:blip r:embed="rId8"/>
+                <a:stretch>
+                  <a:fillRect/>
+                </a:stretch>
+              </a:blipFill>
+              <a:ln>
+                <a:solidFill>
+                  <a:schemeClr val="accent2"/>
+                </a:solidFill>
+              </a:ln>
+            </p:spPr>
+            <p:txBody>
+              <a:bodyPr/>
+              <a:lstStyle/>
+              <a:p>
+                <a:r>
+                  <a:rPr lang="en-US">
+                    <a:noFill/>
+                  </a:rPr>
+                  <a:t> </a:t>
+                </a:r>
+              </a:p>
+            </p:txBody>
+          </p:sp>
+        </mc:Fallback>
+      </mc:AlternateContent>
+      <mc:AlternateContent xmlns:mc="http://schemas.openxmlformats.org/markup-compatibility/2006" xmlns:a14="http://schemas.microsoft.com/office/drawing/2010/main">
+        <mc:Choice Requires="a14">
+          <p:sp>
+            <p:nvSpPr>
+              <p:cNvPr id="203" name="Oval 202">
+                <a:extLst>
+                  <a:ext uri="{FF2B5EF4-FFF2-40B4-BE49-F238E27FC236}">
+                    <a16:creationId xmlns:a16="http://schemas.microsoft.com/office/drawing/2014/main" id="{BAF26DC2-15B0-BA4A-B3D6-2B89072C74A8}"/>
+                  </a:ext>
+                </a:extLst>
+              </p:cNvPr>
+              <p:cNvSpPr/>
+              <p:nvPr/>
+            </p:nvSpPr>
+            <p:spPr>
+              <a:xfrm>
+                <a:off x="3474660" y="2870102"/>
+                <a:ext cx="591671" cy="519953"/>
+              </a:xfrm>
+              <a:prstGeom prst="ellipse">
+                <a:avLst/>
+              </a:prstGeom>
+              <a:solidFill>
+                <a:schemeClr val="accent1">
+                  <a:lumMod val="75000"/>
+                </a:schemeClr>
+              </a:solidFill>
+              <a:ln>
+                <a:solidFill>
+                  <a:schemeClr val="accent1">
+                    <a:lumMod val="75000"/>
+                  </a:schemeClr>
+                </a:solidFill>
+              </a:ln>
+            </p:spPr>
+            <p:style>
+              <a:lnRef idx="2">
+                <a:schemeClr val="accent2">
+                  <a:shade val="15000"/>
+                </a:schemeClr>
+              </a:lnRef>
+              <a:fillRef idx="1">
+                <a:schemeClr val="accent2"/>
+              </a:fillRef>
+              <a:effectRef idx="0">
+                <a:schemeClr val="accent2"/>
+              </a:effectRef>
+              <a:fontRef idx="minor">
+                <a:schemeClr val="lt1"/>
+              </a:fontRef>
+            </p:style>
+            <p:txBody>
+              <a:bodyPr rtlCol="0" anchor="ctr"/>
+              <a:lstStyle/>
+              <a:p>
+                <a:pPr algn="ctr"/>
+                <a14:m>
+                  <m:oMathPara xmlns:m="http://schemas.openxmlformats.org/officeDocument/2006/math">
+                    <m:oMathParaPr>
+                      <m:jc m:val="centerGroup"/>
+                    </m:oMathParaPr>
+                    <m:oMath xmlns:m="http://schemas.openxmlformats.org/officeDocument/2006/math">
+                      <m:sSubSup>
+                        <m:sSubSupPr>
+                          <m:ctrlPr>
+                            <a:rPr lang="pt-PT" i="1" smtClean="0">
+                              <a:latin typeface="Cambria Math" panose="02040503050406030204" pitchFamily="18" charset="0"/>
+                            </a:rPr>
+                          </m:ctrlPr>
+                        </m:sSubSupPr>
+                        <m:e>
+                          <m:r>
+                            <a:rPr lang="pt-PT" b="0" i="1" smtClean="0">
+                              <a:latin typeface="Cambria Math" panose="02040503050406030204" pitchFamily="18" charset="0"/>
+                            </a:rPr>
+                            <m:t>  </m:t>
+                          </m:r>
+                          <m:r>
+                            <a:rPr lang="pt-PT" b="0" i="1" smtClean="0">
+                              <a:latin typeface="Cambria Math" panose="02040503050406030204" pitchFamily="18" charset="0"/>
+                            </a:rPr>
+                            <m:t>𝑧</m:t>
+                          </m:r>
+                        </m:e>
+                        <m:sub>
+                          <m:r>
+                            <a:rPr lang="pt-PT" b="0" i="1" smtClean="0">
+                              <a:latin typeface="Cambria Math" panose="02040503050406030204" pitchFamily="18" charset="0"/>
+                            </a:rPr>
+                            <m:t>2</m:t>
+                          </m:r>
+                        </m:sub>
+                        <m:sup>
+                          <m:r>
+                            <a:rPr lang="pt-PT" b="0" i="1" smtClean="0">
+                              <a:latin typeface="Cambria Math" panose="02040503050406030204" pitchFamily="18" charset="0"/>
+                            </a:rPr>
+                            <m:t>[1]</m:t>
+                          </m:r>
+                        </m:sup>
+                      </m:sSubSup>
+                    </m:oMath>
+                  </m:oMathPara>
+                </a14:m>
+                <a:endParaRPr lang="pt-PT" dirty="0"/>
+              </a:p>
+            </p:txBody>
+          </p:sp>
+        </mc:Choice>
+        <mc:Fallback xmlns="">
+          <p:sp>
+            <p:nvSpPr>
+              <p:cNvPr id="203" name="Oval 202">
+                <a:extLst>
+                  <a:ext uri="{FF2B5EF4-FFF2-40B4-BE49-F238E27FC236}">
+                    <a16:creationId xmlns:a16="http://schemas.microsoft.com/office/drawing/2014/main" id="{BAF26DC2-15B0-BA4A-B3D6-2B89072C74A8}"/>
+                  </a:ext>
+                </a:extLst>
+              </p:cNvPr>
+              <p:cNvSpPr>
+                <a:spLocks noRot="1" noChangeAspect="1" noMove="1" noResize="1" noEditPoints="1" noAdjustHandles="1" noChangeArrowheads="1" noChangeShapeType="1" noTextEdit="1"/>
+              </p:cNvSpPr>
+              <p:nvPr/>
+            </p:nvSpPr>
+            <p:spPr>
+              <a:xfrm>
+                <a:off x="3474660" y="2870102"/>
+                <a:ext cx="591671" cy="519953"/>
+              </a:xfrm>
+              <a:prstGeom prst="ellipse">
+                <a:avLst/>
+              </a:prstGeom>
+              <a:blipFill>
+                <a:blip r:embed="rId9"/>
+                <a:stretch>
+                  <a:fillRect l="-12500"/>
+                </a:stretch>
+              </a:blipFill>
+              <a:ln>
+                <a:solidFill>
+                  <a:schemeClr val="accent1">
+                    <a:lumMod val="75000"/>
+                  </a:schemeClr>
+                </a:solidFill>
+              </a:ln>
+            </p:spPr>
+            <p:txBody>
+              <a:bodyPr/>
+              <a:lstStyle/>
+              <a:p>
+                <a:r>
+                  <a:rPr lang="en-US">
+                    <a:noFill/>
+                  </a:rPr>
+                  <a:t> </a:t>
+                </a:r>
+              </a:p>
+            </p:txBody>
+          </p:sp>
+        </mc:Fallback>
+      </mc:AlternateContent>
+      <mc:AlternateContent xmlns:mc="http://schemas.openxmlformats.org/markup-compatibility/2006" xmlns:a14="http://schemas.microsoft.com/office/drawing/2010/main">
+        <mc:Choice Requires="a14">
+          <p:sp>
+            <p:nvSpPr>
+              <p:cNvPr id="204" name="Oval 203">
+                <a:extLst>
+                  <a:ext uri="{FF2B5EF4-FFF2-40B4-BE49-F238E27FC236}">
+                    <a16:creationId xmlns:a16="http://schemas.microsoft.com/office/drawing/2014/main" id="{5C2DAD34-8116-AC4C-BD5F-F48151566CC7}"/>
+                  </a:ext>
+                </a:extLst>
+              </p:cNvPr>
+              <p:cNvSpPr/>
+              <p:nvPr/>
+            </p:nvSpPr>
+            <p:spPr>
+              <a:xfrm>
+                <a:off x="3483951" y="3950866"/>
+                <a:ext cx="591671" cy="519953"/>
+              </a:xfrm>
+              <a:prstGeom prst="ellipse">
+                <a:avLst/>
+              </a:prstGeom>
+              <a:solidFill>
+                <a:schemeClr val="accent1">
+                  <a:lumMod val="75000"/>
+                </a:schemeClr>
+              </a:solidFill>
+              <a:ln>
+                <a:solidFill>
+                  <a:schemeClr val="accent1">
+                    <a:lumMod val="75000"/>
+                  </a:schemeClr>
+                </a:solidFill>
+              </a:ln>
+            </p:spPr>
+            <p:style>
+              <a:lnRef idx="2">
+                <a:schemeClr val="accent2">
+                  <a:shade val="15000"/>
+                </a:schemeClr>
+              </a:lnRef>
+              <a:fillRef idx="1">
+                <a:schemeClr val="accent2"/>
+              </a:fillRef>
+              <a:effectRef idx="0">
+                <a:schemeClr val="accent2"/>
+              </a:effectRef>
+              <a:fontRef idx="minor">
+                <a:schemeClr val="lt1"/>
+              </a:fontRef>
+            </p:style>
+            <p:txBody>
+              <a:bodyPr rtlCol="0" anchor="ctr"/>
+              <a:lstStyle/>
+              <a:p>
+                <a:pPr algn="ctr"/>
+                <a14:m>
+                  <m:oMathPara xmlns:m="http://schemas.openxmlformats.org/officeDocument/2006/math">
+                    <m:oMathParaPr>
+                      <m:jc m:val="centerGroup"/>
+                    </m:oMathParaPr>
+                    <m:oMath xmlns:m="http://schemas.openxmlformats.org/officeDocument/2006/math">
+                      <m:sSubSup>
+                        <m:sSubSupPr>
+                          <m:ctrlPr>
+                            <a:rPr lang="pt-PT" i="1" smtClean="0">
+                              <a:latin typeface="Cambria Math" panose="02040503050406030204" pitchFamily="18" charset="0"/>
+                            </a:rPr>
+                          </m:ctrlPr>
+                        </m:sSubSupPr>
+                        <m:e>
+                          <m:r>
+                            <a:rPr lang="pt-PT" b="0" i="1" smtClean="0">
+                              <a:latin typeface="Cambria Math" panose="02040503050406030204" pitchFamily="18" charset="0"/>
+                            </a:rPr>
+                            <m:t>  </m:t>
+                          </m:r>
+                          <m:r>
+                            <a:rPr lang="pt-PT" b="0" i="1" smtClean="0">
+                              <a:latin typeface="Cambria Math" panose="02040503050406030204" pitchFamily="18" charset="0"/>
+                            </a:rPr>
+                            <m:t>𝑧</m:t>
+                          </m:r>
+                        </m:e>
+                        <m:sub>
+                          <m:r>
+                            <a:rPr lang="pt-PT" b="0" i="1" smtClean="0">
+                              <a:latin typeface="Cambria Math" panose="02040503050406030204" pitchFamily="18" charset="0"/>
+                            </a:rPr>
+                            <m:t>3</m:t>
+                          </m:r>
+                        </m:sub>
+                        <m:sup>
+                          <m:r>
+                            <a:rPr lang="pt-PT" b="0" i="1" smtClean="0">
+                              <a:latin typeface="Cambria Math" panose="02040503050406030204" pitchFamily="18" charset="0"/>
+                            </a:rPr>
+                            <m:t>[1]</m:t>
+                          </m:r>
+                        </m:sup>
+                      </m:sSubSup>
+                    </m:oMath>
+                  </m:oMathPara>
+                </a14:m>
+                <a:endParaRPr lang="pt-PT" dirty="0"/>
+              </a:p>
+            </p:txBody>
+          </p:sp>
+        </mc:Choice>
+        <mc:Fallback xmlns="">
+          <p:sp>
+            <p:nvSpPr>
+              <p:cNvPr id="204" name="Oval 203">
+                <a:extLst>
+                  <a:ext uri="{FF2B5EF4-FFF2-40B4-BE49-F238E27FC236}">
+                    <a16:creationId xmlns:a16="http://schemas.microsoft.com/office/drawing/2014/main" id="{5C2DAD34-8116-AC4C-BD5F-F48151566CC7}"/>
+                  </a:ext>
+                </a:extLst>
+              </p:cNvPr>
+              <p:cNvSpPr>
+                <a:spLocks noRot="1" noChangeAspect="1" noMove="1" noResize="1" noEditPoints="1" noAdjustHandles="1" noChangeArrowheads="1" noChangeShapeType="1" noTextEdit="1"/>
+              </p:cNvSpPr>
+              <p:nvPr/>
+            </p:nvSpPr>
+            <p:spPr>
+              <a:xfrm>
+                <a:off x="3483951" y="3950866"/>
+                <a:ext cx="591671" cy="519953"/>
+              </a:xfrm>
+              <a:prstGeom prst="ellipse">
+                <a:avLst/>
+              </a:prstGeom>
+              <a:blipFill>
+                <a:blip r:embed="rId10"/>
+                <a:stretch>
+                  <a:fillRect l="-10204"/>
+                </a:stretch>
+              </a:blipFill>
+              <a:ln>
+                <a:solidFill>
+                  <a:schemeClr val="accent1">
+                    <a:lumMod val="75000"/>
+                  </a:schemeClr>
+                </a:solidFill>
+              </a:ln>
+            </p:spPr>
+            <p:txBody>
+              <a:bodyPr/>
+              <a:lstStyle/>
+              <a:p>
+                <a:r>
+                  <a:rPr lang="en-US">
+                    <a:noFill/>
+                  </a:rPr>
+                  <a:t> </a:t>
+                </a:r>
+              </a:p>
+            </p:txBody>
+          </p:sp>
+        </mc:Fallback>
+      </mc:AlternateContent>
+      <mc:AlternateContent xmlns:mc="http://schemas.openxmlformats.org/markup-compatibility/2006" xmlns:a14="http://schemas.microsoft.com/office/drawing/2010/main">
+        <mc:Choice Requires="a14">
+          <p:sp>
+            <p:nvSpPr>
+              <p:cNvPr id="205" name="Oval 204">
+                <a:extLst>
+                  <a:ext uri="{FF2B5EF4-FFF2-40B4-BE49-F238E27FC236}">
+                    <a16:creationId xmlns:a16="http://schemas.microsoft.com/office/drawing/2014/main" id="{57BF402F-06E6-3A4A-A79C-A3719CC59762}"/>
+                  </a:ext>
+                </a:extLst>
+              </p:cNvPr>
+              <p:cNvSpPr/>
+              <p:nvPr/>
+            </p:nvSpPr>
+            <p:spPr>
+              <a:xfrm>
+                <a:off x="5403319" y="2049954"/>
+                <a:ext cx="591671" cy="519953"/>
+              </a:xfrm>
+              <a:prstGeom prst="ellipse">
+                <a:avLst/>
+              </a:prstGeom>
+              <a:solidFill>
+                <a:schemeClr val="accent1">
+                  <a:lumMod val="75000"/>
+                </a:schemeClr>
+              </a:solidFill>
+              <a:ln>
+                <a:solidFill>
+                  <a:schemeClr val="accent1">
+                    <a:lumMod val="75000"/>
+                  </a:schemeClr>
+                </a:solidFill>
+              </a:ln>
+            </p:spPr>
+            <p:style>
+              <a:lnRef idx="2">
+                <a:schemeClr val="accent2">
+                  <a:shade val="15000"/>
+                </a:schemeClr>
+              </a:lnRef>
+              <a:fillRef idx="1">
+                <a:schemeClr val="accent2"/>
+              </a:fillRef>
+              <a:effectRef idx="0">
+                <a:schemeClr val="accent2"/>
+              </a:effectRef>
+              <a:fontRef idx="minor">
+                <a:schemeClr val="lt1"/>
+              </a:fontRef>
+            </p:style>
+            <p:txBody>
+              <a:bodyPr rtlCol="0" anchor="ctr"/>
+              <a:lstStyle/>
+              <a:p>
+                <a:pPr algn="ctr"/>
+                <a14:m>
+                  <m:oMathPara xmlns:m="http://schemas.openxmlformats.org/officeDocument/2006/math">
+                    <m:oMathParaPr>
+                      <m:jc m:val="centerGroup"/>
+                    </m:oMathParaPr>
+                    <m:oMath xmlns:m="http://schemas.openxmlformats.org/officeDocument/2006/math">
+                      <m:sSubSup>
+                        <m:sSubSupPr>
+                          <m:ctrlPr>
+                            <a:rPr lang="pt-PT" i="1" smtClean="0">
+                              <a:latin typeface="Cambria Math" panose="02040503050406030204" pitchFamily="18" charset="0"/>
+                            </a:rPr>
+                          </m:ctrlPr>
+                        </m:sSubSupPr>
+                        <m:e>
+                          <m:r>
+                            <a:rPr lang="pt-PT" b="0" i="1" smtClean="0">
+                              <a:latin typeface="Cambria Math" panose="02040503050406030204" pitchFamily="18" charset="0"/>
+                            </a:rPr>
+                            <m:t>  </m:t>
+                          </m:r>
+                          <m:r>
+                            <a:rPr lang="pt-PT" b="0" i="1" smtClean="0">
+                              <a:latin typeface="Cambria Math" panose="02040503050406030204" pitchFamily="18" charset="0"/>
+                            </a:rPr>
+                            <m:t>𝑧</m:t>
+                          </m:r>
+                        </m:e>
+                        <m:sub>
+                          <m:r>
+                            <a:rPr lang="pt-PT" b="0" i="1" smtClean="0">
+                              <a:latin typeface="Cambria Math" panose="02040503050406030204" pitchFamily="18" charset="0"/>
+                            </a:rPr>
+                            <m:t>1</m:t>
+                          </m:r>
+                        </m:sub>
+                        <m:sup>
+                          <m:r>
+                            <a:rPr lang="pt-PT" b="0" i="1" smtClean="0">
+                              <a:latin typeface="Cambria Math" panose="02040503050406030204" pitchFamily="18" charset="0"/>
+                            </a:rPr>
+                            <m:t>[2]</m:t>
+                          </m:r>
+                        </m:sup>
+                      </m:sSubSup>
+                    </m:oMath>
+                  </m:oMathPara>
+                </a14:m>
+                <a:endParaRPr lang="pt-PT" dirty="0"/>
+              </a:p>
+            </p:txBody>
+          </p:sp>
+        </mc:Choice>
+        <mc:Fallback xmlns="">
+          <p:sp>
+            <p:nvSpPr>
+              <p:cNvPr id="205" name="Oval 204">
+                <a:extLst>
+                  <a:ext uri="{FF2B5EF4-FFF2-40B4-BE49-F238E27FC236}">
+                    <a16:creationId xmlns:a16="http://schemas.microsoft.com/office/drawing/2014/main" id="{57BF402F-06E6-3A4A-A79C-A3719CC59762}"/>
+                  </a:ext>
+                </a:extLst>
+              </p:cNvPr>
+              <p:cNvSpPr>
+                <a:spLocks noRot="1" noChangeAspect="1" noMove="1" noResize="1" noEditPoints="1" noAdjustHandles="1" noChangeArrowheads="1" noChangeShapeType="1" noTextEdit="1"/>
+              </p:cNvSpPr>
+              <p:nvPr/>
+            </p:nvSpPr>
+            <p:spPr>
+              <a:xfrm>
+                <a:off x="5403319" y="2049954"/>
+                <a:ext cx="591671" cy="519953"/>
+              </a:xfrm>
+              <a:prstGeom prst="ellipse">
+                <a:avLst/>
+              </a:prstGeom>
+              <a:blipFill>
+                <a:blip r:embed="rId11"/>
+                <a:stretch>
+                  <a:fillRect l="-8163"/>
+                </a:stretch>
+              </a:blipFill>
+              <a:ln>
+                <a:solidFill>
+                  <a:schemeClr val="accent1">
+                    <a:lumMod val="75000"/>
+                  </a:schemeClr>
+                </a:solidFill>
+              </a:ln>
+            </p:spPr>
+            <p:txBody>
+              <a:bodyPr/>
+              <a:lstStyle/>
+              <a:p>
+                <a:r>
+                  <a:rPr lang="en-US">
+                    <a:noFill/>
+                  </a:rPr>
+                  <a:t> </a:t>
+                </a:r>
+              </a:p>
+            </p:txBody>
+          </p:sp>
+        </mc:Fallback>
+      </mc:AlternateContent>
+      <mc:AlternateContent xmlns:mc="http://schemas.openxmlformats.org/markup-compatibility/2006" xmlns:a14="http://schemas.microsoft.com/office/drawing/2010/main">
+        <mc:Choice Requires="a14">
+          <p:sp>
+            <p:nvSpPr>
+              <p:cNvPr id="206" name="Oval 205">
+                <a:extLst>
+                  <a:ext uri="{FF2B5EF4-FFF2-40B4-BE49-F238E27FC236}">
+                    <a16:creationId xmlns:a16="http://schemas.microsoft.com/office/drawing/2014/main" id="{9750E6F1-EA51-D54C-9C3A-80416E64558C}"/>
+                  </a:ext>
+                </a:extLst>
+              </p:cNvPr>
+              <p:cNvSpPr/>
+              <p:nvPr/>
+            </p:nvSpPr>
+            <p:spPr>
+              <a:xfrm>
+                <a:off x="5410056" y="3366425"/>
+                <a:ext cx="591671" cy="519953"/>
+              </a:xfrm>
+              <a:prstGeom prst="ellipse">
+                <a:avLst/>
+              </a:prstGeom>
+              <a:solidFill>
+                <a:schemeClr val="accent1">
+                  <a:lumMod val="75000"/>
+                </a:schemeClr>
+              </a:solidFill>
+              <a:ln>
+                <a:solidFill>
+                  <a:schemeClr val="accent1">
+                    <a:lumMod val="75000"/>
+                  </a:schemeClr>
+                </a:solidFill>
+              </a:ln>
+            </p:spPr>
+            <p:style>
+              <a:lnRef idx="2">
+                <a:schemeClr val="accent2">
+                  <a:shade val="15000"/>
+                </a:schemeClr>
+              </a:lnRef>
+              <a:fillRef idx="1">
+                <a:schemeClr val="accent2"/>
+              </a:fillRef>
+              <a:effectRef idx="0">
+                <a:schemeClr val="accent2"/>
+              </a:effectRef>
+              <a:fontRef idx="minor">
+                <a:schemeClr val="lt1"/>
+              </a:fontRef>
+            </p:style>
+            <p:txBody>
+              <a:bodyPr rtlCol="0" anchor="ctr"/>
+              <a:lstStyle/>
+              <a:p>
+                <a:pPr algn="ctr"/>
+                <a14:m>
+                  <m:oMathPara xmlns:m="http://schemas.openxmlformats.org/officeDocument/2006/math">
+                    <m:oMathParaPr>
+                      <m:jc m:val="centerGroup"/>
+                    </m:oMathParaPr>
+                    <m:oMath xmlns:m="http://schemas.openxmlformats.org/officeDocument/2006/math">
+                      <m:sSubSup>
+                        <m:sSubSupPr>
+                          <m:ctrlPr>
+                            <a:rPr lang="pt-PT" i="1" smtClean="0">
+                              <a:latin typeface="Cambria Math" panose="02040503050406030204" pitchFamily="18" charset="0"/>
+                            </a:rPr>
+                          </m:ctrlPr>
+                        </m:sSubSupPr>
+                        <m:e>
+                          <m:r>
+                            <a:rPr lang="pt-PT" b="0" i="1" smtClean="0">
+                              <a:latin typeface="Cambria Math" panose="02040503050406030204" pitchFamily="18" charset="0"/>
+                            </a:rPr>
+                            <m:t>  </m:t>
+                          </m:r>
+                          <m:r>
+                            <a:rPr lang="pt-PT" b="0" i="1" smtClean="0">
+                              <a:latin typeface="Cambria Math" panose="02040503050406030204" pitchFamily="18" charset="0"/>
+                            </a:rPr>
+                            <m:t>𝑧</m:t>
+                          </m:r>
+                        </m:e>
+                        <m:sub>
+                          <m:r>
+                            <a:rPr lang="pt-PT" b="0" i="1" smtClean="0">
+                              <a:latin typeface="Cambria Math" panose="02040503050406030204" pitchFamily="18" charset="0"/>
+                            </a:rPr>
+                            <m:t>2</m:t>
+                          </m:r>
+                        </m:sub>
+                        <m:sup>
+                          <m:r>
+                            <a:rPr lang="pt-PT" b="0" i="1" smtClean="0">
+                              <a:latin typeface="Cambria Math" panose="02040503050406030204" pitchFamily="18" charset="0"/>
+                            </a:rPr>
+                            <m:t>[2]</m:t>
+                          </m:r>
+                        </m:sup>
+                      </m:sSubSup>
+                    </m:oMath>
+                  </m:oMathPara>
+                </a14:m>
+                <a:endParaRPr lang="pt-PT" dirty="0"/>
+              </a:p>
+            </p:txBody>
+          </p:sp>
+        </mc:Choice>
+        <mc:Fallback xmlns="">
+          <p:sp>
+            <p:nvSpPr>
+              <p:cNvPr id="206" name="Oval 205">
+                <a:extLst>
+                  <a:ext uri="{FF2B5EF4-FFF2-40B4-BE49-F238E27FC236}">
+                    <a16:creationId xmlns:a16="http://schemas.microsoft.com/office/drawing/2014/main" id="{9750E6F1-EA51-D54C-9C3A-80416E64558C}"/>
+                  </a:ext>
+                </a:extLst>
+              </p:cNvPr>
+              <p:cNvSpPr>
+                <a:spLocks noRot="1" noChangeAspect="1" noMove="1" noResize="1" noEditPoints="1" noAdjustHandles="1" noChangeArrowheads="1" noChangeShapeType="1" noTextEdit="1"/>
+              </p:cNvSpPr>
+              <p:nvPr/>
+            </p:nvSpPr>
+            <p:spPr>
+              <a:xfrm>
+                <a:off x="5410056" y="3366425"/>
+                <a:ext cx="591671" cy="519953"/>
+              </a:xfrm>
+              <a:prstGeom prst="ellipse">
+                <a:avLst/>
+              </a:prstGeom>
+              <a:blipFill>
+                <a:blip r:embed="rId12"/>
+                <a:stretch>
+                  <a:fillRect l="-10204"/>
+                </a:stretch>
+              </a:blipFill>
+              <a:ln>
+                <a:solidFill>
+                  <a:schemeClr val="accent1">
+                    <a:lumMod val="75000"/>
+                  </a:schemeClr>
+                </a:solidFill>
+              </a:ln>
+            </p:spPr>
+            <p:txBody>
+              <a:bodyPr/>
+              <a:lstStyle/>
+              <a:p>
+                <a:r>
+                  <a:rPr lang="en-US">
+                    <a:noFill/>
+                  </a:rPr>
+                  <a:t> </a:t>
+                </a:r>
+              </a:p>
+            </p:txBody>
+          </p:sp>
+        </mc:Fallback>
+      </mc:AlternateContent>
+      <p:sp>
+        <p:nvSpPr>
+          <p:cNvPr id="207" name="Oval 206">
+            <a:extLst>
+              <a:ext uri="{FF2B5EF4-FFF2-40B4-BE49-F238E27FC236}">
+                <a16:creationId xmlns:a16="http://schemas.microsoft.com/office/drawing/2014/main" id="{DFBFB273-C673-FD44-98AD-1A2AD0414647}"/>
+              </a:ext>
+            </a:extLst>
+          </p:cNvPr>
+          <p:cNvSpPr/>
+          <p:nvPr/>
+        </p:nvSpPr>
+        <p:spPr>
+          <a:xfrm>
+            <a:off x="5416634" y="718321"/>
+            <a:ext cx="591671" cy="519953"/>
+          </a:xfrm>
+          <a:prstGeom prst="ellipse">
+            <a:avLst/>
+          </a:prstGeom>
+          <a:ln>
+            <a:solidFill>
+              <a:schemeClr val="accent2"/>
+            </a:solidFill>
+          </a:ln>
+        </p:spPr>
+        <p:style>
+          <a:lnRef idx="2">
+            <a:schemeClr val="accent2">
+              <a:shade val="15000"/>
+            </a:schemeClr>
+          </a:lnRef>
+          <a:fillRef idx="1">
+            <a:schemeClr val="accent2"/>
+          </a:fillRef>
+          <a:effectRef idx="0">
+            <a:schemeClr val="accent2"/>
+          </a:effectRef>
+          <a:fontRef idx="minor">
+            <a:schemeClr val="lt1"/>
+          </a:fontRef>
+        </p:style>
+        <p:txBody>
+          <a:bodyPr rtlCol="0" anchor="ctr"/>
+          <a:lstStyle/>
+          <a:p>
+            <a:pPr algn="ctr"/>
+            <a:r>
+              <a:rPr lang="pt-PT" dirty="0"/>
+              <a:t>1</a:t>
+            </a:r>
+          </a:p>
+        </p:txBody>
+      </p:sp>
+      <mc:AlternateContent xmlns:mc="http://schemas.openxmlformats.org/markup-compatibility/2006" xmlns:a14="http://schemas.microsoft.com/office/drawing/2010/main">
+        <mc:Choice Requires="a14">
+          <p:sp>
+            <p:nvSpPr>
+              <p:cNvPr id="208" name="Oval 207">
+                <a:extLst>
+                  <a:ext uri="{FF2B5EF4-FFF2-40B4-BE49-F238E27FC236}">
+                    <a16:creationId xmlns:a16="http://schemas.microsoft.com/office/drawing/2014/main" id="{B03B6C5E-7876-E141-8D4B-1B748BF06B55}"/>
+                  </a:ext>
+                </a:extLst>
+              </p:cNvPr>
+              <p:cNvSpPr/>
+              <p:nvPr/>
+            </p:nvSpPr>
+            <p:spPr>
+              <a:xfrm>
+                <a:off x="7343206" y="2797090"/>
+                <a:ext cx="596162" cy="519953"/>
+              </a:xfrm>
+              <a:prstGeom prst="ellipse">
+                <a:avLst/>
+              </a:prstGeom>
+              <a:solidFill>
+                <a:schemeClr val="accent6">
+                  <a:lumMod val="60000"/>
+                  <a:lumOff val="40000"/>
+                </a:schemeClr>
+              </a:solidFill>
+              <a:ln>
+                <a:solidFill>
+                  <a:schemeClr val="accent6">
+                    <a:lumMod val="40000"/>
+                    <a:lumOff val="60000"/>
+                  </a:schemeClr>
+                </a:solidFill>
+              </a:ln>
+            </p:spPr>
+            <p:style>
+              <a:lnRef idx="2">
+                <a:schemeClr val="accent1">
+                  <a:shade val="15000"/>
+                </a:schemeClr>
+              </a:lnRef>
+              <a:fillRef idx="1">
+                <a:schemeClr val="accent1"/>
+              </a:fillRef>
+              <a:effectRef idx="0">
+                <a:schemeClr val="accent1"/>
+              </a:effectRef>
+              <a:fontRef idx="minor">
+                <a:schemeClr val="lt1"/>
+              </a:fontRef>
+            </p:style>
+            <p:txBody>
+              <a:bodyPr rtlCol="0" anchor="ctr"/>
+              <a:lstStyle/>
+              <a:p>
+                <a:pPr algn="ctr"/>
+                <a14:m>
+                  <m:oMathPara xmlns:m="http://schemas.openxmlformats.org/officeDocument/2006/math">
+                    <m:oMathParaPr>
+                      <m:jc m:val="centerGroup"/>
+                    </m:oMathParaPr>
+                    <m:oMath xmlns:m="http://schemas.openxmlformats.org/officeDocument/2006/math">
+                      <m:sSubSup>
+                        <m:sSubSupPr>
+                          <m:ctrlPr>
+                            <a:rPr lang="pt-PT" i="1" smtClean="0">
+                              <a:latin typeface="Cambria Math" panose="02040503050406030204" pitchFamily="18" charset="0"/>
+                            </a:rPr>
+                          </m:ctrlPr>
+                        </m:sSubSupPr>
+                        <m:e>
+                          <m:r>
+                            <a:rPr lang="pt-PT" b="0" i="1" smtClean="0">
+                              <a:latin typeface="Cambria Math" panose="02040503050406030204" pitchFamily="18" charset="0"/>
+                            </a:rPr>
+                            <m:t>  </m:t>
+                          </m:r>
+                          <m:r>
+                            <a:rPr lang="pt-PT" b="0" i="1" smtClean="0">
+                              <a:latin typeface="Cambria Math" panose="02040503050406030204" pitchFamily="18" charset="0"/>
+                            </a:rPr>
+                            <m:t>𝑧</m:t>
+                          </m:r>
+                        </m:e>
+                        <m:sub>
+                          <m:r>
+                            <a:rPr lang="pt-PT" b="0" i="1" smtClean="0">
+                              <a:latin typeface="Cambria Math" panose="02040503050406030204" pitchFamily="18" charset="0"/>
+                            </a:rPr>
+                            <m:t>2</m:t>
+                          </m:r>
+                        </m:sub>
+                        <m:sup>
+                          <m:r>
+                            <a:rPr lang="pt-PT" b="0" i="1" smtClean="0">
+                              <a:latin typeface="Cambria Math" panose="02040503050406030204" pitchFamily="18" charset="0"/>
+                            </a:rPr>
+                            <m:t>[3]</m:t>
+                          </m:r>
+                        </m:sup>
+                      </m:sSubSup>
+                    </m:oMath>
+                  </m:oMathPara>
+                </a14:m>
+                <a:endParaRPr lang="pt-PT" dirty="0"/>
+              </a:p>
+            </p:txBody>
+          </p:sp>
+        </mc:Choice>
+        <mc:Fallback xmlns="">
+          <p:sp>
+            <p:nvSpPr>
+              <p:cNvPr id="208" name="Oval 207">
+                <a:extLst>
+                  <a:ext uri="{FF2B5EF4-FFF2-40B4-BE49-F238E27FC236}">
+                    <a16:creationId xmlns:a16="http://schemas.microsoft.com/office/drawing/2014/main" id="{B03B6C5E-7876-E141-8D4B-1B748BF06B55}"/>
+                  </a:ext>
+                </a:extLst>
+              </p:cNvPr>
+              <p:cNvSpPr>
+                <a:spLocks noRot="1" noChangeAspect="1" noMove="1" noResize="1" noEditPoints="1" noAdjustHandles="1" noChangeArrowheads="1" noChangeShapeType="1" noTextEdit="1"/>
+              </p:cNvSpPr>
+              <p:nvPr/>
+            </p:nvSpPr>
+            <p:spPr>
+              <a:xfrm>
+                <a:off x="7343206" y="2797090"/>
+                <a:ext cx="596162" cy="519953"/>
+              </a:xfrm>
+              <a:prstGeom prst="ellipse">
+                <a:avLst/>
+              </a:prstGeom>
+              <a:blipFill>
+                <a:blip r:embed="rId13"/>
+                <a:stretch>
+                  <a:fillRect l="-10204"/>
+                </a:stretch>
+              </a:blipFill>
+              <a:ln>
+                <a:solidFill>
+                  <a:schemeClr val="accent6">
+                    <a:lumMod val="40000"/>
+                    <a:lumOff val="60000"/>
+                  </a:schemeClr>
+                </a:solidFill>
+              </a:ln>
+            </p:spPr>
+            <p:txBody>
+              <a:bodyPr/>
+              <a:lstStyle/>
+              <a:p>
+                <a:r>
+                  <a:rPr lang="en-US">
+                    <a:noFill/>
+                  </a:rPr>
+                  <a:t> </a:t>
+                </a:r>
+              </a:p>
+            </p:txBody>
+          </p:sp>
+        </mc:Fallback>
+      </mc:AlternateContent>
+      <mc:AlternateContent xmlns:mc="http://schemas.openxmlformats.org/markup-compatibility/2006" xmlns:a14="http://schemas.microsoft.com/office/drawing/2010/main">
+        <mc:Choice Requires="a14">
+          <p:sp>
+            <p:nvSpPr>
+              <p:cNvPr id="209" name="Oval 208">
+                <a:extLst>
+                  <a:ext uri="{FF2B5EF4-FFF2-40B4-BE49-F238E27FC236}">
+                    <a16:creationId xmlns:a16="http://schemas.microsoft.com/office/drawing/2014/main" id="{E263BF07-36BE-1947-B571-A2E381285093}"/>
+                  </a:ext>
+                </a:extLst>
+              </p:cNvPr>
+              <p:cNvSpPr/>
+              <p:nvPr/>
+            </p:nvSpPr>
+            <p:spPr>
+              <a:xfrm>
+                <a:off x="7343206" y="4215941"/>
+                <a:ext cx="596162" cy="519953"/>
+              </a:xfrm>
+              <a:prstGeom prst="ellipse">
+                <a:avLst/>
+              </a:prstGeom>
+              <a:solidFill>
+                <a:schemeClr val="accent6">
+                  <a:lumMod val="60000"/>
+                  <a:lumOff val="40000"/>
+                </a:schemeClr>
+              </a:solidFill>
+              <a:ln>
+                <a:solidFill>
+                  <a:schemeClr val="accent6">
+                    <a:lumMod val="40000"/>
+                    <a:lumOff val="60000"/>
+                  </a:schemeClr>
+                </a:solidFill>
+              </a:ln>
+            </p:spPr>
+            <p:style>
+              <a:lnRef idx="2">
+                <a:schemeClr val="accent1">
+                  <a:shade val="15000"/>
+                </a:schemeClr>
+              </a:lnRef>
+              <a:fillRef idx="1">
+                <a:schemeClr val="accent1"/>
+              </a:fillRef>
+              <a:effectRef idx="0">
+                <a:schemeClr val="accent1"/>
+              </a:effectRef>
+              <a:fontRef idx="minor">
+                <a:schemeClr val="lt1"/>
+              </a:fontRef>
+            </p:style>
+            <p:txBody>
+              <a:bodyPr rtlCol="0" anchor="ctr"/>
+              <a:lstStyle/>
+              <a:p>
+                <a:pPr algn="ctr"/>
+                <a14:m>
+                  <m:oMathPara xmlns:m="http://schemas.openxmlformats.org/officeDocument/2006/math">
+                    <m:oMathParaPr>
+                      <m:jc m:val="centerGroup"/>
+                    </m:oMathParaPr>
+                    <m:oMath xmlns:m="http://schemas.openxmlformats.org/officeDocument/2006/math">
+                      <m:sSubSup>
+                        <m:sSubSupPr>
+                          <m:ctrlPr>
+                            <a:rPr lang="pt-PT" i="1" smtClean="0">
+                              <a:latin typeface="Cambria Math" panose="02040503050406030204" pitchFamily="18" charset="0"/>
+                            </a:rPr>
+                          </m:ctrlPr>
+                        </m:sSubSupPr>
+                        <m:e>
+                          <m:r>
+                            <a:rPr lang="pt-PT" b="0" i="1" smtClean="0">
+                              <a:latin typeface="Cambria Math" panose="02040503050406030204" pitchFamily="18" charset="0"/>
+                            </a:rPr>
+                            <m:t>  </m:t>
+                          </m:r>
+                          <m:r>
+                            <a:rPr lang="pt-PT" b="0" i="1" smtClean="0">
+                              <a:latin typeface="Cambria Math" panose="02040503050406030204" pitchFamily="18" charset="0"/>
+                            </a:rPr>
+                            <m:t>𝑧</m:t>
+                          </m:r>
+                        </m:e>
+                        <m:sub>
+                          <m:r>
+                            <a:rPr lang="pt-PT" b="0" i="1" smtClean="0">
+                              <a:latin typeface="Cambria Math" panose="02040503050406030204" pitchFamily="18" charset="0"/>
+                            </a:rPr>
+                            <m:t>3</m:t>
+                          </m:r>
+                        </m:sub>
+                        <m:sup>
+                          <m:r>
+                            <a:rPr lang="pt-PT" b="0" i="1" smtClean="0">
+                              <a:latin typeface="Cambria Math" panose="02040503050406030204" pitchFamily="18" charset="0"/>
+                            </a:rPr>
+                            <m:t>[3]</m:t>
+                          </m:r>
+                        </m:sup>
+                      </m:sSubSup>
+                    </m:oMath>
+                  </m:oMathPara>
+                </a14:m>
+                <a:endParaRPr lang="pt-PT" dirty="0"/>
+              </a:p>
+            </p:txBody>
+          </p:sp>
+        </mc:Choice>
+        <mc:Fallback xmlns="">
+          <p:sp>
+            <p:nvSpPr>
+              <p:cNvPr id="209" name="Oval 208">
+                <a:extLst>
+                  <a:ext uri="{FF2B5EF4-FFF2-40B4-BE49-F238E27FC236}">
+                    <a16:creationId xmlns:a16="http://schemas.microsoft.com/office/drawing/2014/main" id="{E263BF07-36BE-1947-B571-A2E381285093}"/>
+                  </a:ext>
+                </a:extLst>
+              </p:cNvPr>
+              <p:cNvSpPr>
+                <a:spLocks noRot="1" noChangeAspect="1" noMove="1" noResize="1" noEditPoints="1" noAdjustHandles="1" noChangeArrowheads="1" noChangeShapeType="1" noTextEdit="1"/>
+              </p:cNvSpPr>
+              <p:nvPr/>
+            </p:nvSpPr>
+            <p:spPr>
+              <a:xfrm>
+                <a:off x="7343206" y="4215941"/>
+                <a:ext cx="596162" cy="519953"/>
+              </a:xfrm>
+              <a:prstGeom prst="ellipse">
+                <a:avLst/>
+              </a:prstGeom>
+              <a:blipFill>
+                <a:blip r:embed="rId14"/>
+                <a:stretch>
+                  <a:fillRect l="-10204"/>
+                </a:stretch>
+              </a:blipFill>
+              <a:ln>
+                <a:solidFill>
+                  <a:schemeClr val="accent6">
+                    <a:lumMod val="40000"/>
+                    <a:lumOff val="60000"/>
+                  </a:schemeClr>
+                </a:solidFill>
+              </a:ln>
+            </p:spPr>
+            <p:txBody>
+              <a:bodyPr/>
+              <a:lstStyle/>
+              <a:p>
+                <a:r>
+                  <a:rPr lang="en-US">
+                    <a:noFill/>
+                  </a:rPr>
+                  <a:t> </a:t>
+                </a:r>
+              </a:p>
+            </p:txBody>
+          </p:sp>
+        </mc:Fallback>
+      </mc:AlternateContent>
+      <p:sp>
+        <p:nvSpPr>
+          <p:cNvPr id="155" name="Oval 154">
+            <a:extLst>
+              <a:ext uri="{FF2B5EF4-FFF2-40B4-BE49-F238E27FC236}">
+                <a16:creationId xmlns:a16="http://schemas.microsoft.com/office/drawing/2014/main" id="{25776CA6-4B62-0A4E-AAD3-64F3195EA5C4}"/>
+              </a:ext>
+            </a:extLst>
+          </p:cNvPr>
+          <p:cNvSpPr/>
+          <p:nvPr/>
+        </p:nvSpPr>
+        <p:spPr>
+          <a:xfrm>
+            <a:off x="3998893" y="1938530"/>
+            <a:ext cx="153533" cy="150471"/>
+          </a:xfrm>
+          <a:prstGeom prst="ellipse">
+            <a:avLst/>
+          </a:prstGeom>
+          <a:solidFill>
+            <a:schemeClr val="accent1">
+              <a:lumMod val="75000"/>
+            </a:schemeClr>
+          </a:solidFill>
+          <a:ln>
+            <a:solidFill>
+              <a:schemeClr val="bg1"/>
+            </a:solidFill>
+          </a:ln>
+        </p:spPr>
+        <p:style>
+          <a:lnRef idx="2">
+            <a:schemeClr val="accent1">
+              <a:shade val="50000"/>
+            </a:schemeClr>
+          </a:lnRef>
+          <a:fillRef idx="1">
+            <a:schemeClr val="accent1"/>
+          </a:fillRef>
+          <a:effectRef idx="0">
+            <a:schemeClr val="accent1"/>
+          </a:effectRef>
+          <a:fontRef idx="minor">
+            <a:schemeClr val="lt1"/>
+          </a:fontRef>
+        </p:style>
+        <p:txBody>
+          <a:bodyPr rtlCol="0" anchor="ctr"/>
+          <a:lstStyle/>
+          <a:p>
+            <a:pPr algn="ctr"/>
+            <a:endParaRPr lang="en-US"/>
+          </a:p>
+        </p:txBody>
+      </p:sp>
+      <p:sp>
+        <p:nvSpPr>
+          <p:cNvPr id="213" name="Oval 212">
+            <a:extLst>
+              <a:ext uri="{FF2B5EF4-FFF2-40B4-BE49-F238E27FC236}">
+                <a16:creationId xmlns:a16="http://schemas.microsoft.com/office/drawing/2014/main" id="{34485441-BC93-EB40-BEA3-8FF7C0FBD866}"/>
+              </a:ext>
+            </a:extLst>
+          </p:cNvPr>
+          <p:cNvSpPr/>
+          <p:nvPr/>
+        </p:nvSpPr>
+        <p:spPr>
+          <a:xfrm>
+            <a:off x="3998893" y="3031672"/>
+            <a:ext cx="153533" cy="150471"/>
+          </a:xfrm>
+          <a:prstGeom prst="ellipse">
+            <a:avLst/>
+          </a:prstGeom>
+          <a:solidFill>
+            <a:schemeClr val="accent1">
+              <a:lumMod val="75000"/>
+            </a:schemeClr>
+          </a:solidFill>
+          <a:ln>
+            <a:solidFill>
+              <a:schemeClr val="bg1"/>
+            </a:solidFill>
+          </a:ln>
+        </p:spPr>
+        <p:style>
+          <a:lnRef idx="2">
+            <a:schemeClr val="accent1">
+              <a:shade val="50000"/>
+            </a:schemeClr>
+          </a:lnRef>
+          <a:fillRef idx="1">
+            <a:schemeClr val="accent1"/>
+          </a:fillRef>
+          <a:effectRef idx="0">
+            <a:schemeClr val="accent1"/>
+          </a:effectRef>
+          <a:fontRef idx="minor">
+            <a:schemeClr val="lt1"/>
+          </a:fontRef>
+        </p:style>
+        <p:txBody>
+          <a:bodyPr rtlCol="0" anchor="ctr"/>
+          <a:lstStyle/>
+          <a:p>
+            <a:pPr algn="ctr"/>
+            <a:endParaRPr lang="en-US"/>
+          </a:p>
+        </p:txBody>
+      </p:sp>
+      <p:sp>
+        <p:nvSpPr>
+          <p:cNvPr id="215" name="Oval 214">
+            <a:extLst>
+              <a:ext uri="{FF2B5EF4-FFF2-40B4-BE49-F238E27FC236}">
+                <a16:creationId xmlns:a16="http://schemas.microsoft.com/office/drawing/2014/main" id="{A8825BDB-8965-C44F-B4D9-83E07EE57B71}"/>
+              </a:ext>
+            </a:extLst>
+          </p:cNvPr>
+          <p:cNvSpPr/>
+          <p:nvPr/>
+        </p:nvSpPr>
+        <p:spPr>
+          <a:xfrm>
+            <a:off x="3998893" y="4128357"/>
+            <a:ext cx="153533" cy="150471"/>
+          </a:xfrm>
+          <a:prstGeom prst="ellipse">
+            <a:avLst/>
+          </a:prstGeom>
+          <a:solidFill>
+            <a:schemeClr val="accent1">
+              <a:lumMod val="75000"/>
+            </a:schemeClr>
+          </a:solidFill>
+          <a:ln>
+            <a:solidFill>
+              <a:schemeClr val="bg1"/>
+            </a:solidFill>
+          </a:ln>
+        </p:spPr>
+        <p:style>
+          <a:lnRef idx="2">
+            <a:schemeClr val="accent1">
+              <a:shade val="50000"/>
+            </a:schemeClr>
+          </a:lnRef>
+          <a:fillRef idx="1">
+            <a:schemeClr val="accent1"/>
+          </a:fillRef>
+          <a:effectRef idx="0">
+            <a:schemeClr val="accent1"/>
+          </a:effectRef>
+          <a:fontRef idx="minor">
+            <a:schemeClr val="lt1"/>
+          </a:fontRef>
+        </p:style>
+        <p:txBody>
+          <a:bodyPr rtlCol="0" anchor="ctr"/>
+          <a:lstStyle/>
+          <a:p>
+            <a:pPr algn="ctr"/>
+            <a:endParaRPr lang="en-US"/>
+          </a:p>
+        </p:txBody>
+      </p:sp>
+      <p:sp>
+        <p:nvSpPr>
+          <p:cNvPr id="217" name="Oval 216">
+            <a:extLst>
+              <a:ext uri="{FF2B5EF4-FFF2-40B4-BE49-F238E27FC236}">
+                <a16:creationId xmlns:a16="http://schemas.microsoft.com/office/drawing/2014/main" id="{ABB4DA8C-B6EE-B344-98CA-8C76D2E03A00}"/>
+              </a:ext>
+            </a:extLst>
+          </p:cNvPr>
+          <p:cNvSpPr/>
+          <p:nvPr/>
+        </p:nvSpPr>
+        <p:spPr>
+          <a:xfrm>
+            <a:off x="5922753" y="2252115"/>
+            <a:ext cx="153533" cy="150471"/>
+          </a:xfrm>
+          <a:prstGeom prst="ellipse">
+            <a:avLst/>
+          </a:prstGeom>
+          <a:solidFill>
+            <a:schemeClr val="accent1">
+              <a:lumMod val="75000"/>
+            </a:schemeClr>
+          </a:solidFill>
+          <a:ln>
+            <a:solidFill>
+              <a:schemeClr val="bg1"/>
+            </a:solidFill>
+          </a:ln>
+        </p:spPr>
+        <p:style>
+          <a:lnRef idx="2">
+            <a:schemeClr val="accent1">
+              <a:shade val="50000"/>
+            </a:schemeClr>
+          </a:lnRef>
+          <a:fillRef idx="1">
+            <a:schemeClr val="accent1"/>
+          </a:fillRef>
+          <a:effectRef idx="0">
+            <a:schemeClr val="accent1"/>
+          </a:effectRef>
+          <a:fontRef idx="minor">
+            <a:schemeClr val="lt1"/>
+          </a:fontRef>
+        </p:style>
+        <p:txBody>
+          <a:bodyPr rtlCol="0" anchor="ctr"/>
+          <a:lstStyle/>
+          <a:p>
+            <a:pPr algn="ctr"/>
+            <a:endParaRPr lang="en-US"/>
+          </a:p>
+        </p:txBody>
+      </p:sp>
+      <p:sp>
+        <p:nvSpPr>
+          <p:cNvPr id="219" name="Oval 218">
+            <a:extLst>
+              <a:ext uri="{FF2B5EF4-FFF2-40B4-BE49-F238E27FC236}">
+                <a16:creationId xmlns:a16="http://schemas.microsoft.com/office/drawing/2014/main" id="{82A23B9A-978E-1449-93F2-A251D7331A18}"/>
+              </a:ext>
+            </a:extLst>
+          </p:cNvPr>
+          <p:cNvSpPr/>
+          <p:nvPr/>
+        </p:nvSpPr>
+        <p:spPr>
+          <a:xfrm>
+            <a:off x="5924960" y="3573301"/>
+            <a:ext cx="153533" cy="150471"/>
+          </a:xfrm>
+          <a:prstGeom prst="ellipse">
+            <a:avLst/>
+          </a:prstGeom>
+          <a:solidFill>
+            <a:schemeClr val="accent1">
+              <a:lumMod val="75000"/>
+            </a:schemeClr>
+          </a:solidFill>
+          <a:ln>
+            <a:solidFill>
+              <a:schemeClr val="bg1"/>
+            </a:solidFill>
+          </a:ln>
+        </p:spPr>
+        <p:style>
+          <a:lnRef idx="2">
+            <a:schemeClr val="accent1">
+              <a:shade val="50000"/>
+            </a:schemeClr>
+          </a:lnRef>
+          <a:fillRef idx="1">
+            <a:schemeClr val="accent1"/>
+          </a:fillRef>
+          <a:effectRef idx="0">
+            <a:schemeClr val="accent1"/>
+          </a:effectRef>
+          <a:fontRef idx="minor">
+            <a:schemeClr val="lt1"/>
+          </a:fontRef>
+        </p:style>
+        <p:txBody>
+          <a:bodyPr rtlCol="0" anchor="ctr"/>
+          <a:lstStyle/>
+          <a:p>
+            <a:pPr algn="ctr"/>
+            <a:endParaRPr lang="en-US"/>
+          </a:p>
+        </p:txBody>
+      </p:sp>
+      <p:sp>
+        <p:nvSpPr>
+          <p:cNvPr id="222" name="Oval 221">
+            <a:extLst>
+              <a:ext uri="{FF2B5EF4-FFF2-40B4-BE49-F238E27FC236}">
+                <a16:creationId xmlns:a16="http://schemas.microsoft.com/office/drawing/2014/main" id="{E2FF9244-E623-4546-AC3C-C0B7515F90AE}"/>
+              </a:ext>
+            </a:extLst>
+          </p:cNvPr>
+          <p:cNvSpPr/>
+          <p:nvPr/>
+        </p:nvSpPr>
+        <p:spPr>
+          <a:xfrm>
+            <a:off x="7873689" y="1526029"/>
+            <a:ext cx="153533" cy="150471"/>
+          </a:xfrm>
+          <a:prstGeom prst="ellipse">
+            <a:avLst/>
+          </a:prstGeom>
+          <a:solidFill>
+            <a:schemeClr val="accent6">
+              <a:lumMod val="60000"/>
+              <a:lumOff val="40000"/>
+            </a:schemeClr>
+          </a:solidFill>
+          <a:ln>
+            <a:solidFill>
+              <a:schemeClr val="bg1"/>
+            </a:solidFill>
+          </a:ln>
+        </p:spPr>
+        <p:style>
+          <a:lnRef idx="2">
+            <a:schemeClr val="accent1">
+              <a:shade val="50000"/>
+            </a:schemeClr>
+          </a:lnRef>
+          <a:fillRef idx="1">
+            <a:schemeClr val="accent1"/>
+          </a:fillRef>
+          <a:effectRef idx="0">
+            <a:schemeClr val="accent1"/>
+          </a:effectRef>
+          <a:fontRef idx="minor">
+            <a:schemeClr val="lt1"/>
+          </a:fontRef>
+        </p:style>
+        <p:txBody>
+          <a:bodyPr rtlCol="0" anchor="ctr"/>
+          <a:lstStyle/>
+          <a:p>
+            <a:pPr algn="ctr"/>
+            <a:endParaRPr lang="en-US"/>
+          </a:p>
+        </p:txBody>
+      </p:sp>
+      <p:sp>
+        <p:nvSpPr>
+          <p:cNvPr id="225" name="Oval 224">
+            <a:extLst>
+              <a:ext uri="{FF2B5EF4-FFF2-40B4-BE49-F238E27FC236}">
+                <a16:creationId xmlns:a16="http://schemas.microsoft.com/office/drawing/2014/main" id="{5D9A5164-8663-B74A-A8CF-99E6A1FEF40A}"/>
+              </a:ext>
+            </a:extLst>
+          </p:cNvPr>
+          <p:cNvSpPr/>
+          <p:nvPr/>
+        </p:nvSpPr>
+        <p:spPr>
+          <a:xfrm>
+            <a:off x="7873689" y="3002451"/>
+            <a:ext cx="153533" cy="150471"/>
+          </a:xfrm>
+          <a:prstGeom prst="ellipse">
+            <a:avLst/>
+          </a:prstGeom>
+          <a:solidFill>
+            <a:schemeClr val="accent6">
+              <a:lumMod val="60000"/>
+              <a:lumOff val="40000"/>
+            </a:schemeClr>
+          </a:solidFill>
+          <a:ln>
+            <a:solidFill>
+              <a:schemeClr val="bg1"/>
+            </a:solidFill>
+          </a:ln>
+        </p:spPr>
+        <p:style>
+          <a:lnRef idx="2">
+            <a:schemeClr val="accent1">
+              <a:shade val="50000"/>
+            </a:schemeClr>
+          </a:lnRef>
+          <a:fillRef idx="1">
+            <a:schemeClr val="accent1"/>
+          </a:fillRef>
+          <a:effectRef idx="0">
+            <a:schemeClr val="accent1"/>
+          </a:effectRef>
+          <a:fontRef idx="minor">
+            <a:schemeClr val="lt1"/>
+          </a:fontRef>
+        </p:style>
+        <p:txBody>
+          <a:bodyPr rtlCol="0" anchor="ctr"/>
+          <a:lstStyle/>
+          <a:p>
+            <a:pPr algn="ctr"/>
+            <a:endParaRPr lang="en-US"/>
+          </a:p>
+        </p:txBody>
+      </p:sp>
+      <p:sp>
+        <p:nvSpPr>
+          <p:cNvPr id="229" name="Oval 228">
+            <a:extLst>
+              <a:ext uri="{FF2B5EF4-FFF2-40B4-BE49-F238E27FC236}">
+                <a16:creationId xmlns:a16="http://schemas.microsoft.com/office/drawing/2014/main" id="{E24F67A9-976B-D041-9819-BDCB2FB68E37}"/>
+              </a:ext>
+            </a:extLst>
+          </p:cNvPr>
+          <p:cNvSpPr/>
+          <p:nvPr/>
+        </p:nvSpPr>
+        <p:spPr>
+          <a:xfrm>
+            <a:off x="7869645" y="4422694"/>
+            <a:ext cx="153533" cy="150471"/>
+          </a:xfrm>
+          <a:prstGeom prst="ellipse">
+            <a:avLst/>
+          </a:prstGeom>
+          <a:solidFill>
+            <a:schemeClr val="accent6">
+              <a:lumMod val="60000"/>
+              <a:lumOff val="40000"/>
+            </a:schemeClr>
+          </a:solidFill>
+          <a:ln>
+            <a:solidFill>
+              <a:schemeClr val="bg1"/>
+            </a:solidFill>
+          </a:ln>
+        </p:spPr>
+        <p:style>
+          <a:lnRef idx="2">
+            <a:schemeClr val="accent1">
+              <a:shade val="50000"/>
+            </a:schemeClr>
+          </a:lnRef>
+          <a:fillRef idx="1">
+            <a:schemeClr val="accent1"/>
+          </a:fillRef>
+          <a:effectRef idx="0">
+            <a:schemeClr val="accent1"/>
+          </a:effectRef>
+          <a:fontRef idx="minor">
+            <a:schemeClr val="lt1"/>
+          </a:fontRef>
+        </p:style>
+        <p:txBody>
+          <a:bodyPr rtlCol="0" anchor="ctr"/>
+          <a:lstStyle/>
+          <a:p>
+            <a:pPr algn="ctr"/>
+            <a:endParaRPr lang="en-US"/>
+          </a:p>
+        </p:txBody>
+      </p:sp>
+      <p:cxnSp>
+        <p:nvCxnSpPr>
+          <p:cNvPr id="158" name="Straight Arrow Connector 157">
+            <a:extLst>
+              <a:ext uri="{FF2B5EF4-FFF2-40B4-BE49-F238E27FC236}">
+                <a16:creationId xmlns:a16="http://schemas.microsoft.com/office/drawing/2014/main" id="{D50E8A32-3361-B947-B905-2CFB6FBDF4CA}"/>
               </a:ext>
             </a:extLst>
           </p:cNvPr>
@@ -6592,16 +7473,19 @@
           <p:nvPr/>
         </p:nvCxnSpPr>
         <p:spPr>
-          <a:xfrm>
-            <a:off x="8472664" y="3825568"/>
-            <a:ext cx="543560" cy="2299"/>
+          <a:xfrm flipV="1">
+            <a:off x="8023178" y="1606095"/>
+            <a:ext cx="786288" cy="1"/>
           </a:xfrm>
           <a:prstGeom prst="straightConnector1">
             <a:avLst/>
           </a:prstGeom>
-          <a:ln>
+          <a:ln w="15875">
             <a:solidFill>
-              <a:schemeClr val="tx1"/>
+              <a:schemeClr val="accent6">
+                <a:lumMod val="60000"/>
+                <a:lumOff val="40000"/>
+              </a:schemeClr>
             </a:solidFill>
             <a:tailEnd type="triangle"/>
           </a:ln>
@@ -6621,40 +7505,1273 @@
           </a:fontRef>
         </p:style>
       </p:cxnSp>
+      <p:cxnSp>
+        <p:nvCxnSpPr>
+          <p:cNvPr id="230" name="Straight Arrow Connector 229">
+            <a:extLst>
+              <a:ext uri="{FF2B5EF4-FFF2-40B4-BE49-F238E27FC236}">
+                <a16:creationId xmlns:a16="http://schemas.microsoft.com/office/drawing/2014/main" id="{2BEF7D54-0FE4-004E-8508-D1C66517D538}"/>
+              </a:ext>
+            </a:extLst>
+          </p:cNvPr>
+          <p:cNvCxnSpPr>
+            <a:cxnSpLocks/>
+          </p:cNvCxnSpPr>
+          <p:nvPr/>
+        </p:nvCxnSpPr>
+        <p:spPr>
+          <a:xfrm flipV="1">
+            <a:off x="8023178" y="3085464"/>
+            <a:ext cx="786288" cy="1"/>
+          </a:xfrm>
+          <a:prstGeom prst="straightConnector1">
+            <a:avLst/>
+          </a:prstGeom>
+          <a:ln w="15875">
+            <a:solidFill>
+              <a:schemeClr val="accent6">
+                <a:lumMod val="60000"/>
+                <a:lumOff val="40000"/>
+              </a:schemeClr>
+            </a:solidFill>
+            <a:tailEnd type="triangle"/>
+          </a:ln>
+        </p:spPr>
+        <p:style>
+          <a:lnRef idx="1">
+            <a:schemeClr val="accent1"/>
+          </a:lnRef>
+          <a:fillRef idx="0">
+            <a:schemeClr val="accent1"/>
+          </a:fillRef>
+          <a:effectRef idx="0">
+            <a:schemeClr val="accent1"/>
+          </a:effectRef>
+          <a:fontRef idx="minor">
+            <a:schemeClr val="tx1"/>
+          </a:fontRef>
+        </p:style>
+      </p:cxnSp>
+      <p:cxnSp>
+        <p:nvCxnSpPr>
+          <p:cNvPr id="231" name="Straight Arrow Connector 230">
+            <a:extLst>
+              <a:ext uri="{FF2B5EF4-FFF2-40B4-BE49-F238E27FC236}">
+                <a16:creationId xmlns:a16="http://schemas.microsoft.com/office/drawing/2014/main" id="{E7A2C686-4694-F046-B0D9-ABBACFBE9588}"/>
+              </a:ext>
+            </a:extLst>
+          </p:cNvPr>
+          <p:cNvCxnSpPr>
+            <a:cxnSpLocks/>
+          </p:cNvCxnSpPr>
+          <p:nvPr/>
+        </p:nvCxnSpPr>
+        <p:spPr>
+          <a:xfrm flipV="1">
+            <a:off x="8023178" y="4510095"/>
+            <a:ext cx="786288" cy="1"/>
+          </a:xfrm>
+          <a:prstGeom prst="straightConnector1">
+            <a:avLst/>
+          </a:prstGeom>
+          <a:ln w="15875">
+            <a:solidFill>
+              <a:schemeClr val="accent6">
+                <a:lumMod val="60000"/>
+                <a:lumOff val="40000"/>
+              </a:schemeClr>
+            </a:solidFill>
+            <a:tailEnd type="triangle"/>
+          </a:ln>
+        </p:spPr>
+        <p:style>
+          <a:lnRef idx="1">
+            <a:schemeClr val="accent1"/>
+          </a:lnRef>
+          <a:fillRef idx="0">
+            <a:schemeClr val="accent1"/>
+          </a:fillRef>
+          <a:effectRef idx="0">
+            <a:schemeClr val="accent1"/>
+          </a:effectRef>
+          <a:fontRef idx="minor">
+            <a:schemeClr val="tx1"/>
+          </a:fontRef>
+        </p:style>
+      </p:cxnSp>
+      <mc:AlternateContent xmlns:mc="http://schemas.openxmlformats.org/markup-compatibility/2006" xmlns:a14="http://schemas.microsoft.com/office/drawing/2010/main">
+        <mc:Choice Requires="a14">
+          <p:sp>
+            <p:nvSpPr>
+              <p:cNvPr id="160" name="TextBox 159">
+                <a:extLst>
+                  <a:ext uri="{FF2B5EF4-FFF2-40B4-BE49-F238E27FC236}">
+                    <a16:creationId xmlns:a16="http://schemas.microsoft.com/office/drawing/2014/main" id="{E154DDA0-8325-7948-9AD8-83DAE8D85794}"/>
+                  </a:ext>
+                </a:extLst>
+              </p:cNvPr>
+              <p:cNvSpPr txBox="1"/>
+              <p:nvPr/>
+            </p:nvSpPr>
+            <p:spPr>
+              <a:xfrm>
+                <a:off x="8188471" y="1183899"/>
+                <a:ext cx="455701" cy="369332"/>
+              </a:xfrm>
+              <a:prstGeom prst="rect">
+                <a:avLst/>
+              </a:prstGeom>
+              <a:noFill/>
+            </p:spPr>
+            <p:txBody>
+              <a:bodyPr wrap="none" rtlCol="0">
+                <a:spAutoFit/>
+              </a:bodyPr>
+              <a:lstStyle/>
+              <a:p>
+                <a:pPr/>
+                <a14:m>
+                  <m:oMathPara xmlns:m="http://schemas.openxmlformats.org/officeDocument/2006/math">
+                    <m:oMathParaPr>
+                      <m:jc m:val="centerGroup"/>
+                    </m:oMathParaPr>
+                    <m:oMath xmlns:m="http://schemas.openxmlformats.org/officeDocument/2006/math">
+                      <m:sSub>
+                        <m:sSubPr>
+                          <m:ctrlPr>
+                            <a:rPr lang="en-US" i="1" smtClean="0">
+                              <a:latin typeface="Cambria Math" panose="02040503050406030204" pitchFamily="18" charset="0"/>
+                            </a:rPr>
+                          </m:ctrlPr>
+                        </m:sSubPr>
+                        <m:e>
+                          <m:r>
+                            <a:rPr lang="pt-PT" b="0" i="1" smtClean="0">
+                              <a:latin typeface="Cambria Math" panose="02040503050406030204" pitchFamily="18" charset="0"/>
+                            </a:rPr>
+                            <m:t>𝑜</m:t>
+                          </m:r>
+                        </m:e>
+                        <m:sub>
+                          <m:r>
+                            <a:rPr lang="pt-PT" b="0" i="1" smtClean="0">
+                              <a:latin typeface="Cambria Math" panose="02040503050406030204" pitchFamily="18" charset="0"/>
+                            </a:rPr>
+                            <m:t>1</m:t>
+                          </m:r>
+                        </m:sub>
+                      </m:sSub>
+                    </m:oMath>
+                  </m:oMathPara>
+                </a14:m>
+                <a:endParaRPr lang="en-US" dirty="0"/>
+              </a:p>
+            </p:txBody>
+          </p:sp>
+        </mc:Choice>
+        <mc:Fallback xmlns="">
+          <p:sp>
+            <p:nvSpPr>
+              <p:cNvPr id="160" name="TextBox 159">
+                <a:extLst>
+                  <a:ext uri="{FF2B5EF4-FFF2-40B4-BE49-F238E27FC236}">
+                    <a16:creationId xmlns:a16="http://schemas.microsoft.com/office/drawing/2014/main" id="{E154DDA0-8325-7948-9AD8-83DAE8D85794}"/>
+                  </a:ext>
+                </a:extLst>
+              </p:cNvPr>
+              <p:cNvSpPr txBox="1">
+                <a:spLocks noRot="1" noChangeAspect="1" noMove="1" noResize="1" noEditPoints="1" noAdjustHandles="1" noChangeArrowheads="1" noChangeShapeType="1" noTextEdit="1"/>
+              </p:cNvSpPr>
+              <p:nvPr/>
+            </p:nvSpPr>
+            <p:spPr>
+              <a:xfrm>
+                <a:off x="8188471" y="1183899"/>
+                <a:ext cx="455701" cy="369332"/>
+              </a:xfrm>
+              <a:prstGeom prst="rect">
+                <a:avLst/>
+              </a:prstGeom>
+              <a:blipFill>
+                <a:blip r:embed="rId15"/>
+                <a:stretch>
+                  <a:fillRect/>
+                </a:stretch>
+              </a:blipFill>
+            </p:spPr>
+            <p:txBody>
+              <a:bodyPr/>
+              <a:lstStyle/>
+              <a:p>
+                <a:r>
+                  <a:rPr lang="en-US">
+                    <a:noFill/>
+                  </a:rPr>
+                  <a:t> </a:t>
+                </a:r>
+              </a:p>
+            </p:txBody>
+          </p:sp>
+        </mc:Fallback>
+      </mc:AlternateContent>
+      <mc:AlternateContent xmlns:mc="http://schemas.openxmlformats.org/markup-compatibility/2006" xmlns:a14="http://schemas.microsoft.com/office/drawing/2010/main">
+        <mc:Choice Requires="a14">
+          <p:sp>
+            <p:nvSpPr>
+              <p:cNvPr id="232" name="TextBox 231">
+                <a:extLst>
+                  <a:ext uri="{FF2B5EF4-FFF2-40B4-BE49-F238E27FC236}">
+                    <a16:creationId xmlns:a16="http://schemas.microsoft.com/office/drawing/2014/main" id="{18B6B9C0-967B-7444-ADBC-7F48CFEB385C}"/>
+                  </a:ext>
+                </a:extLst>
+              </p:cNvPr>
+              <p:cNvSpPr txBox="1"/>
+              <p:nvPr/>
+            </p:nvSpPr>
+            <p:spPr>
+              <a:xfrm>
+                <a:off x="8190493" y="2660230"/>
+                <a:ext cx="455701" cy="369332"/>
+              </a:xfrm>
+              <a:prstGeom prst="rect">
+                <a:avLst/>
+              </a:prstGeom>
+              <a:noFill/>
+            </p:spPr>
+            <p:txBody>
+              <a:bodyPr wrap="none" rtlCol="0">
+                <a:spAutoFit/>
+              </a:bodyPr>
+              <a:lstStyle/>
+              <a:p>
+                <a:pPr/>
+                <a14:m>
+                  <m:oMathPara xmlns:m="http://schemas.openxmlformats.org/officeDocument/2006/math">
+                    <m:oMathParaPr>
+                      <m:jc m:val="centerGroup"/>
+                    </m:oMathParaPr>
+                    <m:oMath xmlns:m="http://schemas.openxmlformats.org/officeDocument/2006/math">
+                      <m:sSub>
+                        <m:sSubPr>
+                          <m:ctrlPr>
+                            <a:rPr lang="en-US" i="1" smtClean="0">
+                              <a:latin typeface="Cambria Math" panose="02040503050406030204" pitchFamily="18" charset="0"/>
+                            </a:rPr>
+                          </m:ctrlPr>
+                        </m:sSubPr>
+                        <m:e>
+                          <m:r>
+                            <a:rPr lang="pt-PT" b="0" i="1" smtClean="0">
+                              <a:latin typeface="Cambria Math" panose="02040503050406030204" pitchFamily="18" charset="0"/>
+                            </a:rPr>
+                            <m:t>𝑜</m:t>
+                          </m:r>
+                        </m:e>
+                        <m:sub>
+                          <m:r>
+                            <a:rPr lang="pt-PT" b="0" i="1" smtClean="0">
+                              <a:latin typeface="Cambria Math" panose="02040503050406030204" pitchFamily="18" charset="0"/>
+                            </a:rPr>
+                            <m:t>1</m:t>
+                          </m:r>
+                        </m:sub>
+                      </m:sSub>
+                    </m:oMath>
+                  </m:oMathPara>
+                </a14:m>
+                <a:endParaRPr lang="en-US" dirty="0"/>
+              </a:p>
+            </p:txBody>
+          </p:sp>
+        </mc:Choice>
+        <mc:Fallback xmlns="">
+          <p:sp>
+            <p:nvSpPr>
+              <p:cNvPr id="232" name="TextBox 231">
+                <a:extLst>
+                  <a:ext uri="{FF2B5EF4-FFF2-40B4-BE49-F238E27FC236}">
+                    <a16:creationId xmlns:a16="http://schemas.microsoft.com/office/drawing/2014/main" id="{18B6B9C0-967B-7444-ADBC-7F48CFEB385C}"/>
+                  </a:ext>
+                </a:extLst>
+              </p:cNvPr>
+              <p:cNvSpPr txBox="1">
+                <a:spLocks noRot="1" noChangeAspect="1" noMove="1" noResize="1" noEditPoints="1" noAdjustHandles="1" noChangeArrowheads="1" noChangeShapeType="1" noTextEdit="1"/>
+              </p:cNvSpPr>
+              <p:nvPr/>
+            </p:nvSpPr>
+            <p:spPr>
+              <a:xfrm>
+                <a:off x="8190493" y="2660230"/>
+                <a:ext cx="455701" cy="369332"/>
+              </a:xfrm>
+              <a:prstGeom prst="rect">
+                <a:avLst/>
+              </a:prstGeom>
+              <a:blipFill>
+                <a:blip r:embed="rId16"/>
+                <a:stretch>
+                  <a:fillRect/>
+                </a:stretch>
+              </a:blipFill>
+            </p:spPr>
+            <p:txBody>
+              <a:bodyPr/>
+              <a:lstStyle/>
+              <a:p>
+                <a:r>
+                  <a:rPr lang="en-US">
+                    <a:noFill/>
+                  </a:rPr>
+                  <a:t> </a:t>
+                </a:r>
+              </a:p>
+            </p:txBody>
+          </p:sp>
+        </mc:Fallback>
+      </mc:AlternateContent>
+      <mc:AlternateContent xmlns:mc="http://schemas.openxmlformats.org/markup-compatibility/2006" xmlns:a14="http://schemas.microsoft.com/office/drawing/2010/main">
+        <mc:Choice Requires="a14">
+          <p:sp>
+            <p:nvSpPr>
+              <p:cNvPr id="233" name="TextBox 232">
+                <a:extLst>
+                  <a:ext uri="{FF2B5EF4-FFF2-40B4-BE49-F238E27FC236}">
+                    <a16:creationId xmlns:a16="http://schemas.microsoft.com/office/drawing/2014/main" id="{7D7ACB99-DC8C-3841-AA60-626357B8C76D}"/>
+                  </a:ext>
+                </a:extLst>
+              </p:cNvPr>
+              <p:cNvSpPr txBox="1"/>
+              <p:nvPr/>
+            </p:nvSpPr>
+            <p:spPr>
+              <a:xfrm>
+                <a:off x="8188471" y="4053288"/>
+                <a:ext cx="455701" cy="369332"/>
+              </a:xfrm>
+              <a:prstGeom prst="rect">
+                <a:avLst/>
+              </a:prstGeom>
+              <a:noFill/>
+            </p:spPr>
+            <p:txBody>
+              <a:bodyPr wrap="none" rtlCol="0">
+                <a:spAutoFit/>
+              </a:bodyPr>
+              <a:lstStyle/>
+              <a:p>
+                <a:pPr/>
+                <a14:m>
+                  <m:oMathPara xmlns:m="http://schemas.openxmlformats.org/officeDocument/2006/math">
+                    <m:oMathParaPr>
+                      <m:jc m:val="centerGroup"/>
+                    </m:oMathParaPr>
+                    <m:oMath xmlns:m="http://schemas.openxmlformats.org/officeDocument/2006/math">
+                      <m:sSub>
+                        <m:sSubPr>
+                          <m:ctrlPr>
+                            <a:rPr lang="en-US" i="1" smtClean="0">
+                              <a:latin typeface="Cambria Math" panose="02040503050406030204" pitchFamily="18" charset="0"/>
+                            </a:rPr>
+                          </m:ctrlPr>
+                        </m:sSubPr>
+                        <m:e>
+                          <m:r>
+                            <a:rPr lang="pt-PT" b="0" i="1" smtClean="0">
+                              <a:latin typeface="Cambria Math" panose="02040503050406030204" pitchFamily="18" charset="0"/>
+                            </a:rPr>
+                            <m:t>𝑜</m:t>
+                          </m:r>
+                        </m:e>
+                        <m:sub>
+                          <m:r>
+                            <a:rPr lang="pt-PT" b="0" i="1" smtClean="0">
+                              <a:latin typeface="Cambria Math" panose="02040503050406030204" pitchFamily="18" charset="0"/>
+                            </a:rPr>
+                            <m:t>1</m:t>
+                          </m:r>
+                        </m:sub>
+                      </m:sSub>
+                    </m:oMath>
+                  </m:oMathPara>
+                </a14:m>
+                <a:endParaRPr lang="en-US" dirty="0"/>
+              </a:p>
+            </p:txBody>
+          </p:sp>
+        </mc:Choice>
+        <mc:Fallback xmlns="">
+          <p:sp>
+            <p:nvSpPr>
+              <p:cNvPr id="233" name="TextBox 232">
+                <a:extLst>
+                  <a:ext uri="{FF2B5EF4-FFF2-40B4-BE49-F238E27FC236}">
+                    <a16:creationId xmlns:a16="http://schemas.microsoft.com/office/drawing/2014/main" id="{7D7ACB99-DC8C-3841-AA60-626357B8C76D}"/>
+                  </a:ext>
+                </a:extLst>
+              </p:cNvPr>
+              <p:cNvSpPr txBox="1">
+                <a:spLocks noRot="1" noChangeAspect="1" noMove="1" noResize="1" noEditPoints="1" noAdjustHandles="1" noChangeArrowheads="1" noChangeShapeType="1" noTextEdit="1"/>
+              </p:cNvSpPr>
+              <p:nvPr/>
+            </p:nvSpPr>
+            <p:spPr>
+              <a:xfrm>
+                <a:off x="8188471" y="4053288"/>
+                <a:ext cx="455701" cy="369332"/>
+              </a:xfrm>
+              <a:prstGeom prst="rect">
+                <a:avLst/>
+              </a:prstGeom>
+              <a:blipFill>
+                <a:blip r:embed="rId15"/>
+                <a:stretch>
+                  <a:fillRect/>
+                </a:stretch>
+              </a:blipFill>
+            </p:spPr>
+            <p:txBody>
+              <a:bodyPr/>
+              <a:lstStyle/>
+              <a:p>
+                <a:r>
+                  <a:rPr lang="en-US">
+                    <a:noFill/>
+                  </a:rPr>
+                  <a:t> </a:t>
+                </a:r>
+              </a:p>
+            </p:txBody>
+          </p:sp>
+        </mc:Fallback>
+      </mc:AlternateContent>
+      <mc:AlternateContent xmlns:mc="http://schemas.openxmlformats.org/markup-compatibility/2006" xmlns:a14="http://schemas.microsoft.com/office/drawing/2010/main">
+        <mc:Choice Requires="a14">
+          <p:sp>
+            <p:nvSpPr>
+              <p:cNvPr id="161" name="TextBox 160">
+                <a:extLst>
+                  <a:ext uri="{FF2B5EF4-FFF2-40B4-BE49-F238E27FC236}">
+                    <a16:creationId xmlns:a16="http://schemas.microsoft.com/office/drawing/2014/main" id="{6BF3A070-4D8D-7D42-87FE-1939D2B2A55B}"/>
+                  </a:ext>
+                </a:extLst>
+              </p:cNvPr>
+              <p:cNvSpPr txBox="1"/>
+              <p:nvPr/>
+            </p:nvSpPr>
+            <p:spPr>
+              <a:xfrm>
+                <a:off x="1537019" y="5323053"/>
+                <a:ext cx="6495595" cy="477438"/>
+              </a:xfrm>
+              <a:prstGeom prst="rect">
+                <a:avLst/>
+              </a:prstGeom>
+              <a:noFill/>
+            </p:spPr>
+            <p:txBody>
+              <a:bodyPr wrap="square" rtlCol="0">
+                <a:spAutoFit/>
+              </a:bodyPr>
+              <a:lstStyle/>
+              <a:p>
+                <a:pPr/>
+                <a14:m>
+                  <m:oMathPara xmlns:m="http://schemas.openxmlformats.org/officeDocument/2006/math">
+                    <m:oMathParaPr>
+                      <m:jc m:val="left"/>
+                    </m:oMathParaPr>
+                    <m:oMath xmlns:m="http://schemas.openxmlformats.org/officeDocument/2006/math">
+                      <m:sSup>
+                        <m:sSupPr>
+                          <m:ctrlPr>
+                            <a:rPr lang="en-US" sz="2400" i="1" smtClean="0">
+                              <a:solidFill>
+                                <a:schemeClr val="accent2">
+                                  <a:lumMod val="75000"/>
+                                </a:schemeClr>
+                              </a:solidFill>
+                              <a:latin typeface="Cambria Math" panose="02040503050406030204" pitchFamily="18" charset="0"/>
+                            </a:rPr>
+                          </m:ctrlPr>
+                        </m:sSupPr>
+                        <m:e>
+                          <m:r>
+                            <a:rPr lang="pt-PT" sz="2400" b="0" i="1" smtClean="0">
+                              <a:solidFill>
+                                <a:schemeClr val="accent2">
+                                  <a:lumMod val="75000"/>
+                                </a:schemeClr>
+                              </a:solidFill>
+                              <a:latin typeface="Cambria Math" panose="02040503050406030204" pitchFamily="18" charset="0"/>
+                            </a:rPr>
+                            <m:t>𝑥</m:t>
+                          </m:r>
+                        </m:e>
+                        <m:sup>
+                          <m:r>
+                            <a:rPr lang="pt-PT" sz="2400" b="0" i="1" smtClean="0">
+                              <a:solidFill>
+                                <a:schemeClr val="accent2">
+                                  <a:lumMod val="75000"/>
+                                </a:schemeClr>
+                              </a:solidFill>
+                              <a:latin typeface="Cambria Math" panose="02040503050406030204" pitchFamily="18" charset="0"/>
+                            </a:rPr>
+                            <m:t>[0]</m:t>
+                          </m:r>
+                        </m:sup>
+                      </m:sSup>
+                      <m:r>
+                        <a:rPr lang="pt-PT" sz="2400" b="0" i="1" smtClean="0">
+                          <a:solidFill>
+                            <a:schemeClr val="accent2">
+                              <a:lumMod val="75000"/>
+                            </a:schemeClr>
+                          </a:solidFill>
+                          <a:latin typeface="Cambria Math" panose="02040503050406030204" pitchFamily="18" charset="0"/>
+                        </a:rPr>
+                        <m:t>              </m:t>
+                      </m:r>
+                      <m:r>
+                        <a:rPr lang="pt-PT" sz="2400" b="0" i="1" smtClean="0">
+                          <a:solidFill>
+                            <a:schemeClr val="accent1">
+                              <a:lumMod val="75000"/>
+                            </a:schemeClr>
+                          </a:solidFill>
+                          <a:latin typeface="Cambria Math" panose="02040503050406030204" pitchFamily="18" charset="0"/>
+                        </a:rPr>
+                        <m:t>     </m:t>
+                      </m:r>
+                      <m:sSup>
+                        <m:sSupPr>
+                          <m:ctrlPr>
+                            <a:rPr lang="pt-PT" sz="2400" b="0" i="1" smtClean="0">
+                              <a:solidFill>
+                                <a:schemeClr val="accent1">
+                                  <a:lumMod val="75000"/>
+                                </a:schemeClr>
+                              </a:solidFill>
+                              <a:latin typeface="Cambria Math" panose="02040503050406030204" pitchFamily="18" charset="0"/>
+                            </a:rPr>
+                          </m:ctrlPr>
+                        </m:sSupPr>
+                        <m:e>
+                          <m:r>
+                            <a:rPr lang="pt-PT" sz="2400" b="0" i="1" smtClean="0">
+                              <a:solidFill>
+                                <a:schemeClr val="accent1">
+                                  <a:lumMod val="75000"/>
+                                </a:schemeClr>
+                              </a:solidFill>
+                              <a:latin typeface="Cambria Math" panose="02040503050406030204" pitchFamily="18" charset="0"/>
+                            </a:rPr>
+                            <m:t>𝑧</m:t>
+                          </m:r>
+                        </m:e>
+                        <m:sup>
+                          <m:r>
+                            <a:rPr lang="pt-PT" sz="2400" b="0" i="1" smtClean="0">
+                              <a:solidFill>
+                                <a:schemeClr val="accent1">
+                                  <a:lumMod val="75000"/>
+                                </a:schemeClr>
+                              </a:solidFill>
+                              <a:latin typeface="Cambria Math" panose="02040503050406030204" pitchFamily="18" charset="0"/>
+                            </a:rPr>
+                            <m:t>[1]</m:t>
+                          </m:r>
+                        </m:sup>
+                      </m:sSup>
+                      <m:sSup>
+                        <m:sSupPr>
+                          <m:ctrlPr>
+                            <a:rPr lang="en-US" sz="2400" i="1">
+                              <a:solidFill>
+                                <a:schemeClr val="accent1">
+                                  <a:lumMod val="75000"/>
+                                </a:schemeClr>
+                              </a:solidFill>
+                              <a:latin typeface="Cambria Math" panose="02040503050406030204" pitchFamily="18" charset="0"/>
+                            </a:rPr>
+                          </m:ctrlPr>
+                        </m:sSupPr>
+                        <m:e>
+                          <m:r>
+                            <a:rPr lang="pt-PT" sz="2400" i="1">
+                              <a:solidFill>
+                                <a:schemeClr val="accent1">
+                                  <a:lumMod val="75000"/>
+                                </a:schemeClr>
+                              </a:solidFill>
+                              <a:latin typeface="Cambria Math" panose="02040503050406030204" pitchFamily="18" charset="0"/>
+                            </a:rPr>
+                            <m:t>𝑥</m:t>
+                          </m:r>
+                        </m:e>
+                        <m:sup>
+                          <m:r>
+                            <a:rPr lang="pt-PT" sz="2400" i="1">
+                              <a:solidFill>
+                                <a:schemeClr val="accent1">
+                                  <a:lumMod val="75000"/>
+                                </a:schemeClr>
+                              </a:solidFill>
+                              <a:latin typeface="Cambria Math" panose="02040503050406030204" pitchFamily="18" charset="0"/>
+                            </a:rPr>
+                            <m:t>[</m:t>
+                          </m:r>
+                          <m:r>
+                            <a:rPr lang="pt-PT" sz="2400" b="0" i="1" smtClean="0">
+                              <a:solidFill>
+                                <a:schemeClr val="accent1">
+                                  <a:lumMod val="75000"/>
+                                </a:schemeClr>
+                              </a:solidFill>
+                              <a:latin typeface="Cambria Math" panose="02040503050406030204" pitchFamily="18" charset="0"/>
+                            </a:rPr>
+                            <m:t>1</m:t>
+                          </m:r>
+                          <m:r>
+                            <a:rPr lang="pt-PT" sz="2400" i="1">
+                              <a:solidFill>
+                                <a:schemeClr val="accent1">
+                                  <a:lumMod val="75000"/>
+                                </a:schemeClr>
+                              </a:solidFill>
+                              <a:latin typeface="Cambria Math" panose="02040503050406030204" pitchFamily="18" charset="0"/>
+                            </a:rPr>
+                            <m:t>]</m:t>
+                          </m:r>
+                        </m:sup>
+                      </m:sSup>
+                      <m:r>
+                        <a:rPr lang="pt-PT" sz="2400" b="0" i="1" smtClean="0">
+                          <a:solidFill>
+                            <a:schemeClr val="accent1">
+                              <a:lumMod val="75000"/>
+                            </a:schemeClr>
+                          </a:solidFill>
+                          <a:latin typeface="Cambria Math" panose="02040503050406030204" pitchFamily="18" charset="0"/>
+                        </a:rPr>
+                        <m:t>                </m:t>
+                      </m:r>
+                      <m:sSup>
+                        <m:sSupPr>
+                          <m:ctrlPr>
+                            <a:rPr lang="pt-PT" sz="2400" i="1">
+                              <a:solidFill>
+                                <a:schemeClr val="accent1">
+                                  <a:lumMod val="75000"/>
+                                </a:schemeClr>
+                              </a:solidFill>
+                              <a:latin typeface="Cambria Math" panose="02040503050406030204" pitchFamily="18" charset="0"/>
+                            </a:rPr>
+                          </m:ctrlPr>
+                        </m:sSupPr>
+                        <m:e>
+                          <m:r>
+                            <a:rPr lang="pt-PT" sz="2400" i="1">
+                              <a:solidFill>
+                                <a:schemeClr val="accent1">
+                                  <a:lumMod val="75000"/>
+                                </a:schemeClr>
+                              </a:solidFill>
+                              <a:latin typeface="Cambria Math" panose="02040503050406030204" pitchFamily="18" charset="0"/>
+                            </a:rPr>
+                            <m:t>𝑧</m:t>
+                          </m:r>
+                        </m:e>
+                        <m:sup>
+                          <m:r>
+                            <a:rPr lang="pt-PT" sz="2400" i="1">
+                              <a:solidFill>
+                                <a:schemeClr val="accent1">
+                                  <a:lumMod val="75000"/>
+                                </a:schemeClr>
+                              </a:solidFill>
+                              <a:latin typeface="Cambria Math" panose="02040503050406030204" pitchFamily="18" charset="0"/>
+                            </a:rPr>
+                            <m:t>[</m:t>
+                          </m:r>
+                          <m:r>
+                            <a:rPr lang="pt-PT" sz="2400" b="0" i="1" smtClean="0">
+                              <a:solidFill>
+                                <a:schemeClr val="accent1">
+                                  <a:lumMod val="75000"/>
+                                </a:schemeClr>
+                              </a:solidFill>
+                              <a:latin typeface="Cambria Math" panose="02040503050406030204" pitchFamily="18" charset="0"/>
+                            </a:rPr>
+                            <m:t>2</m:t>
+                          </m:r>
+                          <m:r>
+                            <a:rPr lang="pt-PT" sz="2400" i="1">
+                              <a:solidFill>
+                                <a:schemeClr val="accent1">
+                                  <a:lumMod val="75000"/>
+                                </a:schemeClr>
+                              </a:solidFill>
+                              <a:latin typeface="Cambria Math" panose="02040503050406030204" pitchFamily="18" charset="0"/>
+                            </a:rPr>
+                            <m:t>]</m:t>
+                          </m:r>
+                        </m:sup>
+                      </m:sSup>
+                      <m:sSup>
+                        <m:sSupPr>
+                          <m:ctrlPr>
+                            <a:rPr lang="en-US" sz="2400" i="1">
+                              <a:solidFill>
+                                <a:schemeClr val="accent1">
+                                  <a:lumMod val="75000"/>
+                                </a:schemeClr>
+                              </a:solidFill>
+                              <a:latin typeface="Cambria Math" panose="02040503050406030204" pitchFamily="18" charset="0"/>
+                            </a:rPr>
+                          </m:ctrlPr>
+                        </m:sSupPr>
+                        <m:e>
+                          <m:r>
+                            <a:rPr lang="pt-PT" sz="2400" i="1">
+                              <a:solidFill>
+                                <a:schemeClr val="accent1">
+                                  <a:lumMod val="75000"/>
+                                </a:schemeClr>
+                              </a:solidFill>
+                              <a:latin typeface="Cambria Math" panose="02040503050406030204" pitchFamily="18" charset="0"/>
+                            </a:rPr>
+                            <m:t>𝑥</m:t>
+                          </m:r>
+                        </m:e>
+                        <m:sup>
+                          <m:r>
+                            <a:rPr lang="pt-PT" sz="2400" i="1">
+                              <a:solidFill>
+                                <a:schemeClr val="accent1">
+                                  <a:lumMod val="75000"/>
+                                </a:schemeClr>
+                              </a:solidFill>
+                              <a:latin typeface="Cambria Math" panose="02040503050406030204" pitchFamily="18" charset="0"/>
+                            </a:rPr>
+                            <m:t>[</m:t>
+                          </m:r>
+                          <m:r>
+                            <a:rPr lang="pt-PT" sz="2400" b="0" i="1" smtClean="0">
+                              <a:solidFill>
+                                <a:schemeClr val="accent1">
+                                  <a:lumMod val="75000"/>
+                                </a:schemeClr>
+                              </a:solidFill>
+                              <a:latin typeface="Cambria Math" panose="02040503050406030204" pitchFamily="18" charset="0"/>
+                            </a:rPr>
+                            <m:t>2</m:t>
+                          </m:r>
+                          <m:r>
+                            <a:rPr lang="pt-PT" sz="2400" i="1">
+                              <a:solidFill>
+                                <a:schemeClr val="accent1">
+                                  <a:lumMod val="75000"/>
+                                </a:schemeClr>
+                              </a:solidFill>
+                              <a:latin typeface="Cambria Math" panose="02040503050406030204" pitchFamily="18" charset="0"/>
+                            </a:rPr>
+                            <m:t>]</m:t>
+                          </m:r>
+                        </m:sup>
+                      </m:sSup>
+                      <m:r>
+                        <a:rPr lang="pt-PT" sz="2400" b="0" i="1" smtClean="0">
+                          <a:solidFill>
+                            <a:schemeClr val="accent1">
+                              <a:lumMod val="75000"/>
+                            </a:schemeClr>
+                          </a:solidFill>
+                          <a:latin typeface="Cambria Math" panose="02040503050406030204" pitchFamily="18" charset="0"/>
+                        </a:rPr>
+                        <m:t>              </m:t>
+                      </m:r>
+                      <m:sSup>
+                        <m:sSupPr>
+                          <m:ctrlPr>
+                            <a:rPr lang="pt-PT" sz="2400" i="1" smtClean="0">
+                              <a:solidFill>
+                                <a:schemeClr val="accent6">
+                                  <a:lumMod val="60000"/>
+                                  <a:lumOff val="40000"/>
+                                </a:schemeClr>
+                              </a:solidFill>
+                              <a:latin typeface="Cambria Math" panose="02040503050406030204" pitchFamily="18" charset="0"/>
+                            </a:rPr>
+                          </m:ctrlPr>
+                        </m:sSupPr>
+                        <m:e>
+                          <m:r>
+                            <a:rPr lang="pt-PT" sz="2400" i="1">
+                              <a:solidFill>
+                                <a:schemeClr val="accent6">
+                                  <a:lumMod val="60000"/>
+                                  <a:lumOff val="40000"/>
+                                </a:schemeClr>
+                              </a:solidFill>
+                              <a:latin typeface="Cambria Math" panose="02040503050406030204" pitchFamily="18" charset="0"/>
+                            </a:rPr>
+                            <m:t>𝑧</m:t>
+                          </m:r>
+                        </m:e>
+                        <m:sup>
+                          <m:r>
+                            <a:rPr lang="pt-PT" sz="2400" i="1">
+                              <a:solidFill>
+                                <a:schemeClr val="accent6">
+                                  <a:lumMod val="60000"/>
+                                  <a:lumOff val="40000"/>
+                                </a:schemeClr>
+                              </a:solidFill>
+                              <a:latin typeface="Cambria Math" panose="02040503050406030204" pitchFamily="18" charset="0"/>
+                            </a:rPr>
+                            <m:t>[</m:t>
+                          </m:r>
+                          <m:r>
+                            <a:rPr lang="pt-PT" sz="2400" b="0" i="1" smtClean="0">
+                              <a:solidFill>
+                                <a:schemeClr val="accent6">
+                                  <a:lumMod val="60000"/>
+                                  <a:lumOff val="40000"/>
+                                </a:schemeClr>
+                              </a:solidFill>
+                              <a:latin typeface="Cambria Math" panose="02040503050406030204" pitchFamily="18" charset="0"/>
+                            </a:rPr>
+                            <m:t>3</m:t>
+                          </m:r>
+                          <m:r>
+                            <a:rPr lang="pt-PT" sz="2400" i="1">
+                              <a:solidFill>
+                                <a:schemeClr val="accent6">
+                                  <a:lumMod val="60000"/>
+                                  <a:lumOff val="40000"/>
+                                </a:schemeClr>
+                              </a:solidFill>
+                              <a:latin typeface="Cambria Math" panose="02040503050406030204" pitchFamily="18" charset="0"/>
+                            </a:rPr>
+                            <m:t>]</m:t>
+                          </m:r>
+                        </m:sup>
+                      </m:sSup>
+                      <m:sSup>
+                        <m:sSupPr>
+                          <m:ctrlPr>
+                            <a:rPr lang="en-US" sz="2400" i="1">
+                              <a:solidFill>
+                                <a:schemeClr val="accent6">
+                                  <a:lumMod val="60000"/>
+                                  <a:lumOff val="40000"/>
+                                </a:schemeClr>
+                              </a:solidFill>
+                              <a:latin typeface="Cambria Math" panose="02040503050406030204" pitchFamily="18" charset="0"/>
+                            </a:rPr>
+                          </m:ctrlPr>
+                        </m:sSupPr>
+                        <m:e>
+                          <m:r>
+                            <a:rPr lang="pt-PT" sz="2400" i="1">
+                              <a:solidFill>
+                                <a:schemeClr val="accent6">
+                                  <a:lumMod val="60000"/>
+                                  <a:lumOff val="40000"/>
+                                </a:schemeClr>
+                              </a:solidFill>
+                              <a:latin typeface="Cambria Math" panose="02040503050406030204" pitchFamily="18" charset="0"/>
+                            </a:rPr>
+                            <m:t>𝑥</m:t>
+                          </m:r>
+                        </m:e>
+                        <m:sup>
+                          <m:r>
+                            <a:rPr lang="pt-PT" sz="2400" i="1">
+                              <a:solidFill>
+                                <a:schemeClr val="accent6">
+                                  <a:lumMod val="60000"/>
+                                  <a:lumOff val="40000"/>
+                                </a:schemeClr>
+                              </a:solidFill>
+                              <a:latin typeface="Cambria Math" panose="02040503050406030204" pitchFamily="18" charset="0"/>
+                            </a:rPr>
+                            <m:t>[</m:t>
+                          </m:r>
+                          <m:r>
+                            <a:rPr lang="pt-PT" sz="2400" b="0" i="1" smtClean="0">
+                              <a:solidFill>
+                                <a:schemeClr val="accent6">
+                                  <a:lumMod val="60000"/>
+                                  <a:lumOff val="40000"/>
+                                </a:schemeClr>
+                              </a:solidFill>
+                              <a:latin typeface="Cambria Math" panose="02040503050406030204" pitchFamily="18" charset="0"/>
+                            </a:rPr>
+                            <m:t>3</m:t>
+                          </m:r>
+                          <m:r>
+                            <a:rPr lang="pt-PT" sz="2400" i="1">
+                              <a:solidFill>
+                                <a:schemeClr val="accent6">
+                                  <a:lumMod val="60000"/>
+                                  <a:lumOff val="40000"/>
+                                </a:schemeClr>
+                              </a:solidFill>
+                              <a:latin typeface="Cambria Math" panose="02040503050406030204" pitchFamily="18" charset="0"/>
+                            </a:rPr>
+                            <m:t>]</m:t>
+                          </m:r>
+                        </m:sup>
+                      </m:sSup>
+                    </m:oMath>
+                  </m:oMathPara>
+                </a14:m>
+                <a:endParaRPr lang="en-US" dirty="0"/>
+              </a:p>
+            </p:txBody>
+          </p:sp>
+        </mc:Choice>
+        <mc:Fallback xmlns="">
+          <p:sp>
+            <p:nvSpPr>
+              <p:cNvPr id="161" name="TextBox 160">
+                <a:extLst>
+                  <a:ext uri="{FF2B5EF4-FFF2-40B4-BE49-F238E27FC236}">
+                    <a16:creationId xmlns:a16="http://schemas.microsoft.com/office/drawing/2014/main" id="{6BF3A070-4D8D-7D42-87FE-1939D2B2A55B}"/>
+                  </a:ext>
+                </a:extLst>
+              </p:cNvPr>
+              <p:cNvSpPr txBox="1">
+                <a:spLocks noRot="1" noChangeAspect="1" noMove="1" noResize="1" noEditPoints="1" noAdjustHandles="1" noChangeArrowheads="1" noChangeShapeType="1" noTextEdit="1"/>
+              </p:cNvSpPr>
+              <p:nvPr/>
+            </p:nvSpPr>
+            <p:spPr>
+              <a:xfrm>
+                <a:off x="1537019" y="5323053"/>
+                <a:ext cx="6495595" cy="477438"/>
+              </a:xfrm>
+              <a:prstGeom prst="rect">
+                <a:avLst/>
+              </a:prstGeom>
+              <a:blipFill>
+                <a:blip r:embed="rId17"/>
+                <a:stretch>
+                  <a:fillRect r="-3711" b="-17949"/>
+                </a:stretch>
+              </a:blipFill>
+            </p:spPr>
+            <p:txBody>
+              <a:bodyPr/>
+              <a:lstStyle/>
+              <a:p>
+                <a:r>
+                  <a:rPr lang="en-US">
+                    <a:noFill/>
+                  </a:rPr>
+                  <a:t> </a:t>
+                </a:r>
+              </a:p>
+            </p:txBody>
+          </p:sp>
+        </mc:Fallback>
+      </mc:AlternateContent>
+      <mc:AlternateContent xmlns:mc="http://schemas.openxmlformats.org/markup-compatibility/2006" xmlns:a14="http://schemas.microsoft.com/office/drawing/2010/main">
+        <mc:Choice Requires="a14">
+          <p:sp>
+            <p:nvSpPr>
+              <p:cNvPr id="163" name="TextBox 162">
+                <a:extLst>
+                  <a:ext uri="{FF2B5EF4-FFF2-40B4-BE49-F238E27FC236}">
+                    <a16:creationId xmlns:a16="http://schemas.microsoft.com/office/drawing/2014/main" id="{252D2A22-13CE-6443-9752-557C75F00F3E}"/>
+                  </a:ext>
+                </a:extLst>
+              </p:cNvPr>
+              <p:cNvSpPr txBox="1"/>
+              <p:nvPr/>
+            </p:nvSpPr>
+            <p:spPr>
+              <a:xfrm>
+                <a:off x="2552899" y="4734594"/>
+                <a:ext cx="6256567" cy="487185"/>
+              </a:xfrm>
+              <a:prstGeom prst="rect">
+                <a:avLst/>
+              </a:prstGeom>
+              <a:noFill/>
+            </p:spPr>
+            <p:txBody>
+              <a:bodyPr wrap="square" rtlCol="0">
+                <a:spAutoFit/>
+              </a:bodyPr>
+              <a:lstStyle/>
+              <a:p>
+                <a14:m>
+                  <m:oMath xmlns:m="http://schemas.openxmlformats.org/officeDocument/2006/math">
+                    <m:sSup>
+                      <m:sSupPr>
+                        <m:ctrlPr>
+                          <a:rPr lang="en-US" sz="2400" i="1" smtClean="0">
+                            <a:solidFill>
+                              <a:schemeClr val="accent1">
+                                <a:lumMod val="75000"/>
+                              </a:schemeClr>
+                            </a:solidFill>
+                            <a:latin typeface="Cambria Math" panose="02040503050406030204" pitchFamily="18" charset="0"/>
+                          </a:rPr>
+                        </m:ctrlPr>
+                      </m:sSupPr>
+                      <m:e>
+                        <m:r>
+                          <a:rPr lang="pt-PT" sz="2400" b="0" i="1" smtClean="0">
+                            <a:solidFill>
+                              <a:schemeClr val="accent1">
+                                <a:lumMod val="75000"/>
+                              </a:schemeClr>
+                            </a:solidFill>
+                            <a:latin typeface="Cambria Math" panose="02040503050406030204" pitchFamily="18" charset="0"/>
+                          </a:rPr>
+                          <m:t>𝑊</m:t>
+                        </m:r>
+                      </m:e>
+                      <m:sup>
+                        <m:d>
+                          <m:dPr>
+                            <m:begChr m:val="["/>
+                            <m:endChr m:val="]"/>
+                            <m:ctrlPr>
+                              <a:rPr lang="pt-PT" sz="2400" b="0" i="1" smtClean="0">
+                                <a:solidFill>
+                                  <a:schemeClr val="accent1">
+                                    <a:lumMod val="75000"/>
+                                  </a:schemeClr>
+                                </a:solidFill>
+                                <a:latin typeface="Cambria Math" panose="02040503050406030204" pitchFamily="18" charset="0"/>
+                              </a:rPr>
+                            </m:ctrlPr>
+                          </m:dPr>
+                          <m:e>
+                            <m:r>
+                              <a:rPr lang="pt-PT" sz="2400" b="0" i="1" smtClean="0">
+                                <a:solidFill>
+                                  <a:schemeClr val="accent1">
+                                    <a:lumMod val="75000"/>
+                                  </a:schemeClr>
+                                </a:solidFill>
+                                <a:latin typeface="Cambria Math" panose="02040503050406030204" pitchFamily="18" charset="0"/>
+                              </a:rPr>
+                              <m:t>1</m:t>
+                            </m:r>
+                          </m:e>
+                        </m:d>
+                        <m:r>
+                          <a:rPr lang="pt-PT" sz="2400" b="0" i="1" smtClean="0">
+                            <a:solidFill>
+                              <a:schemeClr val="accent1">
+                                <a:lumMod val="75000"/>
+                              </a:schemeClr>
+                            </a:solidFill>
+                            <a:latin typeface="Cambria Math" panose="02040503050406030204" pitchFamily="18" charset="0"/>
+                          </a:rPr>
+                          <m:t>                             </m:t>
+                        </m:r>
+                      </m:sup>
+                    </m:sSup>
+                    <m:sSup>
+                      <m:sSupPr>
+                        <m:ctrlPr>
+                          <a:rPr lang="en-US" sz="2400" i="1" smtClean="0">
+                            <a:solidFill>
+                              <a:schemeClr val="accent1">
+                                <a:lumMod val="75000"/>
+                              </a:schemeClr>
+                            </a:solidFill>
+                            <a:latin typeface="Cambria Math" panose="02040503050406030204" pitchFamily="18" charset="0"/>
+                          </a:rPr>
+                        </m:ctrlPr>
+                      </m:sSupPr>
+                      <m:e>
+                        <m:r>
+                          <a:rPr lang="pt-PT" sz="2400" i="1">
+                            <a:solidFill>
+                              <a:schemeClr val="accent1">
+                                <a:lumMod val="75000"/>
+                              </a:schemeClr>
+                            </a:solidFill>
+                            <a:latin typeface="Cambria Math" panose="02040503050406030204" pitchFamily="18" charset="0"/>
+                          </a:rPr>
+                          <m:t>𝑊</m:t>
+                        </m:r>
+                      </m:e>
+                      <m:sup>
+                        <m:r>
+                          <a:rPr lang="pt-PT" sz="2400" i="1">
+                            <a:solidFill>
+                              <a:schemeClr val="accent1">
+                                <a:lumMod val="75000"/>
+                              </a:schemeClr>
+                            </a:solidFill>
+                            <a:latin typeface="Cambria Math" panose="02040503050406030204" pitchFamily="18" charset="0"/>
+                          </a:rPr>
+                          <m:t>[</m:t>
+                        </m:r>
+                        <m:r>
+                          <a:rPr lang="pt-PT" sz="2400" b="0" i="1" smtClean="0">
+                            <a:solidFill>
+                              <a:schemeClr val="accent1">
+                                <a:lumMod val="75000"/>
+                              </a:schemeClr>
+                            </a:solidFill>
+                            <a:latin typeface="Cambria Math" panose="02040503050406030204" pitchFamily="18" charset="0"/>
+                          </a:rPr>
+                          <m:t>2</m:t>
+                        </m:r>
+                        <m:r>
+                          <a:rPr lang="pt-PT" sz="2400" i="1">
+                            <a:solidFill>
+                              <a:schemeClr val="accent1">
+                                <a:lumMod val="75000"/>
+                              </a:schemeClr>
+                            </a:solidFill>
+                            <a:latin typeface="Cambria Math" panose="02040503050406030204" pitchFamily="18" charset="0"/>
+                          </a:rPr>
+                          <m:t>]</m:t>
+                        </m:r>
+                      </m:sup>
+                    </m:sSup>
+                  </m:oMath>
+                </a14:m>
+                <a:r>
+                  <a:rPr lang="en-US" sz="2400" dirty="0"/>
+                  <a:t>                </a:t>
+                </a:r>
+                <a14:m>
+                  <m:oMath xmlns:m="http://schemas.openxmlformats.org/officeDocument/2006/math">
+                    <m:sSup>
+                      <m:sSupPr>
+                        <m:ctrlPr>
+                          <a:rPr lang="en-US" sz="2400" i="1" smtClean="0">
+                            <a:solidFill>
+                              <a:schemeClr val="accent6">
+                                <a:lumMod val="60000"/>
+                                <a:lumOff val="40000"/>
+                              </a:schemeClr>
+                            </a:solidFill>
+                            <a:latin typeface="Cambria Math" panose="02040503050406030204" pitchFamily="18" charset="0"/>
+                          </a:rPr>
+                        </m:ctrlPr>
+                      </m:sSupPr>
+                      <m:e>
+                        <m:r>
+                          <a:rPr lang="pt-PT" sz="2400" i="1">
+                            <a:solidFill>
+                              <a:schemeClr val="accent6">
+                                <a:lumMod val="60000"/>
+                                <a:lumOff val="40000"/>
+                              </a:schemeClr>
+                            </a:solidFill>
+                            <a:latin typeface="Cambria Math" panose="02040503050406030204" pitchFamily="18" charset="0"/>
+                          </a:rPr>
+                          <m:t>𝑊</m:t>
+                        </m:r>
+                      </m:e>
+                      <m:sup>
+                        <m:r>
+                          <a:rPr lang="pt-PT" sz="2400" i="1">
+                            <a:solidFill>
+                              <a:schemeClr val="accent6">
+                                <a:lumMod val="60000"/>
+                                <a:lumOff val="40000"/>
+                              </a:schemeClr>
+                            </a:solidFill>
+                            <a:latin typeface="Cambria Math" panose="02040503050406030204" pitchFamily="18" charset="0"/>
+                          </a:rPr>
+                          <m:t>[</m:t>
+                        </m:r>
+                        <m:r>
+                          <a:rPr lang="pt-PT" sz="2400" b="0" i="1" smtClean="0">
+                            <a:solidFill>
+                              <a:schemeClr val="accent6">
+                                <a:lumMod val="60000"/>
+                                <a:lumOff val="40000"/>
+                              </a:schemeClr>
+                            </a:solidFill>
+                            <a:latin typeface="Cambria Math" panose="02040503050406030204" pitchFamily="18" charset="0"/>
+                          </a:rPr>
+                          <m:t>3</m:t>
+                        </m:r>
+                        <m:r>
+                          <a:rPr lang="pt-PT" sz="2400" i="1">
+                            <a:solidFill>
+                              <a:schemeClr val="accent6">
+                                <a:lumMod val="60000"/>
+                                <a:lumOff val="40000"/>
+                              </a:schemeClr>
+                            </a:solidFill>
+                            <a:latin typeface="Cambria Math" panose="02040503050406030204" pitchFamily="18" charset="0"/>
+                          </a:rPr>
+                          <m:t>]</m:t>
+                        </m:r>
+                      </m:sup>
+                    </m:sSup>
+                  </m:oMath>
+                </a14:m>
+                <a:endParaRPr lang="en-US" dirty="0"/>
+              </a:p>
+            </p:txBody>
+          </p:sp>
+        </mc:Choice>
+        <mc:Fallback xmlns="">
+          <p:sp>
+            <p:nvSpPr>
+              <p:cNvPr id="163" name="TextBox 162">
+                <a:extLst>
+                  <a:ext uri="{FF2B5EF4-FFF2-40B4-BE49-F238E27FC236}">
+                    <a16:creationId xmlns:a16="http://schemas.microsoft.com/office/drawing/2014/main" id="{252D2A22-13CE-6443-9752-557C75F00F3E}"/>
+                  </a:ext>
+                </a:extLst>
+              </p:cNvPr>
+              <p:cNvSpPr txBox="1">
+                <a:spLocks noRot="1" noChangeAspect="1" noMove="1" noResize="1" noEditPoints="1" noAdjustHandles="1" noChangeArrowheads="1" noChangeShapeType="1" noTextEdit="1"/>
+              </p:cNvSpPr>
+              <p:nvPr/>
+            </p:nvSpPr>
+            <p:spPr>
+              <a:xfrm>
+                <a:off x="2552899" y="4734594"/>
+                <a:ext cx="6256567" cy="487185"/>
+              </a:xfrm>
+              <a:prstGeom prst="rect">
+                <a:avLst/>
+              </a:prstGeom>
+              <a:blipFill>
+                <a:blip r:embed="rId18"/>
+                <a:stretch>
+                  <a:fillRect/>
+                </a:stretch>
+              </a:blipFill>
+            </p:spPr>
+            <p:txBody>
+              <a:bodyPr/>
+              <a:lstStyle/>
+              <a:p>
+                <a:r>
+                  <a:rPr lang="en-US">
+                    <a:noFill/>
+                  </a:rPr>
+                  <a:t> </a:t>
+                </a:r>
+              </a:p>
+            </p:txBody>
+          </p:sp>
+        </mc:Fallback>
+      </mc:AlternateContent>
     </p:spTree>
     <p:extLst>
       <p:ext uri="{BB962C8B-B14F-4D97-AF65-F5344CB8AC3E}">
         <p14:creationId xmlns:p14="http://schemas.microsoft.com/office/powerpoint/2010/main" val="152845516"/>
-      </p:ext>
-    </p:extLst>
-  </p:cSld>
-  <p:clrMapOvr>
-    <a:masterClrMapping/>
-  </p:clrMapOvr>
-</p:sld>
-</file>
-
-<file path=ppt/slides/slide2.xml><?xml version="1.0" encoding="utf-8"?>
-<p:sld xmlns:a="http://schemas.openxmlformats.org/drawingml/2006/main" xmlns:r="http://schemas.openxmlformats.org/officeDocument/2006/relationships" xmlns:p="http://schemas.openxmlformats.org/presentationml/2006/main">
-  <p:cSld>
-    <p:spTree>
-      <p:nvGrpSpPr>
-        <p:cNvPr id="1" name=""/>
-        <p:cNvGrpSpPr/>
-        <p:nvPr/>
-      </p:nvGrpSpPr>
-      <p:grpSpPr>
-        <a:xfrm>
-          <a:off x="0" y="0"/>
-          <a:ext cx="0" cy="0"/>
-          <a:chOff x="0" y="0"/>
-          <a:chExt cx="0" cy="0"/>
-        </a:xfrm>
-      </p:grpSpPr>
-    </p:spTree>
-    <p:extLst>
-      <p:ext uri="{BB962C8B-B14F-4D97-AF65-F5344CB8AC3E}">
-        <p14:creationId xmlns:p14="http://schemas.microsoft.com/office/powerpoint/2010/main" val="2109055485"/>
       </p:ext>
     </p:extLst>
   </p:cSld>

--- a/Homework3/rede.pptx
+++ b/Homework3/rede.pptx
@@ -259,7 +259,7 @@
           <a:p>
             <a:fld id="{80363D34-735B-4446-AC78-908362347469}" type="datetimeFigureOut">
               <a:rPr lang="pt-PT" smtClean="0"/>
-              <a:t>18/10/23</a:t>
+              <a:t>20/10/23</a:t>
             </a:fld>
             <a:endParaRPr lang="pt-PT"/>
           </a:p>
@@ -457,7 +457,7 @@
           <a:p>
             <a:fld id="{80363D34-735B-4446-AC78-908362347469}" type="datetimeFigureOut">
               <a:rPr lang="pt-PT" smtClean="0"/>
-              <a:t>18/10/23</a:t>
+              <a:t>20/10/23</a:t>
             </a:fld>
             <a:endParaRPr lang="pt-PT"/>
           </a:p>
@@ -665,7 +665,7 @@
           <a:p>
             <a:fld id="{80363D34-735B-4446-AC78-908362347469}" type="datetimeFigureOut">
               <a:rPr lang="pt-PT" smtClean="0"/>
-              <a:t>18/10/23</a:t>
+              <a:t>20/10/23</a:t>
             </a:fld>
             <a:endParaRPr lang="pt-PT"/>
           </a:p>
@@ -863,7 +863,7 @@
           <a:p>
             <a:fld id="{80363D34-735B-4446-AC78-908362347469}" type="datetimeFigureOut">
               <a:rPr lang="pt-PT" smtClean="0"/>
-              <a:t>18/10/23</a:t>
+              <a:t>20/10/23</a:t>
             </a:fld>
             <a:endParaRPr lang="pt-PT"/>
           </a:p>
@@ -1138,7 +1138,7 @@
           <a:p>
             <a:fld id="{80363D34-735B-4446-AC78-908362347469}" type="datetimeFigureOut">
               <a:rPr lang="pt-PT" smtClean="0"/>
-              <a:t>18/10/23</a:t>
+              <a:t>20/10/23</a:t>
             </a:fld>
             <a:endParaRPr lang="pt-PT"/>
           </a:p>
@@ -1403,7 +1403,7 @@
           <a:p>
             <a:fld id="{80363D34-735B-4446-AC78-908362347469}" type="datetimeFigureOut">
               <a:rPr lang="pt-PT" smtClean="0"/>
-              <a:t>18/10/23</a:t>
+              <a:t>20/10/23</a:t>
             </a:fld>
             <a:endParaRPr lang="pt-PT"/>
           </a:p>
@@ -1815,7 +1815,7 @@
           <a:p>
             <a:fld id="{80363D34-735B-4446-AC78-908362347469}" type="datetimeFigureOut">
               <a:rPr lang="pt-PT" smtClean="0"/>
-              <a:t>18/10/23</a:t>
+              <a:t>20/10/23</a:t>
             </a:fld>
             <a:endParaRPr lang="pt-PT"/>
           </a:p>
@@ -1956,7 +1956,7 @@
           <a:p>
             <a:fld id="{80363D34-735B-4446-AC78-908362347469}" type="datetimeFigureOut">
               <a:rPr lang="pt-PT" smtClean="0"/>
-              <a:t>18/10/23</a:t>
+              <a:t>20/10/23</a:t>
             </a:fld>
             <a:endParaRPr lang="pt-PT"/>
           </a:p>
@@ -2069,7 +2069,7 @@
           <a:p>
             <a:fld id="{80363D34-735B-4446-AC78-908362347469}" type="datetimeFigureOut">
               <a:rPr lang="pt-PT" smtClean="0"/>
-              <a:t>18/10/23</a:t>
+              <a:t>20/10/23</a:t>
             </a:fld>
             <a:endParaRPr lang="pt-PT"/>
           </a:p>
@@ -2380,7 +2380,7 @@
           <a:p>
             <a:fld id="{80363D34-735B-4446-AC78-908362347469}" type="datetimeFigureOut">
               <a:rPr lang="pt-PT" smtClean="0"/>
-              <a:t>18/10/23</a:t>
+              <a:t>20/10/23</a:t>
             </a:fld>
             <a:endParaRPr lang="pt-PT"/>
           </a:p>
@@ -2668,7 +2668,7 @@
           <a:p>
             <a:fld id="{80363D34-735B-4446-AC78-908362347469}" type="datetimeFigureOut">
               <a:rPr lang="pt-PT" smtClean="0"/>
-              <a:t>18/10/23</a:t>
+              <a:t>20/10/23</a:t>
             </a:fld>
             <a:endParaRPr lang="pt-PT"/>
           </a:p>
@@ -2909,7 +2909,7 @@
           <a:p>
             <a:fld id="{80363D34-735B-4446-AC78-908362347469}" type="datetimeFigureOut">
               <a:rPr lang="pt-PT" smtClean="0"/>
-              <a:t>18/10/23</a:t>
+              <a:t>20/10/23</a:t>
             </a:fld>
             <a:endParaRPr lang="pt-PT"/>
           </a:p>
@@ -7714,8 +7714,8 @@
           </p:sp>
         </mc:Fallback>
       </mc:AlternateContent>
-      <mc:AlternateContent xmlns:mc="http://schemas.openxmlformats.org/markup-compatibility/2006" xmlns:a14="http://schemas.microsoft.com/office/drawing/2010/main">
-        <mc:Choice Requires="a14">
+      <mc:AlternateContent xmlns:mc="http://schemas.openxmlformats.org/markup-compatibility/2006">
+        <mc:Choice xmlns:a14="http://schemas.microsoft.com/office/drawing/2010/main" Requires="a14">
           <p:sp>
             <p:nvSpPr>
               <p:cNvPr id="232" name="TextBox 231">
@@ -7731,7 +7731,7 @@
             <p:spPr>
               <a:xfrm>
                 <a:off x="8190493" y="2660230"/>
-                <a:ext cx="455701" cy="369332"/>
+                <a:ext cx="461024" cy="369332"/>
               </a:xfrm>
               <a:prstGeom prst="rect">
                 <a:avLst/>
@@ -7772,7 +7772,7 @@
                             <a:rPr lang="pt-PT" b="0" i="1" smtClean="0">
                               <a:latin typeface="Cambria Math" panose="02040503050406030204" pitchFamily="18" charset="0"/>
                             </a:rPr>
-                            <m:t>1</m:t>
+                            <m:t>2</m:t>
                           </m:r>
                         </m:sub>
                       </m:sSub>
@@ -7784,7 +7784,7 @@
             </p:txBody>
           </p:sp>
         </mc:Choice>
-        <mc:Fallback xmlns="">
+        <mc:Fallback>
           <p:sp>
             <p:nvSpPr>
               <p:cNvPr id="232" name="TextBox 231">
@@ -7802,7 +7802,7 @@
             <p:spPr>
               <a:xfrm>
                 <a:off x="8190493" y="2660230"/>
-                <a:ext cx="455701" cy="369332"/>
+                <a:ext cx="461024" cy="369332"/>
               </a:xfrm>
               <a:prstGeom prst="rect">
                 <a:avLst/>
@@ -7829,8 +7829,8 @@
           </p:sp>
         </mc:Fallback>
       </mc:AlternateContent>
-      <mc:AlternateContent xmlns:mc="http://schemas.openxmlformats.org/markup-compatibility/2006" xmlns:a14="http://schemas.microsoft.com/office/drawing/2010/main">
-        <mc:Choice Requires="a14">
+      <mc:AlternateContent xmlns:mc="http://schemas.openxmlformats.org/markup-compatibility/2006">
+        <mc:Choice xmlns:a14="http://schemas.microsoft.com/office/drawing/2010/main" Requires="a14">
           <p:sp>
             <p:nvSpPr>
               <p:cNvPr id="233" name="TextBox 232">
@@ -7846,7 +7846,7 @@
             <p:spPr>
               <a:xfrm>
                 <a:off x="8188471" y="4053288"/>
-                <a:ext cx="455701" cy="369332"/>
+                <a:ext cx="461024" cy="369332"/>
               </a:xfrm>
               <a:prstGeom prst="rect">
                 <a:avLst/>
@@ -7887,7 +7887,7 @@
                             <a:rPr lang="pt-PT" b="0" i="1" smtClean="0">
                               <a:latin typeface="Cambria Math" panose="02040503050406030204" pitchFamily="18" charset="0"/>
                             </a:rPr>
-                            <m:t>1</m:t>
+                            <m:t>3</m:t>
                           </m:r>
                         </m:sub>
                       </m:sSub>
@@ -7899,7 +7899,7 @@
             </p:txBody>
           </p:sp>
         </mc:Choice>
-        <mc:Fallback xmlns="">
+        <mc:Fallback>
           <p:sp>
             <p:nvSpPr>
               <p:cNvPr id="233" name="TextBox 232">
@@ -7917,13 +7917,13 @@
             <p:spPr>
               <a:xfrm>
                 <a:off x="8188471" y="4053288"/>
-                <a:ext cx="455701" cy="369332"/>
+                <a:ext cx="461024" cy="369332"/>
               </a:xfrm>
               <a:prstGeom prst="rect">
                 <a:avLst/>
               </a:prstGeom>
               <a:blipFill>
-                <a:blip r:embed="rId15"/>
+                <a:blip r:embed="rId17"/>
                 <a:stretch>
                   <a:fillRect/>
                 </a:stretch>
@@ -7944,8 +7944,8 @@
           </p:sp>
         </mc:Fallback>
       </mc:AlternateContent>
-      <mc:AlternateContent xmlns:mc="http://schemas.openxmlformats.org/markup-compatibility/2006" xmlns:a14="http://schemas.microsoft.com/office/drawing/2010/main">
-        <mc:Choice Requires="a14">
+      <mc:AlternateContent xmlns:mc="http://schemas.openxmlformats.org/markup-compatibility/2006">
+        <mc:Choice xmlns:a14="http://schemas.microsoft.com/office/drawing/2010/main" Requires="a14">
           <p:sp>
             <p:nvSpPr>
               <p:cNvPr id="161" name="TextBox 160">
@@ -8041,7 +8041,29 @@
                           </a:solidFill>
                           <a:latin typeface="Cambria Math" panose="02040503050406030204" pitchFamily="18" charset="0"/>
                         </a:rPr>
-                        <m:t>     </m:t>
+                        <m:t>    </m:t>
+                      </m:r>
+                      <m:r>
+                        <a:rPr lang="pt-PT" sz="2400" b="0" i="1" smtClean="0">
+                          <a:solidFill>
+                            <a:schemeClr val="accent1">
+                              <a:lumMod val="75000"/>
+                            </a:schemeClr>
+                          </a:solidFill>
+                          <a:latin typeface="Cambria Math" panose="02040503050406030204" pitchFamily="18" charset="0"/>
+                        </a:rPr>
+                        <m:t>   </m:t>
+                      </m:r>
+                      <m:r>
+                        <a:rPr lang="pt-PT" sz="2400" b="0" i="1" smtClean="0">
+                          <a:solidFill>
+                            <a:schemeClr val="accent1">
+                              <a:lumMod val="75000"/>
+                            </a:schemeClr>
+                          </a:solidFill>
+                          <a:latin typeface="Cambria Math" panose="02040503050406030204" pitchFamily="18" charset="0"/>
+                        </a:rPr>
+                        <m:t> </m:t>
                       </m:r>
                       <m:sSup>
                         <m:sSupPr>
@@ -8097,6 +8119,17 @@
                           </m:ctrlPr>
                         </m:sSupPr>
                         <m:e>
+                          <m:r>
+                            <a:rPr lang="pt-PT" sz="2400" b="0" i="1" smtClean="0">
+                              <a:solidFill>
+                                <a:schemeClr val="accent1">
+                                  <a:lumMod val="75000"/>
+                                </a:schemeClr>
+                              </a:solidFill>
+                              <a:latin typeface="Cambria Math" panose="02040503050406030204" pitchFamily="18" charset="0"/>
+                            </a:rPr>
+                            <m:t> </m:t>
+                          </m:r>
                           <m:r>
                             <a:rPr lang="pt-PT" sz="2400" i="1">
                               <a:solidFill>
@@ -8218,6 +8251,17 @@
                           </m:r>
                         </m:sup>
                       </m:sSup>
+                      <m:r>
+                        <a:rPr lang="pt-PT" sz="2400" b="0" i="1" smtClean="0">
+                          <a:solidFill>
+                            <a:schemeClr val="accent1">
+                              <a:lumMod val="75000"/>
+                            </a:schemeClr>
+                          </a:solidFill>
+                          <a:latin typeface="Cambria Math" panose="02040503050406030204" pitchFamily="18" charset="0"/>
+                        </a:rPr>
+                        <m:t> </m:t>
+                      </m:r>
                       <m:sSup>
                         <m:sSupPr>
                           <m:ctrlPr>
@@ -8289,7 +8333,7 @@
                           </a:solidFill>
                           <a:latin typeface="Cambria Math" panose="02040503050406030204" pitchFamily="18" charset="0"/>
                         </a:rPr>
-                        <m:t>              </m:t>
+                        <m:t>             </m:t>
                       </m:r>
                       <m:sSup>
                         <m:sSupPr>
@@ -8433,7 +8477,7 @@
             </p:txBody>
           </p:sp>
         </mc:Choice>
-        <mc:Fallback xmlns="">
+        <mc:Fallback>
           <p:sp>
             <p:nvSpPr>
               <p:cNvPr id="161" name="TextBox 160">
@@ -8457,9 +8501,9 @@
                 <a:avLst/>
               </a:prstGeom>
               <a:blipFill>
-                <a:blip r:embed="rId17"/>
+                <a:blip r:embed="rId18"/>
                 <a:stretch>
-                  <a:fillRect r="-3711" b="-17949"/>
+                  <a:fillRect r="-7813" b="-17949"/>
                 </a:stretch>
               </a:blipFill>
             </p:spPr>
@@ -8747,7 +8791,7 @@
                 <a:avLst/>
               </a:prstGeom>
               <a:blipFill>
-                <a:blip r:embed="rId18"/>
+                <a:blip r:embed="rId19"/>
                 <a:stretch>
                   <a:fillRect/>
                 </a:stretch>
@@ -8768,6 +8812,590 @@
           </p:sp>
         </mc:Fallback>
       </mc:AlternateContent>
+      <p:sp>
+        <p:nvSpPr>
+          <p:cNvPr id="11" name="Curved Up Arrow 10">
+            <a:extLst>
+              <a:ext uri="{FF2B5EF4-FFF2-40B4-BE49-F238E27FC236}">
+                <a16:creationId xmlns:a16="http://schemas.microsoft.com/office/drawing/2014/main" id="{FE461FC9-4502-7840-80D6-885EC3D5A638}"/>
+              </a:ext>
+            </a:extLst>
+          </p:cNvPr>
+          <p:cNvSpPr/>
+          <p:nvPr/>
+        </p:nvSpPr>
+        <p:spPr>
+          <a:xfrm>
+            <a:off x="3657600" y="5800491"/>
+            <a:ext cx="709863" cy="395772"/>
+          </a:xfrm>
+          <a:prstGeom prst="curvedUpArrow">
+            <a:avLst>
+              <a:gd name="adj1" fmla="val 25000"/>
+              <a:gd name="adj2" fmla="val 50000"/>
+              <a:gd name="adj3" fmla="val 28122"/>
+            </a:avLst>
+          </a:prstGeom>
+          <a:ln>
+            <a:noFill/>
+          </a:ln>
+        </p:spPr>
+        <p:style>
+          <a:lnRef idx="2">
+            <a:schemeClr val="accent1">
+              <a:shade val="50000"/>
+            </a:schemeClr>
+          </a:lnRef>
+          <a:fillRef idx="1">
+            <a:schemeClr val="accent1"/>
+          </a:fillRef>
+          <a:effectRef idx="0">
+            <a:schemeClr val="accent1"/>
+          </a:effectRef>
+          <a:fontRef idx="minor">
+            <a:schemeClr val="lt1"/>
+          </a:fontRef>
+        </p:style>
+        <p:txBody>
+          <a:bodyPr rtlCol="0" anchor="ctr"/>
+          <a:lstStyle/>
+          <a:p>
+            <a:pPr algn="ctr"/>
+            <a:endParaRPr lang="en-US">
+              <a:solidFill>
+                <a:schemeClr val="tx1"/>
+              </a:solidFill>
+            </a:endParaRPr>
+          </a:p>
+        </p:txBody>
+      </p:sp>
+      <p:sp>
+        <p:nvSpPr>
+          <p:cNvPr id="76" name="Curved Up Arrow 75">
+            <a:extLst>
+              <a:ext uri="{FF2B5EF4-FFF2-40B4-BE49-F238E27FC236}">
+                <a16:creationId xmlns:a16="http://schemas.microsoft.com/office/drawing/2014/main" id="{9C27DA92-C923-C444-BA37-80ED3C3BB803}"/>
+              </a:ext>
+            </a:extLst>
+          </p:cNvPr>
+          <p:cNvSpPr/>
+          <p:nvPr/>
+        </p:nvSpPr>
+        <p:spPr>
+          <a:xfrm>
+            <a:off x="5741340" y="5804610"/>
+            <a:ext cx="709863" cy="395772"/>
+          </a:xfrm>
+          <a:prstGeom prst="curvedUpArrow">
+            <a:avLst/>
+          </a:prstGeom>
+          <a:ln>
+            <a:noFill/>
+          </a:ln>
+        </p:spPr>
+        <p:style>
+          <a:lnRef idx="2">
+            <a:schemeClr val="accent1">
+              <a:shade val="50000"/>
+            </a:schemeClr>
+          </a:lnRef>
+          <a:fillRef idx="1">
+            <a:schemeClr val="accent1"/>
+          </a:fillRef>
+          <a:effectRef idx="0">
+            <a:schemeClr val="accent1"/>
+          </a:effectRef>
+          <a:fontRef idx="minor">
+            <a:schemeClr val="lt1"/>
+          </a:fontRef>
+        </p:style>
+        <p:txBody>
+          <a:bodyPr rtlCol="0" anchor="ctr"/>
+          <a:lstStyle/>
+          <a:p>
+            <a:pPr algn="ctr"/>
+            <a:endParaRPr lang="en-US">
+              <a:solidFill>
+                <a:schemeClr val="tx1"/>
+              </a:solidFill>
+            </a:endParaRPr>
+          </a:p>
+        </p:txBody>
+      </p:sp>
+      <mc:AlternateContent xmlns:mc="http://schemas.openxmlformats.org/markup-compatibility/2006">
+        <mc:Choice xmlns:a14="http://schemas.microsoft.com/office/drawing/2010/main" Requires="a14">
+          <p:sp>
+            <p:nvSpPr>
+              <p:cNvPr id="18" name="TextBox 17">
+                <a:extLst>
+                  <a:ext uri="{FF2B5EF4-FFF2-40B4-BE49-F238E27FC236}">
+                    <a16:creationId xmlns:a16="http://schemas.microsoft.com/office/drawing/2014/main" id="{60F1E04F-DB0F-A549-B25A-C3ED8B8F02C6}"/>
+                  </a:ext>
+                </a:extLst>
+              </p:cNvPr>
+              <p:cNvSpPr txBox="1"/>
+              <p:nvPr/>
+            </p:nvSpPr>
+            <p:spPr>
+              <a:xfrm>
+                <a:off x="3718001" y="6195128"/>
+                <a:ext cx="801373" cy="477438"/>
+              </a:xfrm>
+              <a:prstGeom prst="rect">
+                <a:avLst/>
+              </a:prstGeom>
+              <a:noFill/>
+            </p:spPr>
+            <p:txBody>
+              <a:bodyPr wrap="none" rtlCol="0">
+                <a:spAutoFit/>
+              </a:bodyPr>
+              <a:lstStyle/>
+              <a:p>
+                <a14:m>
+                  <m:oMathPara xmlns:m="http://schemas.openxmlformats.org/officeDocument/2006/math">
+                    <m:oMathParaPr>
+                      <m:jc m:val="centerGroup"/>
+                    </m:oMathParaPr>
+                    <m:oMath xmlns:m="http://schemas.openxmlformats.org/officeDocument/2006/math">
+                      <m:sSup>
+                        <m:sSupPr>
+                          <m:ctrlPr>
+                            <a:rPr lang="el-GR" sz="2400" i="1" smtClean="0">
+                              <a:solidFill>
+                                <a:schemeClr val="accent1">
+                                  <a:lumMod val="75000"/>
+                                </a:schemeClr>
+                              </a:solidFill>
+                              <a:latin typeface="Cambria Math" panose="02040503050406030204" pitchFamily="18" charset="0"/>
+                              <a:ea typeface="Cambria Math" panose="02040503050406030204" pitchFamily="18" charset="0"/>
+                            </a:rPr>
+                          </m:ctrlPr>
+                        </m:sSupPr>
+                        <m:e>
+                          <m:r>
+                            <m:rPr>
+                              <m:sty m:val="p"/>
+                            </m:rPr>
+                            <a:rPr lang="el-GR" sz="2400" i="1" smtClean="0">
+                              <a:solidFill>
+                                <a:schemeClr val="accent1">
+                                  <a:lumMod val="75000"/>
+                                </a:schemeClr>
+                              </a:solidFill>
+                              <a:latin typeface="Cambria Math" panose="02040503050406030204" pitchFamily="18" charset="0"/>
+                              <a:ea typeface="Cambria Math" panose="02040503050406030204" pitchFamily="18" charset="0"/>
+                            </a:rPr>
+                            <m:t>Φ</m:t>
+                          </m:r>
+                        </m:e>
+                        <m:sup>
+                          <m:r>
+                            <a:rPr lang="pt-PT" sz="2400" b="0" i="1" smtClean="0">
+                              <a:solidFill>
+                                <a:schemeClr val="accent1">
+                                  <a:lumMod val="75000"/>
+                                </a:schemeClr>
+                              </a:solidFill>
+                              <a:latin typeface="Cambria Math" panose="02040503050406030204" pitchFamily="18" charset="0"/>
+                              <a:ea typeface="Cambria Math" panose="02040503050406030204" pitchFamily="18" charset="0"/>
+                            </a:rPr>
+                            <m:t>[1]</m:t>
+                          </m:r>
+                        </m:sup>
+                      </m:sSup>
+                    </m:oMath>
+                  </m:oMathPara>
+                </a14:m>
+                <a:endParaRPr lang="en-US" sz="2400" dirty="0"/>
+              </a:p>
+            </p:txBody>
+          </p:sp>
+        </mc:Choice>
+        <mc:Fallback>
+          <p:sp>
+            <p:nvSpPr>
+              <p:cNvPr id="18" name="TextBox 17">
+                <a:extLst>
+                  <a:ext uri="{FF2B5EF4-FFF2-40B4-BE49-F238E27FC236}">
+                    <a16:creationId xmlns:a16="http://schemas.microsoft.com/office/drawing/2014/main" id="{60F1E04F-DB0F-A549-B25A-C3ED8B8F02C6}"/>
+                  </a:ext>
+                </a:extLst>
+              </p:cNvPr>
+              <p:cNvSpPr txBox="1">
+                <a:spLocks noRot="1" noChangeAspect="1" noMove="1" noResize="1" noEditPoints="1" noAdjustHandles="1" noChangeArrowheads="1" noChangeShapeType="1" noTextEdit="1"/>
+              </p:cNvSpPr>
+              <p:nvPr/>
+            </p:nvSpPr>
+            <p:spPr>
+              <a:xfrm>
+                <a:off x="3718001" y="6195128"/>
+                <a:ext cx="801373" cy="477438"/>
+              </a:xfrm>
+              <a:prstGeom prst="rect">
+                <a:avLst/>
+              </a:prstGeom>
+              <a:blipFill>
+                <a:blip r:embed="rId20"/>
+                <a:stretch>
+                  <a:fillRect/>
+                </a:stretch>
+              </a:blipFill>
+            </p:spPr>
+            <p:txBody>
+              <a:bodyPr/>
+              <a:lstStyle/>
+              <a:p>
+                <a:r>
+                  <a:rPr lang="en-US">
+                    <a:noFill/>
+                  </a:rPr>
+                  <a:t> </a:t>
+                </a:r>
+              </a:p>
+            </p:txBody>
+          </p:sp>
+        </mc:Fallback>
+      </mc:AlternateContent>
+      <mc:AlternateContent xmlns:mc="http://schemas.openxmlformats.org/markup-compatibility/2006">
+        <mc:Choice xmlns:a14="http://schemas.microsoft.com/office/drawing/2010/main" Requires="a14">
+          <p:sp>
+            <p:nvSpPr>
+              <p:cNvPr id="83" name="TextBox 82">
+                <a:extLst>
+                  <a:ext uri="{FF2B5EF4-FFF2-40B4-BE49-F238E27FC236}">
+                    <a16:creationId xmlns:a16="http://schemas.microsoft.com/office/drawing/2014/main" id="{51C11FD3-4655-3847-9260-533588A498D1}"/>
+                  </a:ext>
+                </a:extLst>
+              </p:cNvPr>
+              <p:cNvSpPr txBox="1"/>
+              <p:nvPr/>
+            </p:nvSpPr>
+            <p:spPr>
+              <a:xfrm>
+                <a:off x="5720544" y="6194438"/>
+                <a:ext cx="801373" cy="477438"/>
+              </a:xfrm>
+              <a:prstGeom prst="rect">
+                <a:avLst/>
+              </a:prstGeom>
+              <a:noFill/>
+            </p:spPr>
+            <p:txBody>
+              <a:bodyPr wrap="none" rtlCol="0">
+                <a:spAutoFit/>
+              </a:bodyPr>
+              <a:lstStyle/>
+              <a:p>
+                <a14:m>
+                  <m:oMathPara xmlns:m="http://schemas.openxmlformats.org/officeDocument/2006/math">
+                    <m:oMathParaPr>
+                      <m:jc m:val="centerGroup"/>
+                    </m:oMathParaPr>
+                    <m:oMath xmlns:m="http://schemas.openxmlformats.org/officeDocument/2006/math">
+                      <m:sSup>
+                        <m:sSupPr>
+                          <m:ctrlPr>
+                            <a:rPr lang="el-GR" sz="2400" i="1" smtClean="0">
+                              <a:solidFill>
+                                <a:schemeClr val="accent1">
+                                  <a:lumMod val="75000"/>
+                                </a:schemeClr>
+                              </a:solidFill>
+                              <a:latin typeface="Cambria Math" panose="02040503050406030204" pitchFamily="18" charset="0"/>
+                              <a:ea typeface="Cambria Math" panose="02040503050406030204" pitchFamily="18" charset="0"/>
+                            </a:rPr>
+                          </m:ctrlPr>
+                        </m:sSupPr>
+                        <m:e>
+                          <m:r>
+                            <m:rPr>
+                              <m:sty m:val="p"/>
+                            </m:rPr>
+                            <a:rPr lang="el-GR" sz="2400" i="1" smtClean="0">
+                              <a:solidFill>
+                                <a:schemeClr val="accent1">
+                                  <a:lumMod val="75000"/>
+                                </a:schemeClr>
+                              </a:solidFill>
+                              <a:latin typeface="Cambria Math" panose="02040503050406030204" pitchFamily="18" charset="0"/>
+                              <a:ea typeface="Cambria Math" panose="02040503050406030204" pitchFamily="18" charset="0"/>
+                            </a:rPr>
+                            <m:t>Φ</m:t>
+                          </m:r>
+                        </m:e>
+                        <m:sup>
+                          <m:r>
+                            <a:rPr lang="pt-PT" sz="2400" b="0" i="1" smtClean="0">
+                              <a:solidFill>
+                                <a:schemeClr val="accent1">
+                                  <a:lumMod val="75000"/>
+                                </a:schemeClr>
+                              </a:solidFill>
+                              <a:latin typeface="Cambria Math" panose="02040503050406030204" pitchFamily="18" charset="0"/>
+                              <a:ea typeface="Cambria Math" panose="02040503050406030204" pitchFamily="18" charset="0"/>
+                            </a:rPr>
+                            <m:t>[2]</m:t>
+                          </m:r>
+                        </m:sup>
+                      </m:sSup>
+                    </m:oMath>
+                  </m:oMathPara>
+                </a14:m>
+                <a:endParaRPr lang="en-US" sz="2400" dirty="0"/>
+              </a:p>
+            </p:txBody>
+          </p:sp>
+        </mc:Choice>
+        <mc:Fallback>
+          <p:sp>
+            <p:nvSpPr>
+              <p:cNvPr id="83" name="TextBox 82">
+                <a:extLst>
+                  <a:ext uri="{FF2B5EF4-FFF2-40B4-BE49-F238E27FC236}">
+                    <a16:creationId xmlns:a16="http://schemas.microsoft.com/office/drawing/2014/main" id="{51C11FD3-4655-3847-9260-533588A498D1}"/>
+                  </a:ext>
+                </a:extLst>
+              </p:cNvPr>
+              <p:cNvSpPr txBox="1">
+                <a:spLocks noRot="1" noChangeAspect="1" noMove="1" noResize="1" noEditPoints="1" noAdjustHandles="1" noChangeArrowheads="1" noChangeShapeType="1" noTextEdit="1"/>
+              </p:cNvSpPr>
+              <p:nvPr/>
+            </p:nvSpPr>
+            <p:spPr>
+              <a:xfrm>
+                <a:off x="5720544" y="6194438"/>
+                <a:ext cx="801373" cy="477438"/>
+              </a:xfrm>
+              <a:prstGeom prst="rect">
+                <a:avLst/>
+              </a:prstGeom>
+              <a:blipFill>
+                <a:blip r:embed="rId21"/>
+                <a:stretch>
+                  <a:fillRect/>
+                </a:stretch>
+              </a:blipFill>
+            </p:spPr>
+            <p:txBody>
+              <a:bodyPr/>
+              <a:lstStyle/>
+              <a:p>
+                <a:r>
+                  <a:rPr lang="en-US">
+                    <a:noFill/>
+                  </a:rPr>
+                  <a:t> </a:t>
+                </a:r>
+              </a:p>
+            </p:txBody>
+          </p:sp>
+        </mc:Fallback>
+      </mc:AlternateContent>
+      <mc:AlternateContent xmlns:mc="http://schemas.openxmlformats.org/markup-compatibility/2006">
+        <mc:Choice xmlns:a14="http://schemas.microsoft.com/office/drawing/2010/main" Requires="a14">
+          <p:sp>
+            <p:nvSpPr>
+              <p:cNvPr id="84" name="TextBox 83">
+                <a:extLst>
+                  <a:ext uri="{FF2B5EF4-FFF2-40B4-BE49-F238E27FC236}">
+                    <a16:creationId xmlns:a16="http://schemas.microsoft.com/office/drawing/2014/main" id="{E0A038E4-ABB7-A844-B657-B58E268F3F14}"/>
+                  </a:ext>
+                </a:extLst>
+              </p:cNvPr>
+              <p:cNvSpPr txBox="1"/>
+              <p:nvPr/>
+            </p:nvSpPr>
+            <p:spPr>
+              <a:xfrm>
+                <a:off x="7565628" y="6209262"/>
+                <a:ext cx="801373" cy="477438"/>
+              </a:xfrm>
+              <a:prstGeom prst="rect">
+                <a:avLst/>
+              </a:prstGeom>
+              <a:noFill/>
+            </p:spPr>
+            <p:txBody>
+              <a:bodyPr wrap="none" rtlCol="0">
+                <a:spAutoFit/>
+              </a:bodyPr>
+              <a:lstStyle/>
+              <a:p>
+                <a14:m>
+                  <m:oMathPara xmlns:m="http://schemas.openxmlformats.org/officeDocument/2006/math">
+                    <m:oMathParaPr>
+                      <m:jc m:val="centerGroup"/>
+                    </m:oMathParaPr>
+                    <m:oMath xmlns:m="http://schemas.openxmlformats.org/officeDocument/2006/math">
+                      <m:sSup>
+                        <m:sSupPr>
+                          <m:ctrlPr>
+                            <a:rPr lang="el-GR" sz="2400" i="1" smtClean="0">
+                              <a:solidFill>
+                                <a:schemeClr val="accent6">
+                                  <a:lumMod val="60000"/>
+                                  <a:lumOff val="40000"/>
+                                </a:schemeClr>
+                              </a:solidFill>
+                              <a:latin typeface="Cambria Math" panose="02040503050406030204" pitchFamily="18" charset="0"/>
+                              <a:ea typeface="Cambria Math" panose="02040503050406030204" pitchFamily="18" charset="0"/>
+                            </a:rPr>
+                          </m:ctrlPr>
+                        </m:sSupPr>
+                        <m:e>
+                          <m:r>
+                            <m:rPr>
+                              <m:sty m:val="p"/>
+                            </m:rPr>
+                            <a:rPr lang="el-GR" sz="2400" i="1" smtClean="0">
+                              <a:solidFill>
+                                <a:schemeClr val="accent6">
+                                  <a:lumMod val="60000"/>
+                                  <a:lumOff val="40000"/>
+                                </a:schemeClr>
+                              </a:solidFill>
+                              <a:latin typeface="Cambria Math" panose="02040503050406030204" pitchFamily="18" charset="0"/>
+                              <a:ea typeface="Cambria Math" panose="02040503050406030204" pitchFamily="18" charset="0"/>
+                            </a:rPr>
+                            <m:t>Φ</m:t>
+                          </m:r>
+                        </m:e>
+                        <m:sup>
+                          <m:r>
+                            <a:rPr lang="pt-PT" sz="2400" b="0" i="1" smtClean="0">
+                              <a:solidFill>
+                                <a:schemeClr val="accent6">
+                                  <a:lumMod val="60000"/>
+                                  <a:lumOff val="40000"/>
+                                </a:schemeClr>
+                              </a:solidFill>
+                              <a:latin typeface="Cambria Math" panose="02040503050406030204" pitchFamily="18" charset="0"/>
+                              <a:ea typeface="Cambria Math" panose="02040503050406030204" pitchFamily="18" charset="0"/>
+                            </a:rPr>
+                            <m:t>[3]</m:t>
+                          </m:r>
+                        </m:sup>
+                      </m:sSup>
+                    </m:oMath>
+                  </m:oMathPara>
+                </a14:m>
+                <a:endParaRPr lang="en-US" sz="2400" dirty="0">
+                  <a:solidFill>
+                    <a:schemeClr val="accent6">
+                      <a:lumMod val="60000"/>
+                      <a:lumOff val="40000"/>
+                    </a:schemeClr>
+                  </a:solidFill>
+                </a:endParaRPr>
+              </a:p>
+            </p:txBody>
+          </p:sp>
+        </mc:Choice>
+        <mc:Fallback>
+          <p:sp>
+            <p:nvSpPr>
+              <p:cNvPr id="84" name="TextBox 83">
+                <a:extLst>
+                  <a:ext uri="{FF2B5EF4-FFF2-40B4-BE49-F238E27FC236}">
+                    <a16:creationId xmlns:a16="http://schemas.microsoft.com/office/drawing/2014/main" id="{E0A038E4-ABB7-A844-B657-B58E268F3F14}"/>
+                  </a:ext>
+                </a:extLst>
+              </p:cNvPr>
+              <p:cNvSpPr txBox="1">
+                <a:spLocks noRot="1" noChangeAspect="1" noMove="1" noResize="1" noEditPoints="1" noAdjustHandles="1" noChangeArrowheads="1" noChangeShapeType="1" noTextEdit="1"/>
+              </p:cNvSpPr>
+              <p:nvPr/>
+            </p:nvSpPr>
+            <p:spPr>
+              <a:xfrm>
+                <a:off x="7565628" y="6209262"/>
+                <a:ext cx="801373" cy="477438"/>
+              </a:xfrm>
+              <a:prstGeom prst="rect">
+                <a:avLst/>
+              </a:prstGeom>
+              <a:blipFill>
+                <a:blip r:embed="rId22"/>
+                <a:stretch>
+                  <a:fillRect/>
+                </a:stretch>
+              </a:blipFill>
+            </p:spPr>
+            <p:txBody>
+              <a:bodyPr/>
+              <a:lstStyle/>
+              <a:p>
+                <a:r>
+                  <a:rPr lang="en-US">
+                    <a:noFill/>
+                  </a:rPr>
+                  <a:t> </a:t>
+                </a:r>
+              </a:p>
+            </p:txBody>
+          </p:sp>
+        </mc:Fallback>
+      </mc:AlternateContent>
+      <p:sp>
+        <p:nvSpPr>
+          <p:cNvPr id="85" name="Curved Up Arrow 84">
+            <a:extLst>
+              <a:ext uri="{FF2B5EF4-FFF2-40B4-BE49-F238E27FC236}">
+                <a16:creationId xmlns:a16="http://schemas.microsoft.com/office/drawing/2014/main" id="{EC1FFDD0-6D4E-5641-B70F-7B0E64DEEE3E}"/>
+              </a:ext>
+            </a:extLst>
+          </p:cNvPr>
+          <p:cNvSpPr/>
+          <p:nvPr/>
+        </p:nvSpPr>
+        <p:spPr>
+          <a:xfrm>
+            <a:off x="7611384" y="5798666"/>
+            <a:ext cx="709863" cy="395772"/>
+          </a:xfrm>
+          <a:prstGeom prst="curvedUpArrow">
+            <a:avLst/>
+          </a:prstGeom>
+          <a:solidFill>
+            <a:schemeClr val="accent6">
+              <a:lumMod val="60000"/>
+              <a:lumOff val="40000"/>
+            </a:schemeClr>
+          </a:solidFill>
+          <a:ln>
+            <a:noFill/>
+          </a:ln>
+        </p:spPr>
+        <p:style>
+          <a:lnRef idx="2">
+            <a:schemeClr val="accent1">
+              <a:shade val="50000"/>
+            </a:schemeClr>
+          </a:lnRef>
+          <a:fillRef idx="1">
+            <a:schemeClr val="accent1"/>
+          </a:fillRef>
+          <a:effectRef idx="0">
+            <a:schemeClr val="accent1"/>
+          </a:effectRef>
+          <a:fontRef idx="minor">
+            <a:schemeClr val="lt1"/>
+          </a:fontRef>
+        </p:style>
+        <p:txBody>
+          <a:bodyPr rtlCol="0" anchor="ctr"/>
+          <a:lstStyle/>
+          <a:p>
+            <a:pPr algn="ctr"/>
+            <a:endParaRPr lang="en-US" dirty="0">
+              <a:solidFill>
+                <a:schemeClr val="tx1"/>
+              </a:solidFill>
+            </a:endParaRPr>
+          </a:p>
+        </p:txBody>
+      </p:sp>
     </p:spTree>
     <p:extLst>
       <p:ext uri="{BB962C8B-B14F-4D97-AF65-F5344CB8AC3E}">
